--- a/poster/Poster_Bubbles_Lockwood4.pptx
+++ b/poster/Poster_Bubbles_Lockwood4.pptx
@@ -376,7 +376,7 @@
             <a:fld id="{E6CC2317-6751-4CD4-9995-8782DD78E936}" type="datetimeFigureOut">
               <a:rPr lang="en-US" smtClean="0"/>
               <a:pPr/>
-              <a:t>5/14/2021</a:t>
+              <a:t>5/16/2021</a:t>
             </a:fld>
             <a:endParaRPr lang="en-US" dirty="0"/>
           </a:p>
@@ -17426,6 +17426,702 @@
           <a:chExt cx="0" cy="0"/>
         </a:xfrm>
       </p:grpSpPr>
+      <p:grpSp>
+        <p:nvGrpSpPr>
+          <p:cNvPr id="5" name="Groep 4">
+            <a:extLst>
+              <a:ext uri="{FF2B5EF4-FFF2-40B4-BE49-F238E27FC236}">
+                <a16:creationId xmlns:a16="http://schemas.microsoft.com/office/drawing/2014/main" id="{20B96274-710F-4172-A202-56E3A22EB4C8}"/>
+              </a:ext>
+            </a:extLst>
+          </p:cNvPr>
+          <p:cNvGrpSpPr/>
+          <p:nvPr/>
+        </p:nvGrpSpPr>
+        <p:grpSpPr>
+          <a:xfrm>
+            <a:off x="14840246" y="7793771"/>
+            <a:ext cx="6688555" cy="2304451"/>
+            <a:chOff x="14840246" y="7724321"/>
+            <a:chExt cx="6688555" cy="2304451"/>
+          </a:xfrm>
+        </p:grpSpPr>
+        <p:grpSp>
+          <p:nvGrpSpPr>
+            <p:cNvPr id="35" name="Groep 34">
+              <a:extLst>
+                <a:ext uri="{FF2B5EF4-FFF2-40B4-BE49-F238E27FC236}">
+                  <a16:creationId xmlns:a16="http://schemas.microsoft.com/office/drawing/2014/main" id="{D627A807-E759-491B-BCE8-D4A95EEB2CAE}"/>
+                </a:ext>
+              </a:extLst>
+            </p:cNvPr>
+            <p:cNvGrpSpPr/>
+            <p:nvPr/>
+          </p:nvGrpSpPr>
+          <p:grpSpPr>
+            <a:xfrm>
+              <a:off x="14862492" y="7724321"/>
+              <a:ext cx="6640925" cy="1524000"/>
+              <a:chOff x="14887387" y="7880858"/>
+              <a:chExt cx="6640925" cy="1524000"/>
+            </a:xfrm>
+          </p:grpSpPr>
+          <p:pic>
+            <p:nvPicPr>
+              <p:cNvPr id="30" name="Afbeelding 29">
+                <a:extLst>
+                  <a:ext uri="{FF2B5EF4-FFF2-40B4-BE49-F238E27FC236}">
+                    <a16:creationId xmlns:a16="http://schemas.microsoft.com/office/drawing/2014/main" id="{CE25F1F9-DFFF-4D53-BD72-F4447DA651F0}"/>
+                  </a:ext>
+                </a:extLst>
+              </p:cNvPr>
+              <p:cNvPicPr>
+                <a:picLocks noChangeAspect="1"/>
+              </p:cNvPicPr>
+              <p:nvPr/>
+            </p:nvPicPr>
+            <p:blipFill>
+              <a:blip r:embed="rId3">
+                <a:extLst>
+                  <a:ext uri="{28A0092B-C50C-407E-A947-70E740481C1C}">
+                    <a14:useLocalDpi xmlns:a14="http://schemas.microsoft.com/office/drawing/2010/main" val="0"/>
+                  </a:ext>
+                </a:extLst>
+              </a:blip>
+              <a:stretch>
+                <a:fillRect/>
+              </a:stretch>
+            </p:blipFill>
+            <p:spPr>
+              <a:xfrm>
+                <a:off x="14887387" y="7880858"/>
+                <a:ext cx="2286000" cy="1524000"/>
+              </a:xfrm>
+              <a:prstGeom prst="rect">
+                <a:avLst/>
+              </a:prstGeom>
+            </p:spPr>
+          </p:pic>
+          <p:pic>
+            <p:nvPicPr>
+              <p:cNvPr id="32" name="Afbeelding 31">
+                <a:extLst>
+                  <a:ext uri="{FF2B5EF4-FFF2-40B4-BE49-F238E27FC236}">
+                    <a16:creationId xmlns:a16="http://schemas.microsoft.com/office/drawing/2014/main" id="{FE39CCA0-7C35-4100-B196-89A158D804F2}"/>
+                  </a:ext>
+                </a:extLst>
+              </p:cNvPr>
+              <p:cNvPicPr>
+                <a:picLocks noChangeAspect="1"/>
+              </p:cNvPicPr>
+              <p:nvPr/>
+            </p:nvPicPr>
+            <p:blipFill>
+              <a:blip r:embed="rId4">
+                <a:extLst>
+                  <a:ext uri="{28A0092B-C50C-407E-A947-70E740481C1C}">
+                    <a14:useLocalDpi xmlns:a14="http://schemas.microsoft.com/office/drawing/2010/main" val="0"/>
+                  </a:ext>
+                </a:extLst>
+              </a:blip>
+              <a:stretch>
+                <a:fillRect/>
+              </a:stretch>
+            </p:blipFill>
+            <p:spPr>
+              <a:xfrm>
+                <a:off x="17064849" y="7880858"/>
+                <a:ext cx="2286000" cy="1524000"/>
+              </a:xfrm>
+              <a:prstGeom prst="rect">
+                <a:avLst/>
+              </a:prstGeom>
+            </p:spPr>
+          </p:pic>
+          <p:pic>
+            <p:nvPicPr>
+              <p:cNvPr id="34" name="Afbeelding 33">
+                <a:extLst>
+                  <a:ext uri="{FF2B5EF4-FFF2-40B4-BE49-F238E27FC236}">
+                    <a16:creationId xmlns:a16="http://schemas.microsoft.com/office/drawing/2014/main" id="{843D7929-C5B9-478E-B2EC-33AA7BB38DC4}"/>
+                  </a:ext>
+                </a:extLst>
+              </p:cNvPr>
+              <p:cNvPicPr>
+                <a:picLocks noChangeAspect="1"/>
+              </p:cNvPicPr>
+              <p:nvPr/>
+            </p:nvPicPr>
+            <p:blipFill>
+              <a:blip r:embed="rId5">
+                <a:extLst>
+                  <a:ext uri="{28A0092B-C50C-407E-A947-70E740481C1C}">
+                    <a14:useLocalDpi xmlns:a14="http://schemas.microsoft.com/office/drawing/2010/main" val="0"/>
+                  </a:ext>
+                </a:extLst>
+              </a:blip>
+              <a:stretch>
+                <a:fillRect/>
+              </a:stretch>
+            </p:blipFill>
+            <p:spPr>
+              <a:xfrm>
+                <a:off x="19242312" y="7880858"/>
+                <a:ext cx="2286000" cy="1524000"/>
+              </a:xfrm>
+              <a:prstGeom prst="rect">
+                <a:avLst/>
+              </a:prstGeom>
+            </p:spPr>
+          </p:pic>
+        </p:grpSp>
+        <p:grpSp>
+          <p:nvGrpSpPr>
+            <p:cNvPr id="39" name="Groep 38">
+              <a:extLst>
+                <a:ext uri="{FF2B5EF4-FFF2-40B4-BE49-F238E27FC236}">
+                  <a16:creationId xmlns:a16="http://schemas.microsoft.com/office/drawing/2014/main" id="{D2110688-93D2-4BD3-82DA-907BA10416CF}"/>
+                </a:ext>
+              </a:extLst>
+            </p:cNvPr>
+            <p:cNvGrpSpPr/>
+            <p:nvPr/>
+          </p:nvGrpSpPr>
+          <p:grpSpPr>
+            <a:xfrm>
+              <a:off x="14840246" y="9272534"/>
+              <a:ext cx="6688555" cy="756238"/>
+              <a:chOff x="14840246" y="9421571"/>
+              <a:chExt cx="6688555" cy="756238"/>
+            </a:xfrm>
+          </p:grpSpPr>
+          <p:sp>
+            <p:nvSpPr>
+              <p:cNvPr id="86" name="Tijdelijke aanduiding voor tekst 6">
+                <a:extLst>
+                  <a:ext uri="{FF2B5EF4-FFF2-40B4-BE49-F238E27FC236}">
+                    <a16:creationId xmlns:a16="http://schemas.microsoft.com/office/drawing/2014/main" id="{1F161149-379F-4A0A-AF6A-3C60B0AD9341}"/>
+                  </a:ext>
+                </a:extLst>
+              </p:cNvPr>
+              <p:cNvSpPr txBox="1">
+                <a:spLocks/>
+              </p:cNvSpPr>
+              <p:nvPr/>
+            </p:nvSpPr>
+            <p:spPr>
+              <a:xfrm>
+                <a:off x="14840246" y="9421571"/>
+                <a:ext cx="2224603" cy="756238"/>
+              </a:xfrm>
+              <a:prstGeom prst="rect">
+                <a:avLst/>
+              </a:prstGeom>
+            </p:spPr>
+            <p:txBody>
+              <a:bodyPr wrap="square" lIns="130622" tIns="130622" rIns="130622" bIns="130622">
+                <a:spAutoFit/>
+              </a:bodyPr>
+              <a:lstStyle>
+                <a:lvl1pPr marL="0" indent="0" algn="l" defTabSz="2675223" rtl="0" eaLnBrk="1" latinLnBrk="0" hangingPunct="1">
+                  <a:spcBef>
+                    <a:spcPct val="20000"/>
+                  </a:spcBef>
+                  <a:buFont typeface="Arial" pitchFamily="34" charset="0"/>
+                  <a:buNone/>
+                  <a:defRPr sz="1493" kern="1200">
+                    <a:solidFill>
+                      <a:schemeClr val="accent5">
+                        <a:lumMod val="50000"/>
+                      </a:schemeClr>
+                    </a:solidFill>
+                    <a:latin typeface="Times New Roman" panose="02020603050405020304" pitchFamily="18" charset="0"/>
+                    <a:ea typeface="+mn-ea"/>
+                    <a:cs typeface="Times New Roman" panose="02020603050405020304" pitchFamily="18" charset="0"/>
+                  </a:defRPr>
+                </a:lvl1pPr>
+                <a:lvl2pPr marL="905674" indent="-348336" algn="l" defTabSz="2675223" rtl="0" eaLnBrk="1" latinLnBrk="0" hangingPunct="1">
+                  <a:spcBef>
+                    <a:spcPct val="20000"/>
+                  </a:spcBef>
+                  <a:buFont typeface="Arial" pitchFamily="34" charset="0"/>
+                  <a:buChar char="–"/>
+                  <a:defRPr sz="1493" kern="1200">
+                    <a:solidFill>
+                      <a:schemeClr val="tx1"/>
+                    </a:solidFill>
+                    <a:latin typeface="Trebuchet MS" pitchFamily="34" charset="0"/>
+                    <a:ea typeface="+mn-ea"/>
+                    <a:cs typeface="+mn-cs"/>
+                  </a:defRPr>
+                </a:lvl2pPr>
+                <a:lvl3pPr marL="1254010" indent="-348336" algn="l" defTabSz="2675223" rtl="0" eaLnBrk="1" latinLnBrk="0" hangingPunct="1">
+                  <a:spcBef>
+                    <a:spcPct val="20000"/>
+                  </a:spcBef>
+                  <a:buFont typeface="Arial" pitchFamily="34" charset="0"/>
+                  <a:buChar char="•"/>
+                  <a:defRPr sz="1493" kern="1200">
+                    <a:solidFill>
+                      <a:schemeClr val="tx1"/>
+                    </a:solidFill>
+                    <a:latin typeface="Trebuchet MS" pitchFamily="34" charset="0"/>
+                    <a:ea typeface="+mn-ea"/>
+                    <a:cs typeface="+mn-cs"/>
+                  </a:defRPr>
+                </a:lvl3pPr>
+                <a:lvl4pPr marL="1637181" indent="-383170" algn="l" defTabSz="2675223" rtl="0" eaLnBrk="1" latinLnBrk="0" hangingPunct="1">
+                  <a:spcBef>
+                    <a:spcPct val="20000"/>
+                  </a:spcBef>
+                  <a:buFont typeface="Arial" pitchFamily="34" charset="0"/>
+                  <a:buChar char="–"/>
+                  <a:defRPr sz="1493" kern="1200">
+                    <a:solidFill>
+                      <a:schemeClr val="tx1"/>
+                    </a:solidFill>
+                    <a:latin typeface="Trebuchet MS" pitchFamily="34" charset="0"/>
+                    <a:ea typeface="+mn-ea"/>
+                    <a:cs typeface="+mn-cs"/>
+                  </a:defRPr>
+                </a:lvl4pPr>
+                <a:lvl5pPr marL="1915850" indent="-278669" algn="l" defTabSz="2675223" rtl="0" eaLnBrk="1" latinLnBrk="0" hangingPunct="1">
+                  <a:spcBef>
+                    <a:spcPct val="20000"/>
+                  </a:spcBef>
+                  <a:buFont typeface="Arial" pitchFamily="34" charset="0"/>
+                  <a:buChar char="»"/>
+                  <a:defRPr sz="1493" kern="1200">
+                    <a:solidFill>
+                      <a:schemeClr val="tx1"/>
+                    </a:solidFill>
+                    <a:latin typeface="Trebuchet MS" pitchFamily="34" charset="0"/>
+                    <a:ea typeface="+mn-ea"/>
+                    <a:cs typeface="+mn-cs"/>
+                  </a:defRPr>
+                </a:lvl5pPr>
+                <a:lvl6pPr marL="7356863" indent="-668806" algn="l" defTabSz="2675223" rtl="0" eaLnBrk="1" latinLnBrk="0" hangingPunct="1">
+                  <a:spcBef>
+                    <a:spcPct val="20000"/>
+                  </a:spcBef>
+                  <a:buFont typeface="Arial" pitchFamily="34" charset="0"/>
+                  <a:buChar char="•"/>
+                  <a:defRPr sz="5867" kern="1200">
+                    <a:solidFill>
+                      <a:schemeClr val="tx1"/>
+                    </a:solidFill>
+                    <a:latin typeface="+mn-lt"/>
+                    <a:ea typeface="+mn-ea"/>
+                    <a:cs typeface="+mn-cs"/>
+                  </a:defRPr>
+                </a:lvl6pPr>
+                <a:lvl7pPr marL="8694474" indent="-668806" algn="l" defTabSz="2675223" rtl="0" eaLnBrk="1" latinLnBrk="0" hangingPunct="1">
+                  <a:spcBef>
+                    <a:spcPct val="20000"/>
+                  </a:spcBef>
+                  <a:buFont typeface="Arial" pitchFamily="34" charset="0"/>
+                  <a:buChar char="•"/>
+                  <a:defRPr sz="5867" kern="1200">
+                    <a:solidFill>
+                      <a:schemeClr val="tx1"/>
+                    </a:solidFill>
+                    <a:latin typeface="+mn-lt"/>
+                    <a:ea typeface="+mn-ea"/>
+                    <a:cs typeface="+mn-cs"/>
+                  </a:defRPr>
+                </a:lvl7pPr>
+                <a:lvl8pPr marL="10032086" indent="-668806" algn="l" defTabSz="2675223" rtl="0" eaLnBrk="1" latinLnBrk="0" hangingPunct="1">
+                  <a:spcBef>
+                    <a:spcPct val="20000"/>
+                  </a:spcBef>
+                  <a:buFont typeface="Arial" pitchFamily="34" charset="0"/>
+                  <a:buChar char="•"/>
+                  <a:defRPr sz="5867" kern="1200">
+                    <a:solidFill>
+                      <a:schemeClr val="tx1"/>
+                    </a:solidFill>
+                    <a:latin typeface="+mn-lt"/>
+                    <a:ea typeface="+mn-ea"/>
+                    <a:cs typeface="+mn-cs"/>
+                  </a:defRPr>
+                </a:lvl8pPr>
+                <a:lvl9pPr marL="11369697" indent="-668806" algn="l" defTabSz="2675223" rtl="0" eaLnBrk="1" latinLnBrk="0" hangingPunct="1">
+                  <a:spcBef>
+                    <a:spcPct val="20000"/>
+                  </a:spcBef>
+                  <a:buFont typeface="Arial" pitchFamily="34" charset="0"/>
+                  <a:buChar char="•"/>
+                  <a:defRPr sz="5867" kern="1200">
+                    <a:solidFill>
+                      <a:schemeClr val="tx1"/>
+                    </a:solidFill>
+                    <a:latin typeface="+mn-lt"/>
+                    <a:ea typeface="+mn-ea"/>
+                    <a:cs typeface="+mn-cs"/>
+                  </a:defRPr>
+                </a:lvl9pPr>
+              </a:lstStyle>
+              <a:p>
+                <a:pPr algn="ctr"/>
+                <a:r>
+                  <a:rPr lang="en-US" sz="1600" dirty="0"/>
+                  <a:t>(a) Example social network graph</a:t>
+                </a:r>
+              </a:p>
+            </p:txBody>
+          </p:sp>
+          <p:sp>
+            <p:nvSpPr>
+              <p:cNvPr id="87" name="Tijdelijke aanduiding voor tekst 6">
+                <a:extLst>
+                  <a:ext uri="{FF2B5EF4-FFF2-40B4-BE49-F238E27FC236}">
+                    <a16:creationId xmlns:a16="http://schemas.microsoft.com/office/drawing/2014/main" id="{0F30E21A-987C-4DC8-9825-4E944A647A6C}"/>
+                  </a:ext>
+                </a:extLst>
+              </p:cNvPr>
+              <p:cNvSpPr txBox="1">
+                <a:spLocks/>
+              </p:cNvSpPr>
+              <p:nvPr/>
+            </p:nvSpPr>
+            <p:spPr>
+              <a:xfrm>
+                <a:off x="17072222" y="9421571"/>
+                <a:ext cx="2224603" cy="756238"/>
+              </a:xfrm>
+              <a:prstGeom prst="rect">
+                <a:avLst/>
+              </a:prstGeom>
+            </p:spPr>
+            <p:txBody>
+              <a:bodyPr wrap="square" lIns="130622" tIns="130622" rIns="130622" bIns="130622">
+                <a:spAutoFit/>
+              </a:bodyPr>
+              <a:lstStyle>
+                <a:lvl1pPr marL="0" indent="0" algn="l" defTabSz="2675223" rtl="0" eaLnBrk="1" latinLnBrk="0" hangingPunct="1">
+                  <a:spcBef>
+                    <a:spcPct val="20000"/>
+                  </a:spcBef>
+                  <a:buFont typeface="Arial" pitchFamily="34" charset="0"/>
+                  <a:buNone/>
+                  <a:defRPr sz="1493" kern="1200">
+                    <a:solidFill>
+                      <a:schemeClr val="accent5">
+                        <a:lumMod val="50000"/>
+                      </a:schemeClr>
+                    </a:solidFill>
+                    <a:latin typeface="Times New Roman" panose="02020603050405020304" pitchFamily="18" charset="0"/>
+                    <a:ea typeface="+mn-ea"/>
+                    <a:cs typeface="Times New Roman" panose="02020603050405020304" pitchFamily="18" charset="0"/>
+                  </a:defRPr>
+                </a:lvl1pPr>
+                <a:lvl2pPr marL="905674" indent="-348336" algn="l" defTabSz="2675223" rtl="0" eaLnBrk="1" latinLnBrk="0" hangingPunct="1">
+                  <a:spcBef>
+                    <a:spcPct val="20000"/>
+                  </a:spcBef>
+                  <a:buFont typeface="Arial" pitchFamily="34" charset="0"/>
+                  <a:buChar char="–"/>
+                  <a:defRPr sz="1493" kern="1200">
+                    <a:solidFill>
+                      <a:schemeClr val="tx1"/>
+                    </a:solidFill>
+                    <a:latin typeface="Trebuchet MS" pitchFamily="34" charset="0"/>
+                    <a:ea typeface="+mn-ea"/>
+                    <a:cs typeface="+mn-cs"/>
+                  </a:defRPr>
+                </a:lvl2pPr>
+                <a:lvl3pPr marL="1254010" indent="-348336" algn="l" defTabSz="2675223" rtl="0" eaLnBrk="1" latinLnBrk="0" hangingPunct="1">
+                  <a:spcBef>
+                    <a:spcPct val="20000"/>
+                  </a:spcBef>
+                  <a:buFont typeface="Arial" pitchFamily="34" charset="0"/>
+                  <a:buChar char="•"/>
+                  <a:defRPr sz="1493" kern="1200">
+                    <a:solidFill>
+                      <a:schemeClr val="tx1"/>
+                    </a:solidFill>
+                    <a:latin typeface="Trebuchet MS" pitchFamily="34" charset="0"/>
+                    <a:ea typeface="+mn-ea"/>
+                    <a:cs typeface="+mn-cs"/>
+                  </a:defRPr>
+                </a:lvl3pPr>
+                <a:lvl4pPr marL="1637181" indent="-383170" algn="l" defTabSz="2675223" rtl="0" eaLnBrk="1" latinLnBrk="0" hangingPunct="1">
+                  <a:spcBef>
+                    <a:spcPct val="20000"/>
+                  </a:spcBef>
+                  <a:buFont typeface="Arial" pitchFamily="34" charset="0"/>
+                  <a:buChar char="–"/>
+                  <a:defRPr sz="1493" kern="1200">
+                    <a:solidFill>
+                      <a:schemeClr val="tx1"/>
+                    </a:solidFill>
+                    <a:latin typeface="Trebuchet MS" pitchFamily="34" charset="0"/>
+                    <a:ea typeface="+mn-ea"/>
+                    <a:cs typeface="+mn-cs"/>
+                  </a:defRPr>
+                </a:lvl4pPr>
+                <a:lvl5pPr marL="1915850" indent="-278669" algn="l" defTabSz="2675223" rtl="0" eaLnBrk="1" latinLnBrk="0" hangingPunct="1">
+                  <a:spcBef>
+                    <a:spcPct val="20000"/>
+                  </a:spcBef>
+                  <a:buFont typeface="Arial" pitchFamily="34" charset="0"/>
+                  <a:buChar char="»"/>
+                  <a:defRPr sz="1493" kern="1200">
+                    <a:solidFill>
+                      <a:schemeClr val="tx1"/>
+                    </a:solidFill>
+                    <a:latin typeface="Trebuchet MS" pitchFamily="34" charset="0"/>
+                    <a:ea typeface="+mn-ea"/>
+                    <a:cs typeface="+mn-cs"/>
+                  </a:defRPr>
+                </a:lvl5pPr>
+                <a:lvl6pPr marL="7356863" indent="-668806" algn="l" defTabSz="2675223" rtl="0" eaLnBrk="1" latinLnBrk="0" hangingPunct="1">
+                  <a:spcBef>
+                    <a:spcPct val="20000"/>
+                  </a:spcBef>
+                  <a:buFont typeface="Arial" pitchFamily="34" charset="0"/>
+                  <a:buChar char="•"/>
+                  <a:defRPr sz="5867" kern="1200">
+                    <a:solidFill>
+                      <a:schemeClr val="tx1"/>
+                    </a:solidFill>
+                    <a:latin typeface="+mn-lt"/>
+                    <a:ea typeface="+mn-ea"/>
+                    <a:cs typeface="+mn-cs"/>
+                  </a:defRPr>
+                </a:lvl6pPr>
+                <a:lvl7pPr marL="8694474" indent="-668806" algn="l" defTabSz="2675223" rtl="0" eaLnBrk="1" latinLnBrk="0" hangingPunct="1">
+                  <a:spcBef>
+                    <a:spcPct val="20000"/>
+                  </a:spcBef>
+                  <a:buFont typeface="Arial" pitchFamily="34" charset="0"/>
+                  <a:buChar char="•"/>
+                  <a:defRPr sz="5867" kern="1200">
+                    <a:solidFill>
+                      <a:schemeClr val="tx1"/>
+                    </a:solidFill>
+                    <a:latin typeface="+mn-lt"/>
+                    <a:ea typeface="+mn-ea"/>
+                    <a:cs typeface="+mn-cs"/>
+                  </a:defRPr>
+                </a:lvl7pPr>
+                <a:lvl8pPr marL="10032086" indent="-668806" algn="l" defTabSz="2675223" rtl="0" eaLnBrk="1" latinLnBrk="0" hangingPunct="1">
+                  <a:spcBef>
+                    <a:spcPct val="20000"/>
+                  </a:spcBef>
+                  <a:buFont typeface="Arial" pitchFamily="34" charset="0"/>
+                  <a:buChar char="•"/>
+                  <a:defRPr sz="5867" kern="1200">
+                    <a:solidFill>
+                      <a:schemeClr val="tx1"/>
+                    </a:solidFill>
+                    <a:latin typeface="+mn-lt"/>
+                    <a:ea typeface="+mn-ea"/>
+                    <a:cs typeface="+mn-cs"/>
+                  </a:defRPr>
+                </a:lvl8pPr>
+                <a:lvl9pPr marL="11369697" indent="-668806" algn="l" defTabSz="2675223" rtl="0" eaLnBrk="1" latinLnBrk="0" hangingPunct="1">
+                  <a:spcBef>
+                    <a:spcPct val="20000"/>
+                  </a:spcBef>
+                  <a:buFont typeface="Arial" pitchFamily="34" charset="0"/>
+                  <a:buChar char="•"/>
+                  <a:defRPr sz="5867" kern="1200">
+                    <a:solidFill>
+                      <a:schemeClr val="tx1"/>
+                    </a:solidFill>
+                    <a:latin typeface="+mn-lt"/>
+                    <a:ea typeface="+mn-ea"/>
+                    <a:cs typeface="+mn-cs"/>
+                  </a:defRPr>
+                </a:lvl9pPr>
+              </a:lstStyle>
+              <a:p>
+                <a:pPr algn="ctr"/>
+                <a:r>
+                  <a:rPr lang="en-US" sz="1600" dirty="0"/>
+                  <a:t>(b) Graph after 20% edge weight change</a:t>
+                </a:r>
+              </a:p>
+            </p:txBody>
+          </p:sp>
+          <p:sp>
+            <p:nvSpPr>
+              <p:cNvPr id="88" name="Tijdelijke aanduiding voor tekst 6">
+                <a:extLst>
+                  <a:ext uri="{FF2B5EF4-FFF2-40B4-BE49-F238E27FC236}">
+                    <a16:creationId xmlns:a16="http://schemas.microsoft.com/office/drawing/2014/main" id="{4D6F7EB7-F589-4434-85E9-3CF742BCE985}"/>
+                  </a:ext>
+                </a:extLst>
+              </p:cNvPr>
+              <p:cNvSpPr txBox="1">
+                <a:spLocks/>
+              </p:cNvSpPr>
+              <p:nvPr/>
+            </p:nvSpPr>
+            <p:spPr>
+              <a:xfrm>
+                <a:off x="19304198" y="9421571"/>
+                <a:ext cx="2224603" cy="756238"/>
+              </a:xfrm>
+              <a:prstGeom prst="rect">
+                <a:avLst/>
+              </a:prstGeom>
+            </p:spPr>
+            <p:txBody>
+              <a:bodyPr wrap="square" lIns="130622" tIns="130622" rIns="130622" bIns="130622">
+                <a:spAutoFit/>
+              </a:bodyPr>
+              <a:lstStyle>
+                <a:lvl1pPr marL="0" indent="0" algn="l" defTabSz="2675223" rtl="0" eaLnBrk="1" latinLnBrk="0" hangingPunct="1">
+                  <a:spcBef>
+                    <a:spcPct val="20000"/>
+                  </a:spcBef>
+                  <a:buFont typeface="Arial" pitchFamily="34" charset="0"/>
+                  <a:buNone/>
+                  <a:defRPr sz="1493" kern="1200">
+                    <a:solidFill>
+                      <a:schemeClr val="accent5">
+                        <a:lumMod val="50000"/>
+                      </a:schemeClr>
+                    </a:solidFill>
+                    <a:latin typeface="Times New Roman" panose="02020603050405020304" pitchFamily="18" charset="0"/>
+                    <a:ea typeface="+mn-ea"/>
+                    <a:cs typeface="Times New Roman" panose="02020603050405020304" pitchFamily="18" charset="0"/>
+                  </a:defRPr>
+                </a:lvl1pPr>
+                <a:lvl2pPr marL="905674" indent="-348336" algn="l" defTabSz="2675223" rtl="0" eaLnBrk="1" latinLnBrk="0" hangingPunct="1">
+                  <a:spcBef>
+                    <a:spcPct val="20000"/>
+                  </a:spcBef>
+                  <a:buFont typeface="Arial" pitchFamily="34" charset="0"/>
+                  <a:buChar char="–"/>
+                  <a:defRPr sz="1493" kern="1200">
+                    <a:solidFill>
+                      <a:schemeClr val="tx1"/>
+                    </a:solidFill>
+                    <a:latin typeface="Trebuchet MS" pitchFamily="34" charset="0"/>
+                    <a:ea typeface="+mn-ea"/>
+                    <a:cs typeface="+mn-cs"/>
+                  </a:defRPr>
+                </a:lvl2pPr>
+                <a:lvl3pPr marL="1254010" indent="-348336" algn="l" defTabSz="2675223" rtl="0" eaLnBrk="1" latinLnBrk="0" hangingPunct="1">
+                  <a:spcBef>
+                    <a:spcPct val="20000"/>
+                  </a:spcBef>
+                  <a:buFont typeface="Arial" pitchFamily="34" charset="0"/>
+                  <a:buChar char="•"/>
+                  <a:defRPr sz="1493" kern="1200">
+                    <a:solidFill>
+                      <a:schemeClr val="tx1"/>
+                    </a:solidFill>
+                    <a:latin typeface="Trebuchet MS" pitchFamily="34" charset="0"/>
+                    <a:ea typeface="+mn-ea"/>
+                    <a:cs typeface="+mn-cs"/>
+                  </a:defRPr>
+                </a:lvl3pPr>
+                <a:lvl4pPr marL="1637181" indent="-383170" algn="l" defTabSz="2675223" rtl="0" eaLnBrk="1" latinLnBrk="0" hangingPunct="1">
+                  <a:spcBef>
+                    <a:spcPct val="20000"/>
+                  </a:spcBef>
+                  <a:buFont typeface="Arial" pitchFamily="34" charset="0"/>
+                  <a:buChar char="–"/>
+                  <a:defRPr sz="1493" kern="1200">
+                    <a:solidFill>
+                      <a:schemeClr val="tx1"/>
+                    </a:solidFill>
+                    <a:latin typeface="Trebuchet MS" pitchFamily="34" charset="0"/>
+                    <a:ea typeface="+mn-ea"/>
+                    <a:cs typeface="+mn-cs"/>
+                  </a:defRPr>
+                </a:lvl4pPr>
+                <a:lvl5pPr marL="1915850" indent="-278669" algn="l" defTabSz="2675223" rtl="0" eaLnBrk="1" latinLnBrk="0" hangingPunct="1">
+                  <a:spcBef>
+                    <a:spcPct val="20000"/>
+                  </a:spcBef>
+                  <a:buFont typeface="Arial" pitchFamily="34" charset="0"/>
+                  <a:buChar char="»"/>
+                  <a:defRPr sz="1493" kern="1200">
+                    <a:solidFill>
+                      <a:schemeClr val="tx1"/>
+                    </a:solidFill>
+                    <a:latin typeface="Trebuchet MS" pitchFamily="34" charset="0"/>
+                    <a:ea typeface="+mn-ea"/>
+                    <a:cs typeface="+mn-cs"/>
+                  </a:defRPr>
+                </a:lvl5pPr>
+                <a:lvl6pPr marL="7356863" indent="-668806" algn="l" defTabSz="2675223" rtl="0" eaLnBrk="1" latinLnBrk="0" hangingPunct="1">
+                  <a:spcBef>
+                    <a:spcPct val="20000"/>
+                  </a:spcBef>
+                  <a:buFont typeface="Arial" pitchFamily="34" charset="0"/>
+                  <a:buChar char="•"/>
+                  <a:defRPr sz="5867" kern="1200">
+                    <a:solidFill>
+                      <a:schemeClr val="tx1"/>
+                    </a:solidFill>
+                    <a:latin typeface="+mn-lt"/>
+                    <a:ea typeface="+mn-ea"/>
+                    <a:cs typeface="+mn-cs"/>
+                  </a:defRPr>
+                </a:lvl6pPr>
+                <a:lvl7pPr marL="8694474" indent="-668806" algn="l" defTabSz="2675223" rtl="0" eaLnBrk="1" latinLnBrk="0" hangingPunct="1">
+                  <a:spcBef>
+                    <a:spcPct val="20000"/>
+                  </a:spcBef>
+                  <a:buFont typeface="Arial" pitchFamily="34" charset="0"/>
+                  <a:buChar char="•"/>
+                  <a:defRPr sz="5867" kern="1200">
+                    <a:solidFill>
+                      <a:schemeClr val="tx1"/>
+                    </a:solidFill>
+                    <a:latin typeface="+mn-lt"/>
+                    <a:ea typeface="+mn-ea"/>
+                    <a:cs typeface="+mn-cs"/>
+                  </a:defRPr>
+                </a:lvl7pPr>
+                <a:lvl8pPr marL="10032086" indent="-668806" algn="l" defTabSz="2675223" rtl="0" eaLnBrk="1" latinLnBrk="0" hangingPunct="1">
+                  <a:spcBef>
+                    <a:spcPct val="20000"/>
+                  </a:spcBef>
+                  <a:buFont typeface="Arial" pitchFamily="34" charset="0"/>
+                  <a:buChar char="•"/>
+                  <a:defRPr sz="5867" kern="1200">
+                    <a:solidFill>
+                      <a:schemeClr val="tx1"/>
+                    </a:solidFill>
+                    <a:latin typeface="+mn-lt"/>
+                    <a:ea typeface="+mn-ea"/>
+                    <a:cs typeface="+mn-cs"/>
+                  </a:defRPr>
+                </a:lvl8pPr>
+                <a:lvl9pPr marL="11369697" indent="-668806" algn="l" defTabSz="2675223" rtl="0" eaLnBrk="1" latinLnBrk="0" hangingPunct="1">
+                  <a:spcBef>
+                    <a:spcPct val="20000"/>
+                  </a:spcBef>
+                  <a:buFont typeface="Arial" pitchFamily="34" charset="0"/>
+                  <a:buChar char="•"/>
+                  <a:defRPr sz="5867" kern="1200">
+                    <a:solidFill>
+                      <a:schemeClr val="tx1"/>
+                    </a:solidFill>
+                    <a:latin typeface="+mn-lt"/>
+                    <a:ea typeface="+mn-ea"/>
+                    <a:cs typeface="+mn-cs"/>
+                  </a:defRPr>
+                </a:lvl9pPr>
+              </a:lstStyle>
+              <a:p>
+                <a:pPr algn="ctr"/>
+                <a:r>
+                  <a:rPr lang="en-US" sz="1600" dirty="0"/>
+                  <a:t>(c) Graph after 30% edge weight change</a:t>
+                </a:r>
+              </a:p>
+            </p:txBody>
+          </p:sp>
+        </p:grpSp>
+      </p:grpSp>
       <p:pic>
         <p:nvPicPr>
           <p:cNvPr id="22" name="Afbeelding 21">
@@ -17441,7 +18137,7 @@
           <p:nvPr/>
         </p:nvPicPr>
         <p:blipFill>
-          <a:blip r:embed="rId3">
+          <a:blip r:embed="rId5">
             <a:extLst>
               <a:ext uri="{28A0092B-C50C-407E-A947-70E740481C1C}">
                 <a14:useLocalDpi xmlns:a14="http://schemas.microsoft.com/office/drawing/2010/main" val="0"/>
@@ -17751,10 +18447,14 @@
         </p:nvSpPr>
         <p:spPr>
           <a:xfrm>
-            <a:off x="7724776" y="2595359"/>
+            <a:off x="7724776" y="2641659"/>
             <a:ext cx="6699250" cy="536406"/>
           </a:xfrm>
-          <a:noFill/>
+          <a:solidFill>
+            <a:srgbClr val="242852">
+              <a:alpha val="20000"/>
+            </a:srgbClr>
+          </a:solidFill>
         </p:spPr>
         <p:txBody>
           <a:bodyPr/>
@@ -17812,8 +18512,12 @@
               <a:buChar char="•"/>
             </a:pPr>
             <a:r>
+              <a:rPr lang="en-US" sz="2400" b="1" dirty="0"/>
+              <a:t>Increase user engagement</a:t>
+            </a:r>
+            <a:r>
               <a:rPr lang="en-US" sz="2400" dirty="0"/>
-              <a:t>Increases user engagement via recommendations</a:t>
+              <a:t> via recommendations</a:t>
             </a:r>
           </a:p>
           <a:p>
@@ -17822,17 +18526,21 @@
               <a:buChar char="•"/>
             </a:pPr>
             <a:r>
+              <a:rPr lang="en-US" sz="2400" b="1" dirty="0"/>
+              <a:t>Reduce disagreement</a:t>
+            </a:r>
+            <a:r>
               <a:rPr lang="en-US" sz="2400" dirty="0"/>
-              <a:t>Reduces disagreement in FJ model by changing edge weights of graph (constrained by factor </a:t>
+              <a:t> in FJ model by changing edge weights of graph, constraint by a factor </a:t>
             </a:r>
             <a:r>
               <a:rPr lang="el-GR" sz="2400" dirty="0"/>
               <a:t>ε</a:t>
             </a:r>
-            <a:r>
-              <a:rPr lang="en-US" sz="2400" dirty="0"/>
-              <a:t>)</a:t>
-            </a:r>
+            <a:endParaRPr lang="en-US" sz="2400" dirty="0">
+              <a:latin typeface="Times New Roman" panose="02020603050405020304" pitchFamily="18" charset="0"/>
+              <a:cs typeface="Times New Roman" panose="02020603050405020304" pitchFamily="18" charset="0"/>
+            </a:endParaRPr>
           </a:p>
           <a:p>
             <a:pPr marL="342900" indent="-342900">
@@ -17885,7 +18593,7 @@
             </a:pPr>
             <a:r>
               <a:rPr lang="en-US" sz="2400" dirty="0"/>
-              <a:t>Conservation law: </a:t>
+              <a:t>Conclusion: </a:t>
             </a:r>
             <a:r>
               <a:rPr lang="en-US" sz="2400" b="1" dirty="0">
@@ -17972,14 +18680,15 @@
             </p:nvSpPr>
             <p:spPr>
               <a:xfrm>
-                <a:off x="7728925" y="14089258"/>
-                <a:ext cx="6704542" cy="2025881"/>
+                <a:off x="7728925" y="14135558"/>
+                <a:ext cx="6704542" cy="1804282"/>
               </a:xfrm>
             </p:spPr>
             <p:txBody>
               <a:bodyPr/>
               <a:lstStyle/>
               <a:p>
+                <a:pPr/>
                 <a14:m>
                   <m:oMathPara xmlns:m="http://schemas.openxmlformats.org/officeDocument/2006/math">
                     <m:oMathParaPr>
@@ -17989,22 +18698,22 @@
                       <m:sSup>
                         <m:sSupPr>
                           <m:ctrlPr>
-                            <a:rPr lang="en-US" sz="3200" i="1" smtClean="0">
+                            <a:rPr lang="en-US" sz="3200" b="1" i="1" smtClean="0">
                               <a:latin typeface="Cambria Math" panose="02040503050406030204" pitchFamily="18" charset="0"/>
                             </a:rPr>
                           </m:ctrlPr>
                         </m:sSupPr>
                         <m:e>
                           <m:r>
-                            <a:rPr lang="en-US" sz="3200" b="0" i="1" smtClean="0">
+                            <a:rPr lang="en-US" sz="3200" b="1" i="1" smtClean="0">
                               <a:latin typeface="Cambria Math" panose="02040503050406030204" pitchFamily="18" charset="0"/>
                             </a:rPr>
-                            <m:t>𝑧</m:t>
+                            <m:t>𝒛</m:t>
                           </m:r>
                         </m:e>
                         <m:sup>
                           <m:r>
-                            <a:rPr lang="en-US" sz="3200" b="0" i="1" smtClean="0">
+                            <a:rPr lang="en-US" sz="3200" b="1" i="1" smtClean="0">
                               <a:latin typeface="Cambria Math" panose="02040503050406030204" pitchFamily="18" charset="0"/>
                             </a:rPr>
                             <m:t>∗</m:t>
@@ -18068,10 +18777,10 @@
                             </m:e>
                             <m:lim>
                               <m:r>
-                                <a:rPr lang="en-US" sz="3200" b="0" i="1" smtClean="0">
+                                <a:rPr lang="en-US" sz="3200" b="1" i="1" smtClean="0">
                                   <a:latin typeface="Cambria Math" panose="02040503050406030204" pitchFamily="18" charset="0"/>
                                 </a:rPr>
-                                <m:t>𝑧</m:t>
+                                <m:t>𝒛</m:t>
                               </m:r>
                             </m:lim>
                           </m:limLow>
@@ -18106,22 +18815,22 @@
                                   <m:sSup>
                                     <m:sSupPr>
                                       <m:ctrlPr>
-                                        <a:rPr lang="pt-BR" sz="3200" i="1">
+                                        <a:rPr lang="pt-BR" sz="3200" b="1" i="1">
                                           <a:latin typeface="Cambria Math" panose="02040503050406030204" pitchFamily="18" charset="0"/>
                                         </a:rPr>
                                       </m:ctrlPr>
                                     </m:sSupPr>
                                     <m:e>
                                       <m:r>
-                                        <a:rPr lang="en-US" sz="3200" i="1">
+                                        <a:rPr lang="en-US" sz="3200" b="1" i="1">
                                           <a:latin typeface="Cambria Math" panose="02040503050406030204" pitchFamily="18" charset="0"/>
                                         </a:rPr>
-                                        <m:t>𝑧</m:t>
+                                        <m:t>𝒛</m:t>
                                       </m:r>
                                     </m:e>
                                     <m:sup>
                                       <m:r>
-                                        <a:rPr lang="en-US" sz="3200" i="1">
+                                        <a:rPr lang="en-US" sz="3200" b="1" i="1">
                                           <a:latin typeface="Cambria Math" panose="02040503050406030204" pitchFamily="18" charset="0"/>
                                         </a:rPr>
                                         <m:t>∗</m:t>
@@ -18151,16 +18860,16 @@
                                 <m:t>𝐺</m:t>
                               </m:r>
                               <m:r>
-                                <a:rPr lang="en-US" sz="3200">
+                                <a:rPr lang="en-US" sz="3200" smtClean="0">
                                   <a:latin typeface="Cambria Math" panose="02040503050406030204" pitchFamily="18" charset="0"/>
                                 </a:rPr>
                                 <m:t>,</m:t>
                               </m:r>
                               <m:r>
-                                <a:rPr lang="en-US" sz="3200">
+                                <a:rPr lang="en-US" sz="3200" b="1" i="1" smtClean="0">
                                   <a:latin typeface="Cambria Math" panose="02040503050406030204" pitchFamily="18" charset="0"/>
                                 </a:rPr>
-                                <m:t>𝑧</m:t>
+                                <m:t>𝐳</m:t>
                               </m:r>
                             </m:sub>
                           </m:sSub>
@@ -18169,10 +18878,6 @@
                     </m:oMath>
                   </m:oMathPara>
                 </a14:m>
-                <a:endParaRPr lang="en-US" sz="3200" dirty="0"/>
-              </a:p>
-              <a:p>
-                <a:pPr algn="ctr"/>
                 <a:endParaRPr lang="en-US" sz="1100" dirty="0"/>
               </a:p>
               <a:p>
@@ -18204,13 +18909,13 @@
             </p:nvSpPr>
             <p:spPr>
               <a:xfrm>
-                <a:off x="7728925" y="14089258"/>
-                <a:ext cx="6704542" cy="2025881"/>
+                <a:off x="7728925" y="14135558"/>
+                <a:ext cx="6704542" cy="1804282"/>
               </a:xfrm>
               <a:blipFill>
-                <a:blip r:embed="rId4"/>
+                <a:blip r:embed="rId6"/>
                 <a:stretch>
-                  <a:fillRect b="-901"/>
+                  <a:fillRect b="-2365"/>
                 </a:stretch>
               </a:blipFill>
             </p:spPr>
@@ -18378,7 +19083,7 @@
           <p:nvPr/>
         </p:nvPicPr>
         <p:blipFill rotWithShape="1">
-          <a:blip r:embed="rId5">
+          <a:blip r:embed="rId7">
             <a:extLst>
               <a:ext uri="{28A0092B-C50C-407E-A947-70E740481C1C}">
                 <a14:useLocalDpi xmlns:a14="http://schemas.microsoft.com/office/drawing/2010/main" val="0"/>
@@ -18818,14 +19523,14 @@
               <p:nvPr>
                 <p:extLst>
                   <p:ext uri="{D42A27DB-BD31-4B8C-83A1-F6EECF244321}">
-                    <p14:modId xmlns:p14="http://schemas.microsoft.com/office/powerpoint/2010/main" val="185191697"/>
+                    <p14:modId xmlns:p14="http://schemas.microsoft.com/office/powerpoint/2010/main" val="354613763"/>
                   </p:ext>
                 </p:extLst>
               </p:nvPr>
             </p:nvGraphicFramePr>
             <p:xfrm>
               <a:off x="7715847" y="3134671"/>
-              <a:ext cx="6730699" cy="4458045"/>
+              <a:ext cx="6730699" cy="4468840"/>
             </p:xfrm>
             <a:graphic>
               <a:graphicData uri="http://schemas.openxmlformats.org/drawingml/2006/table">
@@ -18868,6 +19573,7 @@
                           </a:r>
                         </a:p>
                         <a:p>
+                          <a:pPr/>
                           <a14:m>
                             <m:oMathPara xmlns:m="http://schemas.openxmlformats.org/officeDocument/2006/math">
                               <m:oMathParaPr>
@@ -18877,12 +19583,13 @@
                                 <m:sSub>
                                   <m:sSubPr>
                                     <m:ctrlPr>
-                                      <a:rPr lang="pt-BR" sz="4400" b="0" kern="1200" smtClean="0">
+                                      <a:rPr lang="pt-BR" sz="4400" b="0" i="1" kern="1200" smtClean="0">
                                         <a:solidFill>
                                           <a:schemeClr val="accent5">
                                             <a:lumMod val="50000"/>
                                           </a:schemeClr>
                                         </a:solidFill>
+                                        <a:latin typeface="Cambria Math" panose="02040503050406030204" pitchFamily="18" charset="0"/>
                                       </a:rPr>
                                     </m:ctrlPr>
                                   </m:sSubPr>
@@ -18894,20 +19601,22 @@
                                             <a:lumMod val="50000"/>
                                           </a:schemeClr>
                                         </a:solidFill>
+                                        <a:latin typeface="Cambria Math" panose="02040503050406030204" pitchFamily="18" charset="0"/>
                                       </a:rPr>
                                       <m:t>𝒫</m:t>
                                     </m:r>
                                   </m:e>
                                   <m:sub>
                                     <m:r>
-                                      <a:rPr lang="en-US" sz="4400" b="0" kern="1200" smtClean="0">
+                                      <a:rPr lang="en-US" sz="4400" b="1" i="1" kern="1200" smtClean="0">
                                         <a:solidFill>
                                           <a:schemeClr val="accent5">
                                             <a:lumMod val="50000"/>
                                           </a:schemeClr>
                                         </a:solidFill>
+                                        <a:latin typeface="Cambria Math" panose="02040503050406030204" pitchFamily="18" charset="0"/>
                                       </a:rPr>
-                                      <m:t>𝑧</m:t>
+                                      <m:t>𝐳</m:t>
                                     </m:r>
                                   </m:sub>
                                 </m:sSub>
@@ -18952,12 +19661,13 @@
                               <m:sSub>
                                 <m:sSubPr>
                                   <m:ctrlPr>
-                                    <a:rPr lang="pt-BR" sz="2400" b="0" kern="1200" smtClean="0">
+                                    <a:rPr lang="pt-BR" sz="2400" b="0" i="1" kern="1200" smtClean="0">
                                       <a:solidFill>
                                         <a:schemeClr val="accent5">
                                           <a:lumMod val="50000"/>
                                         </a:schemeClr>
                                       </a:solidFill>
+                                      <a:latin typeface="Cambria Math" panose="02040503050406030204" pitchFamily="18" charset="0"/>
                                     </a:rPr>
                                   </m:ctrlPr>
                                 </m:sSubPr>
@@ -18969,6 +19679,7 @@
                                           <a:lumMod val="50000"/>
                                         </a:schemeClr>
                                       </a:solidFill>
+                                      <a:latin typeface="Cambria Math" panose="02040503050406030204" pitchFamily="18" charset="0"/>
                                     </a:rPr>
                                     <m:t>𝑧</m:t>
                                   </m:r>
@@ -18981,6 +19692,7 @@
                                           <a:lumMod val="50000"/>
                                         </a:schemeClr>
                                       </a:solidFill>
+                                      <a:latin typeface="Cambria Math" panose="02040503050406030204" pitchFamily="18" charset="0"/>
                                     </a:rPr>
                                     <m:t>𝑖</m:t>
                                   </m:r>
@@ -19018,12 +19730,13 @@
                                   <m:naryPr>
                                     <m:chr m:val="∑"/>
                                     <m:ctrlPr>
-                                      <a:rPr lang="pt-BR" sz="2400" b="0" kern="1200" smtClean="0">
+                                      <a:rPr lang="pt-BR" sz="2400" b="0" i="1" kern="1200" smtClean="0">
                                         <a:solidFill>
                                           <a:schemeClr val="accent5">
                                             <a:lumMod val="50000"/>
                                           </a:schemeClr>
                                         </a:solidFill>
+                                        <a:latin typeface="Cambria Math" panose="02040503050406030204" pitchFamily="18" charset="0"/>
                                       </a:rPr>
                                     </m:ctrlPr>
                                   </m:naryPr>
@@ -19038,6 +19751,7 @@
                                             <a:lumMod val="50000"/>
                                           </a:schemeClr>
                                         </a:solidFill>
+                                        <a:latin typeface="Cambria Math" panose="02040503050406030204" pitchFamily="18" charset="0"/>
                                       </a:rPr>
                                       <m:t>𝑖</m:t>
                                     </m:r>
@@ -19048,6 +19762,7 @@
                                             <a:lumMod val="50000"/>
                                           </a:schemeClr>
                                         </a:solidFill>
+                                        <a:latin typeface="Cambria Math" panose="02040503050406030204" pitchFamily="18" charset="0"/>
                                       </a:rPr>
                                       <m:t>=</m:t>
                                     </m:r>
@@ -19058,6 +19773,7 @@
                                             <a:lumMod val="50000"/>
                                           </a:schemeClr>
                                         </a:solidFill>
+                                        <a:latin typeface="Cambria Math" panose="02040503050406030204" pitchFamily="18" charset="0"/>
                                       </a:rPr>
                                       <m:t>1</m:t>
                                     </m:r>
@@ -19070,6 +19786,7 @@
                                             <a:lumMod val="50000"/>
                                           </a:schemeClr>
                                         </a:solidFill>
+                                        <a:latin typeface="Cambria Math" panose="02040503050406030204" pitchFamily="18" charset="0"/>
                                       </a:rPr>
                                       <m:t>𝑛</m:t>
                                     </m:r>
@@ -19078,12 +19795,13 @@
                                     <m:sSup>
                                       <m:sSupPr>
                                         <m:ctrlPr>
-                                          <a:rPr lang="pt-BR" sz="2400" b="0" kern="1200" smtClean="0">
+                                          <a:rPr lang="pt-BR" sz="2400" b="0" i="1" kern="1200" smtClean="0">
                                             <a:solidFill>
                                               <a:schemeClr val="accent5">
                                                 <a:lumMod val="50000"/>
                                               </a:schemeClr>
                                             </a:solidFill>
+                                            <a:latin typeface="Cambria Math" panose="02040503050406030204" pitchFamily="18" charset="0"/>
                                           </a:rPr>
                                         </m:ctrlPr>
                                       </m:sSupPr>
@@ -19091,12 +19809,13 @@
                                         <m:d>
                                           <m:dPr>
                                             <m:ctrlPr>
-                                              <a:rPr lang="pt-BR" sz="2400" b="0" kern="1200" smtClean="0">
+                                              <a:rPr lang="pt-BR" sz="2400" b="0" i="1" kern="1200" smtClean="0">
                                                 <a:solidFill>
                                                   <a:schemeClr val="accent5">
                                                     <a:lumMod val="50000"/>
                                                   </a:schemeClr>
                                                 </a:solidFill>
+                                                <a:latin typeface="Cambria Math" panose="02040503050406030204" pitchFamily="18" charset="0"/>
                                               </a:rPr>
                                             </m:ctrlPr>
                                           </m:dPr>
@@ -19104,12 +19823,13 @@
                                             <m:sSub>
                                               <m:sSubPr>
                                                 <m:ctrlPr>
-                                                  <a:rPr lang="pt-BR" sz="2400" b="0" kern="1200" smtClean="0">
+                                                  <a:rPr lang="pt-BR" sz="2400" b="0" i="1" kern="1200" smtClean="0">
                                                     <a:solidFill>
                                                       <a:schemeClr val="accent5">
                                                         <a:lumMod val="50000"/>
                                                       </a:schemeClr>
                                                     </a:solidFill>
+                                                    <a:latin typeface="Cambria Math" panose="02040503050406030204" pitchFamily="18" charset="0"/>
                                                   </a:rPr>
                                                 </m:ctrlPr>
                                               </m:sSubPr>
@@ -19121,6 +19841,7 @@
                                                         <a:lumMod val="50000"/>
                                                       </a:schemeClr>
                                                     </a:solidFill>
+                                                    <a:latin typeface="Cambria Math" panose="02040503050406030204" pitchFamily="18" charset="0"/>
                                                   </a:rPr>
                                                   <m:t>𝑧</m:t>
                                                 </m:r>
@@ -19133,6 +19854,7 @@
                                                         <a:lumMod val="50000"/>
                                                       </a:schemeClr>
                                                     </a:solidFill>
+                                                    <a:latin typeface="Cambria Math" panose="02040503050406030204" pitchFamily="18" charset="0"/>
                                                   </a:rPr>
                                                   <m:t>𝑖</m:t>
                                                 </m:r>
@@ -19145,6 +19867,7 @@
                                                     <a:lumMod val="50000"/>
                                                   </a:schemeClr>
                                                 </a:solidFill>
+                                                <a:latin typeface="Cambria Math" panose="02040503050406030204" pitchFamily="18" charset="0"/>
                                               </a:rPr>
                                               <m:t> −</m:t>
                                             </m:r>
@@ -19155,31 +19878,34 @@
                                                     <a:lumMod val="50000"/>
                                                   </a:schemeClr>
                                                 </a:solidFill>
+                                                <a:latin typeface="Cambria Math" panose="02040503050406030204" pitchFamily="18" charset="0"/>
                                               </a:rPr>
                                               <m:t>𝑚𝑒𝑎𝑛</m:t>
                                             </m:r>
                                             <m:d>
                                               <m:dPr>
                                                 <m:ctrlPr>
-                                                  <a:rPr lang="en-US" sz="2400" b="0" kern="1200" smtClean="0">
+                                                  <a:rPr lang="en-US" sz="2400" b="0" i="1" kern="1200" smtClean="0">
                                                     <a:solidFill>
                                                       <a:schemeClr val="accent5">
                                                         <a:lumMod val="50000"/>
                                                       </a:schemeClr>
                                                     </a:solidFill>
+                                                    <a:latin typeface="Cambria Math" panose="02040503050406030204" pitchFamily="18" charset="0"/>
                                                   </a:rPr>
                                                 </m:ctrlPr>
                                               </m:dPr>
                                               <m:e>
                                                 <m:r>
-                                                  <a:rPr lang="en-US" sz="2400" b="0" kern="1200" smtClean="0">
+                                                  <a:rPr lang="en-US" sz="2400" b="1" i="1" kern="1200" smtClean="0">
                                                     <a:solidFill>
                                                       <a:schemeClr val="accent5">
                                                         <a:lumMod val="50000"/>
                                                       </a:schemeClr>
                                                     </a:solidFill>
+                                                    <a:latin typeface="Cambria Math" panose="02040503050406030204" pitchFamily="18" charset="0"/>
                                                   </a:rPr>
-                                                  <m:t>𝑧</m:t>
+                                                  <m:t>𝐳</m:t>
                                                 </m:r>
                                               </m:e>
                                             </m:d>
@@ -19194,6 +19920,7 @@
                                                 <a:lumMod val="50000"/>
                                               </a:schemeClr>
                                             </a:solidFill>
+                                            <a:latin typeface="Cambria Math" panose="02040503050406030204" pitchFamily="18" charset="0"/>
                                           </a:rPr>
                                           <m:t>2</m:t>
                                         </m:r>
@@ -19243,6 +19970,7 @@
                           </a:r>
                         </a:p>
                         <a:p>
+                          <a:pPr/>
                           <a14:m>
                             <m:oMathPara xmlns:m="http://schemas.openxmlformats.org/officeDocument/2006/math">
                               <m:oMathParaPr>
@@ -19252,12 +19980,13 @@
                                 <m:sSub>
                                   <m:sSubPr>
                                     <m:ctrlPr>
-                                      <a:rPr lang="pt-BR" sz="4400" b="0" kern="1200" smtClean="0">
+                                      <a:rPr lang="pt-BR" sz="4400" b="0" i="1" kern="1200" smtClean="0">
                                         <a:solidFill>
                                           <a:schemeClr val="accent5">
                                             <a:lumMod val="50000"/>
                                           </a:schemeClr>
                                         </a:solidFill>
+                                        <a:latin typeface="Cambria Math" panose="02040503050406030204" pitchFamily="18" charset="0"/>
                                       </a:rPr>
                                     </m:ctrlPr>
                                   </m:sSubPr>
@@ -19269,6 +19998,7 @@
                                             <a:lumMod val="50000"/>
                                           </a:schemeClr>
                                         </a:solidFill>
+                                        <a:latin typeface="Cambria Math" panose="02040503050406030204" pitchFamily="18" charset="0"/>
                                       </a:rPr>
                                       <m:t>𝒟</m:t>
                                     </m:r>
@@ -19281,6 +20011,7 @@
                                             <a:lumMod val="50000"/>
                                           </a:schemeClr>
                                         </a:solidFill>
+                                        <a:latin typeface="Cambria Math" panose="02040503050406030204" pitchFamily="18" charset="0"/>
                                       </a:rPr>
                                       <m:t>𝐺</m:t>
                                     </m:r>
@@ -19291,18 +20022,20 @@
                                             <a:lumMod val="50000"/>
                                           </a:schemeClr>
                                         </a:solidFill>
+                                        <a:latin typeface="Cambria Math" panose="02040503050406030204" pitchFamily="18" charset="0"/>
                                       </a:rPr>
                                       <m:t>,</m:t>
                                     </m:r>
                                     <m:r>
-                                      <a:rPr lang="en-US" sz="4400" b="0" kern="1200" smtClean="0">
+                                      <a:rPr lang="en-US" sz="4400" b="1" i="0" kern="1200" smtClean="0">
                                         <a:solidFill>
                                           <a:schemeClr val="accent5">
                                             <a:lumMod val="50000"/>
                                           </a:schemeClr>
                                         </a:solidFill>
+                                        <a:latin typeface="Cambria Math" panose="02040503050406030204" pitchFamily="18" charset="0"/>
                                       </a:rPr>
-                                      <m:t>𝑧</m:t>
+                                      <m:t>𝐳</m:t>
                                     </m:r>
                                   </m:sub>
                                 </m:sSub>
@@ -19347,12 +20080,13 @@
                               <m:sSub>
                                 <m:sSubPr>
                                   <m:ctrlPr>
-                                    <a:rPr lang="pt-BR" sz="2400" b="0" kern="1200" smtClean="0">
+                                    <a:rPr lang="pt-BR" sz="2400" b="0" i="1" kern="1200" smtClean="0">
                                       <a:solidFill>
                                         <a:schemeClr val="accent5">
                                           <a:lumMod val="50000"/>
                                         </a:schemeClr>
                                       </a:solidFill>
+                                      <a:latin typeface="Cambria Math" panose="02040503050406030204" pitchFamily="18" charset="0"/>
                                     </a:rPr>
                                   </m:ctrlPr>
                                 </m:sSubPr>
@@ -19364,6 +20098,7 @@
                                           <a:lumMod val="50000"/>
                                         </a:schemeClr>
                                       </a:solidFill>
+                                      <a:latin typeface="Cambria Math" panose="02040503050406030204" pitchFamily="18" charset="0"/>
                                     </a:rPr>
                                     <m:t>𝑧</m:t>
                                   </m:r>
@@ -19376,6 +20111,7 @@
                                           <a:lumMod val="50000"/>
                                         </a:schemeClr>
                                       </a:solidFill>
+                                      <a:latin typeface="Cambria Math" panose="02040503050406030204" pitchFamily="18" charset="0"/>
                                     </a:rPr>
                                     <m:t>𝑖</m:t>
                                   </m:r>
@@ -19421,12 +20157,13 @@
                                 <m:f>
                                   <m:fPr>
                                     <m:ctrlPr>
-                                      <a:rPr lang="pt-BR" sz="2400" b="0" kern="1200" smtClean="0">
+                                      <a:rPr lang="pt-BR" sz="2400" b="0" i="1" kern="1200" smtClean="0">
                                         <a:solidFill>
                                           <a:schemeClr val="accent5">
                                             <a:lumMod val="50000"/>
                                           </a:schemeClr>
                                         </a:solidFill>
+                                        <a:latin typeface="Cambria Math" panose="02040503050406030204" pitchFamily="18" charset="0"/>
                                       </a:rPr>
                                     </m:ctrlPr>
                                   </m:fPr>
@@ -19438,6 +20175,7 @@
                                             <a:lumMod val="50000"/>
                                           </a:schemeClr>
                                         </a:solidFill>
+                                        <a:latin typeface="Cambria Math" panose="02040503050406030204" pitchFamily="18" charset="0"/>
                                       </a:rPr>
                                       <m:t>1</m:t>
                                     </m:r>
@@ -19450,6 +20188,7 @@
                                             <a:lumMod val="50000"/>
                                           </a:schemeClr>
                                         </a:solidFill>
+                                        <a:latin typeface="Cambria Math" panose="02040503050406030204" pitchFamily="18" charset="0"/>
                                       </a:rPr>
                                       <m:t>2</m:t>
                                     </m:r>
@@ -19459,12 +20198,13 @@
                                   <m:naryPr>
                                     <m:chr m:val="∑"/>
                                     <m:ctrlPr>
-                                      <a:rPr lang="pt-BR" sz="2400" b="0" kern="1200" smtClean="0">
+                                      <a:rPr lang="pt-BR" sz="2400" b="0" i="1" kern="1200" smtClean="0">
                                         <a:solidFill>
                                           <a:schemeClr val="accent5">
                                             <a:lumMod val="50000"/>
                                           </a:schemeClr>
                                         </a:solidFill>
+                                        <a:latin typeface="Cambria Math" panose="02040503050406030204" pitchFamily="18" charset="0"/>
                                       </a:rPr>
                                     </m:ctrlPr>
                                   </m:naryPr>
@@ -19479,6 +20219,7 @@
                                             <a:lumMod val="50000"/>
                                           </a:schemeClr>
                                         </a:solidFill>
+                                        <a:latin typeface="Cambria Math" panose="02040503050406030204" pitchFamily="18" charset="0"/>
                                       </a:rPr>
                                       <m:t>𝑖</m:t>
                                     </m:r>
@@ -19489,6 +20230,7 @@
                                             <a:lumMod val="50000"/>
                                           </a:schemeClr>
                                         </a:solidFill>
+                                        <a:latin typeface="Cambria Math" panose="02040503050406030204" pitchFamily="18" charset="0"/>
                                       </a:rPr>
                                       <m:t>=1</m:t>
                                     </m:r>
@@ -19501,6 +20243,7 @@
                                             <a:lumMod val="50000"/>
                                           </a:schemeClr>
                                         </a:solidFill>
+                                        <a:latin typeface="Cambria Math" panose="02040503050406030204" pitchFamily="18" charset="0"/>
                                       </a:rPr>
                                       <m:t>𝑛</m:t>
                                     </m:r>
@@ -19511,12 +20254,13 @@
                                         <m:chr m:val="∑"/>
                                         <m:supHide m:val="on"/>
                                         <m:ctrlPr>
-                                          <a:rPr lang="pt-BR" sz="2400" b="0" kern="1200" smtClean="0">
+                                          <a:rPr lang="pt-BR" sz="2400" b="0" i="1" kern="1200" smtClean="0">
                                             <a:solidFill>
                                               <a:schemeClr val="accent5">
                                                 <a:lumMod val="50000"/>
                                               </a:schemeClr>
                                             </a:solidFill>
+                                            <a:latin typeface="Cambria Math" panose="02040503050406030204" pitchFamily="18" charset="0"/>
                                           </a:rPr>
                                         </m:ctrlPr>
                                       </m:naryPr>
@@ -19531,6 +20275,7 @@
                                                 <a:lumMod val="50000"/>
                                               </a:schemeClr>
                                             </a:solidFill>
+                                            <a:latin typeface="Cambria Math" panose="02040503050406030204" pitchFamily="18" charset="0"/>
                                           </a:rPr>
                                           <m:t>𝑗</m:t>
                                         </m:r>
@@ -19541,6 +20286,7 @@
                                                 <a:lumMod val="50000"/>
                                               </a:schemeClr>
                                             </a:solidFill>
+                                            <a:latin typeface="Cambria Math" panose="02040503050406030204" pitchFamily="18" charset="0"/>
                                           </a:rPr>
                                           <m:t>∈1,..,</m:t>
                                         </m:r>
@@ -19551,6 +20297,7 @@
                                                 <a:lumMod val="50000"/>
                                               </a:schemeClr>
                                             </a:solidFill>
+                                            <a:latin typeface="Cambria Math" panose="02040503050406030204" pitchFamily="18" charset="0"/>
                                           </a:rPr>
                                           <m:t>𝑛</m:t>
                                         </m:r>
@@ -19561,6 +20308,7 @@
                                                 <a:lumMod val="50000"/>
                                               </a:schemeClr>
                                             </a:solidFill>
+                                            <a:latin typeface="Cambria Math" panose="02040503050406030204" pitchFamily="18" charset="0"/>
                                           </a:rPr>
                                           <m:t>,</m:t>
                                         </m:r>
@@ -19571,6 +20319,7 @@
                                                 <a:lumMod val="50000"/>
                                               </a:schemeClr>
                                             </a:solidFill>
+                                            <a:latin typeface="Cambria Math" panose="02040503050406030204" pitchFamily="18" charset="0"/>
                                           </a:rPr>
                                           <m:t>𝑗</m:t>
                                         </m:r>
@@ -19581,6 +20330,7 @@
                                                 <a:lumMod val="50000"/>
                                               </a:schemeClr>
                                             </a:solidFill>
+                                            <a:latin typeface="Cambria Math" panose="02040503050406030204" pitchFamily="18" charset="0"/>
                                           </a:rPr>
                                           <m:t>≠</m:t>
                                         </m:r>
@@ -19591,6 +20341,7 @@
                                                 <a:lumMod val="50000"/>
                                               </a:schemeClr>
                                             </a:solidFill>
+                                            <a:latin typeface="Cambria Math" panose="02040503050406030204" pitchFamily="18" charset="0"/>
                                           </a:rPr>
                                           <m:t>𝑖</m:t>
                                         </m:r>
@@ -19600,12 +20351,13 @@
                                         <m:sSub>
                                           <m:sSubPr>
                                             <m:ctrlPr>
-                                              <a:rPr lang="pt-BR" sz="2400" b="0" kern="1200" smtClean="0">
+                                              <a:rPr lang="pt-BR" sz="2400" b="0" i="1" kern="1200" smtClean="0">
                                                 <a:solidFill>
                                                   <a:schemeClr val="accent5">
                                                     <a:lumMod val="50000"/>
                                                   </a:schemeClr>
                                                 </a:solidFill>
+                                                <a:latin typeface="Cambria Math" panose="02040503050406030204" pitchFamily="18" charset="0"/>
                                               </a:rPr>
                                             </m:ctrlPr>
                                           </m:sSubPr>
@@ -19617,6 +20369,7 @@
                                                     <a:lumMod val="50000"/>
                                                   </a:schemeClr>
                                                 </a:solidFill>
+                                                <a:latin typeface="Cambria Math" panose="02040503050406030204" pitchFamily="18" charset="0"/>
                                               </a:rPr>
                                               <m:t>𝑤</m:t>
                                             </m:r>
@@ -19629,6 +20382,7 @@
                                                     <a:lumMod val="50000"/>
                                                   </a:schemeClr>
                                                 </a:solidFill>
+                                                <a:latin typeface="Cambria Math" panose="02040503050406030204" pitchFamily="18" charset="0"/>
                                               </a:rPr>
                                               <m:t>𝑖𝑗</m:t>
                                             </m:r>
@@ -19637,12 +20391,13 @@
                                         <m:sSup>
                                           <m:sSupPr>
                                             <m:ctrlPr>
-                                              <a:rPr lang="pt-BR" sz="2400" b="0" kern="1200" smtClean="0">
+                                              <a:rPr lang="pt-BR" sz="2400" b="0" i="1" kern="1200" smtClean="0">
                                                 <a:solidFill>
                                                   <a:schemeClr val="accent5">
                                                     <a:lumMod val="50000"/>
                                                   </a:schemeClr>
                                                 </a:solidFill>
+                                                <a:latin typeface="Cambria Math" panose="02040503050406030204" pitchFamily="18" charset="0"/>
                                               </a:rPr>
                                             </m:ctrlPr>
                                           </m:sSupPr>
@@ -19650,12 +20405,13 @@
                                             <m:d>
                                               <m:dPr>
                                                 <m:ctrlPr>
-                                                  <a:rPr lang="pt-BR" sz="2400" b="0" kern="1200" smtClean="0">
+                                                  <a:rPr lang="pt-BR" sz="2400" b="0" i="1" kern="1200" smtClean="0">
                                                     <a:solidFill>
                                                       <a:schemeClr val="accent5">
                                                         <a:lumMod val="50000"/>
                                                       </a:schemeClr>
                                                     </a:solidFill>
+                                                    <a:latin typeface="Cambria Math" panose="02040503050406030204" pitchFamily="18" charset="0"/>
                                                   </a:rPr>
                                                 </m:ctrlPr>
                                               </m:dPr>
@@ -19663,12 +20419,13 @@
                                                 <m:sSub>
                                                   <m:sSubPr>
                                                     <m:ctrlPr>
-                                                      <a:rPr lang="pt-BR" sz="2400" b="0" kern="1200" smtClean="0">
+                                                      <a:rPr lang="pt-BR" sz="2400" b="0" i="1" kern="1200" smtClean="0">
                                                         <a:solidFill>
                                                           <a:schemeClr val="accent5">
                                                             <a:lumMod val="50000"/>
                                                           </a:schemeClr>
                                                         </a:solidFill>
+                                                        <a:latin typeface="Cambria Math" panose="02040503050406030204" pitchFamily="18" charset="0"/>
                                                       </a:rPr>
                                                     </m:ctrlPr>
                                                   </m:sSubPr>
@@ -19680,6 +20437,7 @@
                                                             <a:lumMod val="50000"/>
                                                           </a:schemeClr>
                                                         </a:solidFill>
+                                                        <a:latin typeface="Cambria Math" panose="02040503050406030204" pitchFamily="18" charset="0"/>
                                                       </a:rPr>
                                                       <m:t>𝑧</m:t>
                                                     </m:r>
@@ -19692,6 +20450,7 @@
                                                             <a:lumMod val="50000"/>
                                                           </a:schemeClr>
                                                         </a:solidFill>
+                                                        <a:latin typeface="Cambria Math" panose="02040503050406030204" pitchFamily="18" charset="0"/>
                                                       </a:rPr>
                                                       <m:t>𝑖</m:t>
                                                     </m:r>
@@ -19704,18 +20463,20 @@
                                                         <a:lumMod val="50000"/>
                                                       </a:schemeClr>
                                                     </a:solidFill>
+                                                    <a:latin typeface="Cambria Math" panose="02040503050406030204" pitchFamily="18" charset="0"/>
                                                   </a:rPr>
                                                   <m:t>−</m:t>
                                                 </m:r>
                                                 <m:sSub>
                                                   <m:sSubPr>
                                                     <m:ctrlPr>
-                                                      <a:rPr lang="en-US" sz="2400" b="0" kern="1200" smtClean="0">
+                                                      <a:rPr lang="en-US" sz="2400" b="0" i="1" kern="1200" smtClean="0">
                                                         <a:solidFill>
                                                           <a:schemeClr val="accent5">
                                                             <a:lumMod val="50000"/>
                                                           </a:schemeClr>
                                                         </a:solidFill>
+                                                        <a:latin typeface="Cambria Math" panose="02040503050406030204" pitchFamily="18" charset="0"/>
                                                       </a:rPr>
                                                     </m:ctrlPr>
                                                   </m:sSubPr>
@@ -19727,6 +20488,7 @@
                                                             <a:lumMod val="50000"/>
                                                           </a:schemeClr>
                                                         </a:solidFill>
+                                                        <a:latin typeface="Cambria Math" panose="02040503050406030204" pitchFamily="18" charset="0"/>
                                                       </a:rPr>
                                                       <m:t>𝑧</m:t>
                                                     </m:r>
@@ -19739,6 +20501,7 @@
                                                             <a:lumMod val="50000"/>
                                                           </a:schemeClr>
                                                         </a:solidFill>
+                                                        <a:latin typeface="Cambria Math" panose="02040503050406030204" pitchFamily="18" charset="0"/>
                                                       </a:rPr>
                                                       <m:t>𝑗</m:t>
                                                     </m:r>
@@ -19755,6 +20518,7 @@
                                                     <a:lumMod val="50000"/>
                                                   </a:schemeClr>
                                                 </a:solidFill>
+                                                <a:latin typeface="Cambria Math" panose="02040503050406030204" pitchFamily="18" charset="0"/>
                                               </a:rPr>
                                               <m:t>2</m:t>
                                             </m:r>
@@ -19820,6 +20584,7 @@
                           </a:r>
                         </a:p>
                         <a:p>
+                          <a:pPr/>
                           <a14:m>
                             <m:oMathPara xmlns:m="http://schemas.openxmlformats.org/officeDocument/2006/math">
                               <m:oMathParaPr>
@@ -19829,12 +20594,13 @@
                                 <m:sSub>
                                   <m:sSubPr>
                                     <m:ctrlPr>
-                                      <a:rPr lang="en-US" sz="4400" b="0" kern="1200" smtClean="0">
+                                      <a:rPr lang="en-US" sz="4400" b="0" i="1" kern="1200" smtClean="0">
                                         <a:solidFill>
                                           <a:schemeClr val="accent5">
                                             <a:lumMod val="50000"/>
                                           </a:schemeClr>
                                         </a:solidFill>
+                                        <a:latin typeface="Cambria Math" panose="02040503050406030204" pitchFamily="18" charset="0"/>
                                       </a:rPr>
                                     </m:ctrlPr>
                                   </m:sSubPr>
@@ -19846,20 +20612,22 @@
                                             <a:lumMod val="50000"/>
                                           </a:schemeClr>
                                         </a:solidFill>
+                                        <a:latin typeface="Cambria Math" panose="02040503050406030204" pitchFamily="18" charset="0"/>
                                       </a:rPr>
                                       <m:t>𝐼</m:t>
                                     </m:r>
                                   </m:e>
                                   <m:sub>
                                     <m:r>
-                                      <a:rPr lang="en-US" sz="4400" b="0" kern="1200" smtClean="0">
+                                      <a:rPr lang="en-US" sz="4400" b="1" i="0" kern="1200" smtClean="0">
                                         <a:solidFill>
                                           <a:schemeClr val="accent5">
                                             <a:lumMod val="50000"/>
                                           </a:schemeClr>
                                         </a:solidFill>
+                                        <a:latin typeface="Cambria Math" panose="02040503050406030204" pitchFamily="18" charset="0"/>
                                       </a:rPr>
-                                      <m:t>𝑍</m:t>
+                                      <m:t>𝐳</m:t>
                                     </m:r>
                                     <m:r>
                                       <a:rPr lang="en-US" sz="4400" b="0" kern="1200" smtClean="0">
@@ -19868,18 +20636,20 @@
                                             <a:lumMod val="50000"/>
                                           </a:schemeClr>
                                         </a:solidFill>
+                                        <a:latin typeface="Cambria Math" panose="02040503050406030204" pitchFamily="18" charset="0"/>
                                       </a:rPr>
                                       <m:t>,</m:t>
                                     </m:r>
                                     <m:r>
-                                      <a:rPr lang="en-US" sz="4400" b="0" kern="1200" smtClean="0">
+                                      <a:rPr lang="en-US" sz="4400" b="1" i="0" kern="1200" smtClean="0">
                                         <a:solidFill>
                                           <a:schemeClr val="accent5">
                                             <a:lumMod val="50000"/>
                                           </a:schemeClr>
                                         </a:solidFill>
+                                        <a:latin typeface="Cambria Math" panose="02040503050406030204" pitchFamily="18" charset="0"/>
                                       </a:rPr>
-                                      <m:t>𝑆</m:t>
+                                      <m:t>𝐬</m:t>
                                     </m:r>
                                   </m:sub>
                                 </m:sSub>
@@ -19924,12 +20694,13 @@
                               <m:sSub>
                                 <m:sSubPr>
                                   <m:ctrlPr>
-                                    <a:rPr lang="pt-BR" sz="2400" b="0" kern="1200" smtClean="0">
+                                    <a:rPr lang="pt-BR" sz="2400" b="0" i="1" kern="1200" smtClean="0">
                                       <a:solidFill>
                                         <a:schemeClr val="accent5">
                                           <a:lumMod val="50000"/>
                                         </a:schemeClr>
                                       </a:solidFill>
+                                      <a:latin typeface="Cambria Math" panose="02040503050406030204" pitchFamily="18" charset="0"/>
                                     </a:rPr>
                                   </m:ctrlPr>
                                 </m:sSubPr>
@@ -19941,6 +20712,7 @@
                                           <a:lumMod val="50000"/>
                                         </a:schemeClr>
                                       </a:solidFill>
+                                      <a:latin typeface="Cambria Math" panose="02040503050406030204" pitchFamily="18" charset="0"/>
                                     </a:rPr>
                                     <m:t>𝑠</m:t>
                                   </m:r>
@@ -19953,6 +20725,7 @@
                                           <a:lumMod val="50000"/>
                                         </a:schemeClr>
                                       </a:solidFill>
+                                      <a:latin typeface="Cambria Math" panose="02040503050406030204" pitchFamily="18" charset="0"/>
                                     </a:rPr>
                                     <m:t>𝑖</m:t>
                                   </m:r>
@@ -19975,12 +20748,13 @@
                               <m:sSub>
                                 <m:sSubPr>
                                   <m:ctrlPr>
-                                    <a:rPr lang="pt-BR" sz="2400" b="0" kern="1200" smtClean="0">
+                                    <a:rPr lang="pt-BR" sz="2400" b="0" i="1" kern="1200" smtClean="0">
                                       <a:solidFill>
                                         <a:schemeClr val="accent5">
                                           <a:lumMod val="50000"/>
                                         </a:schemeClr>
                                       </a:solidFill>
+                                      <a:latin typeface="Cambria Math" panose="02040503050406030204" pitchFamily="18" charset="0"/>
                                     </a:rPr>
                                   </m:ctrlPr>
                                 </m:sSubPr>
@@ -19992,6 +20766,7 @@
                                           <a:lumMod val="50000"/>
                                         </a:schemeClr>
                                       </a:solidFill>
+                                      <a:latin typeface="Cambria Math" panose="02040503050406030204" pitchFamily="18" charset="0"/>
                                     </a:rPr>
                                     <m:t>𝑧</m:t>
                                   </m:r>
@@ -20004,6 +20779,7 @@
                                           <a:lumMod val="50000"/>
                                         </a:schemeClr>
                                       </a:solidFill>
+                                      <a:latin typeface="Cambria Math" panose="02040503050406030204" pitchFamily="18" charset="0"/>
                                     </a:rPr>
                                     <m:t>𝑖</m:t>
                                   </m:r>
@@ -20042,12 +20818,13 @@
                                     <m:chr m:val="∑"/>
                                     <m:limLoc m:val="subSup"/>
                                     <m:ctrlPr>
-                                      <a:rPr lang="en-US" sz="2400" b="0" kern="1200" smtClean="0">
+                                      <a:rPr lang="en-US" sz="2400" b="0" i="1" kern="1200" smtClean="0">
                                         <a:solidFill>
                                           <a:schemeClr val="accent5">
                                             <a:lumMod val="50000"/>
                                           </a:schemeClr>
                                         </a:solidFill>
+                                        <a:latin typeface="Cambria Math" panose="02040503050406030204" pitchFamily="18" charset="0"/>
                                       </a:rPr>
                                     </m:ctrlPr>
                                   </m:naryPr>
@@ -20062,6 +20839,7 @@
                                             <a:lumMod val="50000"/>
                                           </a:schemeClr>
                                         </a:solidFill>
+                                        <a:latin typeface="Cambria Math" panose="02040503050406030204" pitchFamily="18" charset="0"/>
                                       </a:rPr>
                                       <m:t>𝑖</m:t>
                                     </m:r>
@@ -20072,6 +20850,7 @@
                                             <a:lumMod val="50000"/>
                                           </a:schemeClr>
                                         </a:solidFill>
+                                        <a:latin typeface="Cambria Math" panose="02040503050406030204" pitchFamily="18" charset="0"/>
                                       </a:rPr>
                                       <m:t>=1</m:t>
                                     </m:r>
@@ -20084,6 +20863,7 @@
                                             <a:lumMod val="50000"/>
                                           </a:schemeClr>
                                         </a:solidFill>
+                                        <a:latin typeface="Cambria Math" panose="02040503050406030204" pitchFamily="18" charset="0"/>
                                       </a:rPr>
                                       <m:t>𝑛</m:t>
                                     </m:r>
@@ -20092,12 +20872,13 @@
                                     <m:sSup>
                                       <m:sSupPr>
                                         <m:ctrlPr>
-                                          <a:rPr lang="en-US" sz="2400" b="0" kern="1200" smtClean="0">
+                                          <a:rPr lang="en-US" sz="2400" b="0" i="1" kern="1200" smtClean="0">
                                             <a:solidFill>
                                               <a:schemeClr val="accent5">
                                                 <a:lumMod val="50000"/>
                                               </a:schemeClr>
                                             </a:solidFill>
+                                            <a:latin typeface="Cambria Math" panose="02040503050406030204" pitchFamily="18" charset="0"/>
                                           </a:rPr>
                                         </m:ctrlPr>
                                       </m:sSupPr>
@@ -20105,12 +20886,13 @@
                                         <m:d>
                                           <m:dPr>
                                             <m:ctrlPr>
-                                              <a:rPr lang="en-US" sz="2400" b="0" kern="1200" smtClean="0">
+                                              <a:rPr lang="en-US" sz="2400" b="0" i="1" kern="1200" smtClean="0">
                                                 <a:solidFill>
                                                   <a:schemeClr val="accent5">
                                                     <a:lumMod val="50000"/>
                                                   </a:schemeClr>
                                                 </a:solidFill>
+                                                <a:latin typeface="Cambria Math" panose="02040503050406030204" pitchFamily="18" charset="0"/>
                                               </a:rPr>
                                             </m:ctrlPr>
                                           </m:dPr>
@@ -20118,12 +20900,13 @@
                                             <m:sSub>
                                               <m:sSubPr>
                                                 <m:ctrlPr>
-                                                  <a:rPr lang="en-US" sz="2400" b="0" kern="1200" smtClean="0">
+                                                  <a:rPr lang="en-US" sz="2400" b="0" i="1" kern="1200" smtClean="0">
                                                     <a:solidFill>
                                                       <a:schemeClr val="accent5">
                                                         <a:lumMod val="50000"/>
                                                       </a:schemeClr>
                                                     </a:solidFill>
+                                                    <a:latin typeface="Cambria Math" panose="02040503050406030204" pitchFamily="18" charset="0"/>
                                                   </a:rPr>
                                                 </m:ctrlPr>
                                               </m:sSubPr>
@@ -20135,6 +20918,7 @@
                                                         <a:lumMod val="50000"/>
                                                       </a:schemeClr>
                                                     </a:solidFill>
+                                                    <a:latin typeface="Cambria Math" panose="02040503050406030204" pitchFamily="18" charset="0"/>
                                                   </a:rPr>
                                                   <m:t>𝑧</m:t>
                                                 </m:r>
@@ -20147,6 +20931,7 @@
                                                         <a:lumMod val="50000"/>
                                                       </a:schemeClr>
                                                     </a:solidFill>
+                                                    <a:latin typeface="Cambria Math" panose="02040503050406030204" pitchFamily="18" charset="0"/>
                                                   </a:rPr>
                                                   <m:t>𝑖</m:t>
                                                 </m:r>
@@ -20159,18 +20944,20 @@
                                                     <a:lumMod val="50000"/>
                                                   </a:schemeClr>
                                                 </a:solidFill>
+                                                <a:latin typeface="Cambria Math" panose="02040503050406030204" pitchFamily="18" charset="0"/>
                                               </a:rPr>
                                               <m:t>−</m:t>
                                             </m:r>
                                             <m:sSub>
                                               <m:sSubPr>
                                                 <m:ctrlPr>
-                                                  <a:rPr lang="en-US" sz="2400" b="0" kern="1200" smtClean="0">
+                                                  <a:rPr lang="en-US" sz="2400" b="0" i="1" kern="1200" smtClean="0">
                                                     <a:solidFill>
                                                       <a:schemeClr val="accent5">
                                                         <a:lumMod val="50000"/>
                                                       </a:schemeClr>
                                                     </a:solidFill>
+                                                    <a:latin typeface="Cambria Math" panose="02040503050406030204" pitchFamily="18" charset="0"/>
                                                   </a:rPr>
                                                 </m:ctrlPr>
                                               </m:sSubPr>
@@ -20182,6 +20969,7 @@
                                                         <a:lumMod val="50000"/>
                                                       </a:schemeClr>
                                                     </a:solidFill>
+                                                    <a:latin typeface="Cambria Math" panose="02040503050406030204" pitchFamily="18" charset="0"/>
                                                   </a:rPr>
                                                   <m:t>𝑠</m:t>
                                                 </m:r>
@@ -20194,6 +20982,7 @@
                                                         <a:lumMod val="50000"/>
                                                       </a:schemeClr>
                                                     </a:solidFill>
+                                                    <a:latin typeface="Cambria Math" panose="02040503050406030204" pitchFamily="18" charset="0"/>
                                                   </a:rPr>
                                                   <m:t>𝑖</m:t>
                                                 </m:r>
@@ -20210,6 +20999,7 @@
                                                 <a:lumMod val="50000"/>
                                               </a:schemeClr>
                                             </a:solidFill>
+                                            <a:latin typeface="Cambria Math" panose="02040503050406030204" pitchFamily="18" charset="0"/>
                                           </a:rPr>
                                           <m:t>2</m:t>
                                         </m:r>
@@ -20261,14 +21051,14 @@
               <p:nvPr>
                 <p:extLst>
                   <p:ext uri="{D42A27DB-BD31-4B8C-83A1-F6EECF244321}">
-                    <p14:modId xmlns:p14="http://schemas.microsoft.com/office/powerpoint/2010/main" val="185191697"/>
+                    <p14:modId xmlns:p14="http://schemas.microsoft.com/office/powerpoint/2010/main" val="354613763"/>
                   </p:ext>
                 </p:extLst>
               </p:nvPr>
             </p:nvGraphicFramePr>
             <p:xfrm>
               <a:off x="7715847" y="3134671"/>
-              <a:ext cx="6730699" cy="4458045"/>
+              <a:ext cx="6730699" cy="4468840"/>
             </p:xfrm>
             <a:graphic>
               <a:graphicData uri="http://schemas.openxmlformats.org/drawingml/2006/table">
@@ -20292,7 +21082,7 @@
                       </a:extLst>
                     </a:gridCol>
                   </a:tblGrid>
-                  <a:tr h="1441777">
+                  <a:tr h="1447174">
                     <a:tc>
                       <a:txBody>
                         <a:bodyPr/>
@@ -20303,9 +21093,9 @@
                       </a:txBody>
                       <a:tcPr marL="82940" marR="82940" marT="41470" marB="41470">
                         <a:blipFill>
-                          <a:blip r:embed="rId6"/>
+                          <a:blip r:embed="rId8"/>
                           <a:stretch>
-                            <a:fillRect t="-3376" r="-238957" b="-208861"/>
+                            <a:fillRect t="-3361" r="-238957" b="-208403"/>
                           </a:stretch>
                         </a:blipFill>
                       </a:tcPr>
@@ -20320,9 +21110,9 @@
                       </a:txBody>
                       <a:tcPr marL="82940" marR="82940" marT="41470" marB="41470">
                         <a:blipFill>
-                          <a:blip r:embed="rId6"/>
+                          <a:blip r:embed="rId8"/>
                           <a:stretch>
-                            <a:fillRect l="-41849" t="-3376" b="-208861"/>
+                            <a:fillRect l="-41849" t="-3361" b="-208403"/>
                           </a:stretch>
                         </a:blipFill>
                       </a:tcPr>
@@ -20344,9 +21134,9 @@
                       </a:txBody>
                       <a:tcPr marL="82940" marR="82940" marT="41470" marB="41470">
                         <a:blipFill>
-                          <a:blip r:embed="rId6"/>
+                          <a:blip r:embed="rId8"/>
                           <a:stretch>
-                            <a:fillRect t="-100410" r="-238957" b="-102869"/>
+                            <a:fillRect t="-100820" r="-238957" b="-103279"/>
                           </a:stretch>
                         </a:blipFill>
                       </a:tcPr>
@@ -20361,9 +21151,9 @@
                       </a:txBody>
                       <a:tcPr marL="82940" marR="82940" marT="41470" marB="41470">
                         <a:blipFill>
-                          <a:blip r:embed="rId6"/>
+                          <a:blip r:embed="rId8"/>
                           <a:stretch>
-                            <a:fillRect l="-41849" t="-100410" b="-102869"/>
+                            <a:fillRect l="-41849" t="-100820" b="-103279"/>
                           </a:stretch>
                         </a:blipFill>
                       </a:tcPr>
@@ -20374,7 +21164,7 @@
                       </a:ext>
                     </a:extLst>
                   </a:tr>
-                  <a:tr h="1527692">
+                  <a:tr h="1533090">
                     <a:tc>
                       <a:txBody>
                         <a:bodyPr/>
@@ -20385,9 +21175,9 @@
                       </a:txBody>
                       <a:tcPr marL="82940" marR="82940" marT="41470" marB="41470">
                         <a:blipFill>
-                          <a:blip r:embed="rId6"/>
+                          <a:blip r:embed="rId8"/>
                           <a:stretch>
-                            <a:fillRect t="-194821" r="-238957"/>
+                            <a:fillRect t="-194444" r="-238957"/>
                           </a:stretch>
                         </a:blipFill>
                       </a:tcPr>
@@ -20402,9 +21192,9 @@
                       </a:txBody>
                       <a:tcPr marL="82940" marR="82940" marT="41470" marB="41470">
                         <a:blipFill>
-                          <a:blip r:embed="rId6"/>
+                          <a:blip r:embed="rId8"/>
                           <a:stretch>
-                            <a:fillRect l="-41849" t="-194821"/>
+                            <a:fillRect l="-41849" t="-194444"/>
                           </a:stretch>
                         </a:blipFill>
                       </a:tcPr>
@@ -20438,14 +21228,14 @@
               <p:nvPr>
                 <p:extLst>
                   <p:ext uri="{D42A27DB-BD31-4B8C-83A1-F6EECF244321}">
-                    <p14:modId xmlns:p14="http://schemas.microsoft.com/office/powerpoint/2010/main" val="1113969917"/>
+                    <p14:modId xmlns:p14="http://schemas.microsoft.com/office/powerpoint/2010/main" val="994939239"/>
                   </p:ext>
                 </p:extLst>
               </p:nvPr>
             </p:nvGraphicFramePr>
             <p:xfrm>
               <a:off x="620719" y="10999430"/>
-              <a:ext cx="6699249" cy="5025680"/>
+              <a:ext cx="6699249" cy="5039714"/>
             </p:xfrm>
             <a:graphic>
               <a:graphicData uri="http://schemas.openxmlformats.org/drawingml/2006/table">
@@ -20477,7 +21267,7 @@
                         <a:p>
                           <a:pPr algn="ctr"/>
                           <a:r>
-                            <a:rPr lang="en-US" sz="2400" b="1" u="sng" kern="1200" dirty="0">
+                            <a:rPr lang="en-US" sz="2400" b="1" u="none" kern="1200" dirty="0">
                               <a:solidFill>
                                 <a:schemeClr val="accent5">
                                   <a:lumMod val="50000"/>
@@ -20634,17 +21424,27 @@
                         </a:p>
                         <a:p>
                           <a:pPr algn="ctr"/>
-                          <a:r>
-                            <a:rPr lang="en-US" sz="4400" b="0" kern="1200" dirty="0">
-                              <a:solidFill>
-                                <a:schemeClr val="accent5">
-                                  <a:lumMod val="50000"/>
-                                </a:schemeClr>
-                              </a:solidFill>
-                            </a:rPr>
-                            <a:t>S</a:t>
-                          </a:r>
-                          <a:endParaRPr lang="en-US" sz="7200" b="0" kern="1200" dirty="0">
+                          <a14:m>
+                            <m:oMathPara xmlns:m="http://schemas.openxmlformats.org/officeDocument/2006/math">
+                              <m:oMathParaPr>
+                                <m:jc m:val="centerGroup"/>
+                              </m:oMathParaPr>
+                              <m:oMath xmlns:m="http://schemas.openxmlformats.org/officeDocument/2006/math">
+                                <m:r>
+                                  <a:rPr lang="en-US" sz="4400" b="1" i="1" kern="1200" smtClean="0">
+                                    <a:solidFill>
+                                      <a:schemeClr val="accent5">
+                                        <a:lumMod val="50000"/>
+                                      </a:schemeClr>
+                                    </a:solidFill>
+                                    <a:latin typeface="Cambria Math" panose="02040503050406030204" pitchFamily="18" charset="0"/>
+                                  </a:rPr>
+                                  <m:t>𝒔</m:t>
+                                </m:r>
+                              </m:oMath>
+                            </m:oMathPara>
+                          </a14:m>
+                          <a:endParaRPr lang="en-US" sz="7200" b="1" kern="1200" dirty="0">
                             <a:solidFill>
                               <a:schemeClr val="accent5">
                                 <a:lumMod val="50000"/>
@@ -20735,26 +21535,54 @@
                           </a:pPr>
                           <a14:m>
                             <m:oMath xmlns:m="http://schemas.openxmlformats.org/officeDocument/2006/math">
+                              <m:sSub>
+                                <m:sSubPr>
+                                  <m:ctrlPr>
+                                    <a:rPr lang="en-US" sz="2400" i="1" smtClean="0">
+                                      <a:solidFill>
+                                        <a:schemeClr val="accent5">
+                                          <a:lumMod val="50000"/>
+                                        </a:schemeClr>
+                                      </a:solidFill>
+                                      <a:latin typeface="Cambria Math" panose="02040503050406030204" pitchFamily="18" charset="0"/>
+                                    </a:rPr>
+                                  </m:ctrlPr>
+                                </m:sSubPr>
+                                <m:e>
+                                  <m:r>
+                                    <a:rPr lang="en-US" sz="2400" b="0" i="1" smtClean="0">
+                                      <a:solidFill>
+                                        <a:schemeClr val="accent5">
+                                          <a:lumMod val="50000"/>
+                                        </a:schemeClr>
+                                      </a:solidFill>
+                                      <a:latin typeface="Cambria Math" panose="02040503050406030204" pitchFamily="18" charset="0"/>
+                                    </a:rPr>
+                                    <m:t>𝑠</m:t>
+                                  </m:r>
+                                </m:e>
+                                <m:sub>
+                                  <m:r>
+                                    <a:rPr lang="en-US" sz="2400" b="0" i="1" smtClean="0">
+                                      <a:solidFill>
+                                        <a:schemeClr val="accent5">
+                                          <a:lumMod val="50000"/>
+                                        </a:schemeClr>
+                                      </a:solidFill>
+                                      <a:latin typeface="Cambria Math" panose="02040503050406030204" pitchFamily="18" charset="0"/>
+                                    </a:rPr>
+                                    <m:t>𝑖</m:t>
+                                  </m:r>
+                                </m:sub>
+                              </m:sSub>
                               <m:r>
-                                <m:rPr>
-                                  <m:sty m:val="p"/>
-                                </m:rPr>
-                                <a:rPr lang="en-US" sz="2400">
+                                <a:rPr lang="en-US" sz="2400" smtClean="0">
                                   <a:solidFill>
                                     <a:schemeClr val="accent5">
                                       <a:lumMod val="50000"/>
                                     </a:schemeClr>
                                   </a:solidFill>
-                                </a:rPr>
-                                <m:t>s</m:t>
-                              </m:r>
-                              <m:r>
-                                <a:rPr lang="en-US" sz="2400">
-                                  <a:solidFill>
-                                    <a:schemeClr val="accent5">
-                                      <a:lumMod val="50000"/>
-                                    </a:schemeClr>
-                                  </a:solidFill>
+                                  <a:latin typeface="Cambria Math" panose="02040503050406030204" pitchFamily="18" charset="0"/>
                                 </a:rPr>
                                 <m:t>∈</m:t>
                               </m:r>
@@ -20763,25 +21591,27 @@
                                   <m:begChr m:val="["/>
                                   <m:endChr m:val="]"/>
                                   <m:ctrlPr>
-                                    <a:rPr lang="en-US" sz="2400">
+                                    <a:rPr lang="en-US" sz="2400" i="1" smtClean="0">
                                       <a:solidFill>
                                         <a:schemeClr val="accent5">
                                           <a:lumMod val="50000"/>
                                         </a:schemeClr>
                                       </a:solidFill>
+                                      <a:latin typeface="Cambria Math" panose="02040503050406030204" pitchFamily="18" charset="0"/>
                                     </a:rPr>
                                   </m:ctrlPr>
                                 </m:dPr>
                                 <m:e>
                                   <m:r>
-                                    <a:rPr lang="en-US" sz="2400">
+                                    <a:rPr lang="en-US" sz="2400" b="0" i="1" smtClean="0">
                                       <a:solidFill>
                                         <a:schemeClr val="accent5">
                                           <a:lumMod val="50000"/>
                                         </a:schemeClr>
                                       </a:solidFill>
+                                      <a:latin typeface="Cambria Math" panose="02040503050406030204" pitchFamily="18" charset="0"/>
                                     </a:rPr>
-                                    <m:t>−1,1</m:t>
+                                    <m:t>−1, 1</m:t>
                                   </m:r>
                                 </m:e>
                               </m:d>
@@ -20871,17 +21701,27 @@
                         </a:p>
                         <a:p>
                           <a:pPr algn="ctr"/>
-                          <a:r>
-                            <a:rPr lang="en-US" sz="4400" b="0" kern="1200" dirty="0">
-                              <a:solidFill>
-                                <a:schemeClr val="accent5">
-                                  <a:lumMod val="50000"/>
-                                </a:schemeClr>
-                              </a:solidFill>
-                            </a:rPr>
-                            <a:t>Z</a:t>
-                          </a:r>
-                          <a:endParaRPr lang="en-US" sz="7200" b="0" kern="1200" dirty="0">
+                          <a14:m>
+                            <m:oMathPara xmlns:m="http://schemas.openxmlformats.org/officeDocument/2006/math">
+                              <m:oMathParaPr>
+                                <m:jc m:val="centerGroup"/>
+                              </m:oMathParaPr>
+                              <m:oMath xmlns:m="http://schemas.openxmlformats.org/officeDocument/2006/math">
+                                <m:r>
+                                  <a:rPr lang="en-US" sz="4400" b="1" i="1" smtClean="0">
+                                    <a:solidFill>
+                                      <a:schemeClr val="accent5">
+                                        <a:lumMod val="50000"/>
+                                      </a:schemeClr>
+                                    </a:solidFill>
+                                    <a:latin typeface="Cambria Math" panose="02040503050406030204" pitchFamily="18" charset="0"/>
+                                  </a:rPr>
+                                  <m:t>𝒛</m:t>
+                                </m:r>
+                              </m:oMath>
+                            </m:oMathPara>
+                          </a14:m>
+                          <a:endParaRPr lang="en-US" sz="4400" b="1" kern="1200" dirty="0">
                             <a:solidFill>
                               <a:schemeClr val="accent5">
                                 <a:lumMod val="50000"/>
@@ -20962,7 +21802,148 @@
                                 </a:schemeClr>
                               </a:solidFill>
                             </a:rPr>
-                            <a:t>Mean of own s and neighbor z</a:t>
+                            <a:t>Mean [own </a:t>
+                          </a:r>
+                          <a14:m>
+                            <m:oMath xmlns:m="http://schemas.openxmlformats.org/officeDocument/2006/math">
+                              <m:sSub>
+                                <m:sSubPr>
+                                  <m:ctrlPr>
+                                    <a:rPr lang="en-US" sz="2400" i="1" smtClean="0">
+                                      <a:solidFill>
+                                        <a:schemeClr val="accent5">
+                                          <a:lumMod val="50000"/>
+                                        </a:schemeClr>
+                                      </a:solidFill>
+                                      <a:latin typeface="Cambria Math" panose="02040503050406030204" pitchFamily="18" charset="0"/>
+                                    </a:rPr>
+                                  </m:ctrlPr>
+                                </m:sSubPr>
+                                <m:e>
+                                  <m:r>
+                                    <a:rPr lang="en-US" sz="2400" b="0" i="1" smtClean="0">
+                                      <a:solidFill>
+                                        <a:schemeClr val="accent5">
+                                          <a:lumMod val="50000"/>
+                                        </a:schemeClr>
+                                      </a:solidFill>
+                                      <a:latin typeface="Cambria Math" panose="02040503050406030204" pitchFamily="18" charset="0"/>
+                                    </a:rPr>
+                                    <m:t>𝑠</m:t>
+                                  </m:r>
+                                </m:e>
+                                <m:sub>
+                                  <m:r>
+                                    <a:rPr lang="en-US" sz="2400" b="0" i="1" smtClean="0">
+                                      <a:solidFill>
+                                        <a:schemeClr val="accent5">
+                                          <a:lumMod val="50000"/>
+                                        </a:schemeClr>
+                                      </a:solidFill>
+                                      <a:latin typeface="Cambria Math" panose="02040503050406030204" pitchFamily="18" charset="0"/>
+                                    </a:rPr>
+                                    <m:t>𝑖</m:t>
+                                  </m:r>
+                                </m:sub>
+                              </m:sSub>
+                              <m:r>
+                                <a:rPr lang="en-US" sz="2400" b="0" i="1" smtClean="0">
+                                  <a:solidFill>
+                                    <a:schemeClr val="accent5">
+                                      <a:lumMod val="50000"/>
+                                    </a:schemeClr>
+                                  </a:solidFill>
+                                  <a:latin typeface="Cambria Math" panose="02040503050406030204" pitchFamily="18" charset="0"/>
+                                </a:rPr>
+                                <m:t>,</m:t>
+                              </m:r>
+                            </m:oMath>
+                          </a14:m>
+                          <a:r>
+                            <a:rPr lang="en-US" sz="2400" dirty="0">
+                              <a:solidFill>
+                                <a:schemeClr val="accent5">
+                                  <a:lumMod val="50000"/>
+                                </a:schemeClr>
+                              </a:solidFill>
+                            </a:rPr>
+                            <a:t> neighbor </a:t>
+                          </a:r>
+                          <a14:m>
+                            <m:oMath xmlns:m="http://schemas.openxmlformats.org/officeDocument/2006/math">
+                              <m:sSub>
+                                <m:sSubPr>
+                                  <m:ctrlPr>
+                                    <a:rPr lang="en-US" sz="2400" i="1" smtClean="0">
+                                      <a:solidFill>
+                                        <a:schemeClr val="accent5">
+                                          <a:lumMod val="50000"/>
+                                        </a:schemeClr>
+                                      </a:solidFill>
+                                      <a:latin typeface="Cambria Math" panose="02040503050406030204" pitchFamily="18" charset="0"/>
+                                    </a:rPr>
+                                  </m:ctrlPr>
+                                </m:sSubPr>
+                                <m:e>
+                                  <m:r>
+                                    <a:rPr lang="en-US" sz="2400" b="0" i="1" smtClean="0">
+                                      <a:solidFill>
+                                        <a:schemeClr val="accent5">
+                                          <a:lumMod val="50000"/>
+                                        </a:schemeClr>
+                                      </a:solidFill>
+                                      <a:latin typeface="Cambria Math" panose="02040503050406030204" pitchFamily="18" charset="0"/>
+                                    </a:rPr>
+                                    <m:t>𝑧</m:t>
+                                  </m:r>
+                                </m:e>
+                                <m:sub>
+                                  <m:r>
+                                    <a:rPr lang="en-US" sz="2400" b="0" i="1" smtClean="0">
+                                      <a:solidFill>
+                                        <a:schemeClr val="accent5">
+                                          <a:lumMod val="50000"/>
+                                        </a:schemeClr>
+                                      </a:solidFill>
+                                      <a:latin typeface="Cambria Math" panose="02040503050406030204" pitchFamily="18" charset="0"/>
+                                    </a:rPr>
+                                    <m:t>𝑗</m:t>
+                                  </m:r>
+                                  <m:r>
+                                    <a:rPr lang="en-US" sz="2400" b="0" i="1" smtClean="0">
+                                      <a:solidFill>
+                                        <a:schemeClr val="accent5">
+                                          <a:lumMod val="50000"/>
+                                        </a:schemeClr>
+                                      </a:solidFill>
+                                      <a:latin typeface="Cambria Math" panose="02040503050406030204" pitchFamily="18" charset="0"/>
+                                    </a:rPr>
+                                    <m:t>≠</m:t>
+                                  </m:r>
+                                  <m:r>
+                                    <a:rPr lang="en-US" sz="2400" b="0" i="1" smtClean="0">
+                                      <a:solidFill>
+                                        <a:schemeClr val="accent5">
+                                          <a:lumMod val="50000"/>
+                                        </a:schemeClr>
+                                      </a:solidFill>
+                                      <a:latin typeface="Cambria Math" panose="02040503050406030204" pitchFamily="18" charset="0"/>
+                                    </a:rPr>
+                                    <m:t>𝑖</m:t>
+                                  </m:r>
+                                </m:sub>
+                              </m:sSub>
+                            </m:oMath>
+                          </a14:m>
+                          <a:r>
+                            <a:rPr lang="en-US" sz="2400" dirty="0">
+                              <a:solidFill>
+                                <a:schemeClr val="accent5">
+                                  <a:lumMod val="50000"/>
+                                </a:schemeClr>
+                              </a:solidFill>
+                            </a:rPr>
+                            <a:t>]</a:t>
                           </a:r>
                         </a:p>
                         <a:p>
@@ -20972,26 +21953,54 @@
                           </a:pPr>
                           <a14:m>
                             <m:oMath xmlns:m="http://schemas.openxmlformats.org/officeDocument/2006/math">
+                              <m:sSub>
+                                <m:sSubPr>
+                                  <m:ctrlPr>
+                                    <a:rPr lang="en-US" sz="2400" i="1" smtClean="0">
+                                      <a:solidFill>
+                                        <a:schemeClr val="accent5">
+                                          <a:lumMod val="50000"/>
+                                        </a:schemeClr>
+                                      </a:solidFill>
+                                      <a:latin typeface="Cambria Math" panose="02040503050406030204" pitchFamily="18" charset="0"/>
+                                    </a:rPr>
+                                  </m:ctrlPr>
+                                </m:sSubPr>
+                                <m:e>
+                                  <m:r>
+                                    <a:rPr lang="en-US" sz="2400" b="0" i="1" smtClean="0">
+                                      <a:solidFill>
+                                        <a:schemeClr val="accent5">
+                                          <a:lumMod val="50000"/>
+                                        </a:schemeClr>
+                                      </a:solidFill>
+                                      <a:latin typeface="Cambria Math" panose="02040503050406030204" pitchFamily="18" charset="0"/>
+                                    </a:rPr>
+                                    <m:t>𝑧</m:t>
+                                  </m:r>
+                                </m:e>
+                                <m:sub>
+                                  <m:r>
+                                    <a:rPr lang="en-US" sz="2400" b="0" i="1" smtClean="0">
+                                      <a:solidFill>
+                                        <a:schemeClr val="accent5">
+                                          <a:lumMod val="50000"/>
+                                        </a:schemeClr>
+                                      </a:solidFill>
+                                      <a:latin typeface="Cambria Math" panose="02040503050406030204" pitchFamily="18" charset="0"/>
+                                    </a:rPr>
+                                    <m:t>𝑖</m:t>
+                                  </m:r>
+                                </m:sub>
+                              </m:sSub>
                               <m:r>
-                                <m:rPr>
-                                  <m:sty m:val="p"/>
-                                </m:rPr>
-                                <a:rPr lang="en-US" sz="2400">
+                                <a:rPr lang="en-US" sz="2400" smtClean="0">
                                   <a:solidFill>
                                     <a:schemeClr val="accent5">
                                       <a:lumMod val="50000"/>
                                     </a:schemeClr>
                                   </a:solidFill>
-                                </a:rPr>
-                                <m:t>z</m:t>
-                              </m:r>
-                              <m:r>
-                                <a:rPr lang="en-US" sz="2400">
-                                  <a:solidFill>
-                                    <a:schemeClr val="accent5">
-                                      <a:lumMod val="50000"/>
-                                    </a:schemeClr>
-                                  </a:solidFill>
+                                  <a:latin typeface="Cambria Math" panose="02040503050406030204" pitchFamily="18" charset="0"/>
                                 </a:rPr>
                                 <m:t>∈</m:t>
                               </m:r>
@@ -21000,25 +22009,27 @@
                                   <m:begChr m:val="["/>
                                   <m:endChr m:val="]"/>
                                   <m:ctrlPr>
-                                    <a:rPr lang="en-US" sz="2400">
+                                    <a:rPr lang="en-US" sz="2400" i="1" smtClean="0">
                                       <a:solidFill>
                                         <a:schemeClr val="accent5">
                                           <a:lumMod val="50000"/>
                                         </a:schemeClr>
                                       </a:solidFill>
+                                      <a:latin typeface="Cambria Math" panose="02040503050406030204" pitchFamily="18" charset="0"/>
                                     </a:rPr>
                                   </m:ctrlPr>
                                 </m:dPr>
                                 <m:e>
                                   <m:r>
-                                    <a:rPr lang="en-US" sz="2400">
+                                    <a:rPr lang="en-US" sz="2400" b="0" i="1" smtClean="0">
                                       <a:solidFill>
                                         <a:schemeClr val="accent5">
                                           <a:lumMod val="50000"/>
                                         </a:schemeClr>
                                       </a:solidFill>
+                                      <a:latin typeface="Cambria Math" panose="02040503050406030204" pitchFamily="18" charset="0"/>
                                     </a:rPr>
-                                    <m:t>−1,1</m:t>
+                                    <m:t>−1, 1</m:t>
                                   </m:r>
                                 </m:e>
                               </m:d>
@@ -21108,26 +22119,55 @@
                         </a:p>
                         <a:p>
                           <a:pPr algn="ctr"/>
-                          <a:r>
-                            <a:rPr lang="en-US" sz="4400" b="0" kern="1200" dirty="0">
-                              <a:solidFill>
-                                <a:schemeClr val="accent5">
-                                  <a:lumMod val="50000"/>
-                                </a:schemeClr>
-                              </a:solidFill>
-                            </a:rPr>
-                            <a:t>z</a:t>
-                          </a:r>
-                          <a:r>
-                            <a:rPr lang="en-US" sz="4400" b="0" kern="1200" baseline="30000" dirty="0">
-                              <a:solidFill>
-                                <a:schemeClr val="accent5">
-                                  <a:lumMod val="50000"/>
-                                </a:schemeClr>
-                              </a:solidFill>
-                            </a:rPr>
-                            <a:t>*</a:t>
-                          </a:r>
+                          <a14:m>
+                            <m:oMathPara xmlns:m="http://schemas.openxmlformats.org/officeDocument/2006/math">
+                              <m:oMathParaPr>
+                                <m:jc m:val="centerGroup"/>
+                              </m:oMathParaPr>
+                              <m:oMath xmlns:m="http://schemas.openxmlformats.org/officeDocument/2006/math">
+                                <m:sSup>
+                                  <m:sSupPr>
+                                    <m:ctrlPr>
+                                      <a:rPr lang="en-US" sz="4400" b="1" i="1" smtClean="0">
+                                        <a:solidFill>
+                                          <a:schemeClr val="accent5">
+                                            <a:lumMod val="50000"/>
+                                          </a:schemeClr>
+                                        </a:solidFill>
+                                        <a:latin typeface="Cambria Math" panose="02040503050406030204" pitchFamily="18" charset="0"/>
+                                      </a:rPr>
+                                    </m:ctrlPr>
+                                  </m:sSupPr>
+                                  <m:e>
+                                    <m:r>
+                                      <a:rPr lang="en-US" sz="4400" b="1" i="1" smtClean="0">
+                                        <a:solidFill>
+                                          <a:schemeClr val="accent5">
+                                            <a:lumMod val="50000"/>
+                                          </a:schemeClr>
+                                        </a:solidFill>
+                                        <a:latin typeface="Cambria Math" panose="02040503050406030204" pitchFamily="18" charset="0"/>
+                                      </a:rPr>
+                                      <m:t>𝒛</m:t>
+                                    </m:r>
+                                  </m:e>
+                                  <m:sup>
+                                    <m:r>
+                                      <a:rPr lang="en-US" sz="4400" b="1" smtClean="0">
+                                        <a:solidFill>
+                                          <a:schemeClr val="accent5">
+                                            <a:lumMod val="50000"/>
+                                          </a:schemeClr>
+                                        </a:solidFill>
+                                        <a:latin typeface="Cambria Math" panose="02040503050406030204" pitchFamily="18" charset="0"/>
+                                      </a:rPr>
+                                      <m:t>∗</m:t>
+                                    </m:r>
+                                  </m:sup>
+                                </m:sSup>
+                              </m:oMath>
+                            </m:oMathPara>
+                          </a14:m>
                           <a:endParaRPr lang="en-US" sz="2400" b="0" kern="1200" baseline="30000" dirty="0">
                             <a:solidFill>
                               <a:schemeClr val="accent5">
@@ -21210,35 +22250,38 @@
                                 <m:sSup>
                                   <m:sSupPr>
                                     <m:ctrlPr>
-                                      <a:rPr lang="en-US" sz="3600" smtClean="0">
+                                      <a:rPr lang="en-US" sz="3600" b="1" i="1" smtClean="0">
                                         <a:solidFill>
                                           <a:schemeClr val="accent5">
                                             <a:lumMod val="50000"/>
                                           </a:schemeClr>
                                         </a:solidFill>
+                                        <a:latin typeface="Cambria Math" panose="02040503050406030204" pitchFamily="18" charset="0"/>
                                       </a:rPr>
                                     </m:ctrlPr>
                                   </m:sSupPr>
                                   <m:e>
                                     <m:r>
-                                      <a:rPr lang="en-US" sz="3600" b="0" smtClean="0">
+                                      <a:rPr lang="en-US" sz="3600" b="1" i="1" smtClean="0">
                                         <a:solidFill>
                                           <a:schemeClr val="accent5">
                                             <a:lumMod val="50000"/>
                                           </a:schemeClr>
                                         </a:solidFill>
+                                        <a:latin typeface="Cambria Math" panose="02040503050406030204" pitchFamily="18" charset="0"/>
                                       </a:rPr>
-                                      <m:t>𝑧</m:t>
+                                      <m:t>𝒛</m:t>
                                     </m:r>
                                   </m:e>
                                   <m:sup>
                                     <m:r>
-                                      <a:rPr lang="en-US" sz="3600" b="0" smtClean="0">
+                                      <a:rPr lang="en-US" sz="3600" b="1" smtClean="0">
                                         <a:solidFill>
                                           <a:schemeClr val="accent5">
                                             <a:lumMod val="50000"/>
                                           </a:schemeClr>
                                         </a:solidFill>
+                                        <a:latin typeface="Cambria Math" panose="02040503050406030204" pitchFamily="18" charset="0"/>
                                       </a:rPr>
                                       <m:t>∗</m:t>
                                     </m:r>
@@ -21251,18 +22294,20 @@
                                         <a:lumMod val="50000"/>
                                       </a:schemeClr>
                                     </a:solidFill>
+                                    <a:latin typeface="Cambria Math" panose="02040503050406030204" pitchFamily="18" charset="0"/>
                                   </a:rPr>
                                   <m:t>= </m:t>
                                 </m:r>
                                 <m:func>
                                   <m:funcPr>
                                     <m:ctrlPr>
-                                      <a:rPr lang="pt-BR" sz="3600" b="0" smtClean="0">
+                                      <a:rPr lang="pt-BR" sz="3600" b="0" i="1" smtClean="0">
                                         <a:solidFill>
                                           <a:schemeClr val="accent5">
                                             <a:lumMod val="50000"/>
                                           </a:schemeClr>
                                         </a:solidFill>
+                                        <a:latin typeface="Cambria Math" panose="02040503050406030204" pitchFamily="18" charset="0"/>
                                       </a:rPr>
                                     </m:ctrlPr>
                                   </m:funcPr>
@@ -21270,12 +22315,13 @@
                                     <m:limLow>
                                       <m:limLowPr>
                                         <m:ctrlPr>
-                                          <a:rPr lang="pt-BR" sz="3600" b="0" smtClean="0">
+                                          <a:rPr lang="pt-BR" sz="3600" b="0" i="1" smtClean="0">
                                             <a:solidFill>
                                               <a:schemeClr val="accent5">
                                                 <a:lumMod val="50000"/>
                                               </a:schemeClr>
                                             </a:solidFill>
+                                            <a:latin typeface="Cambria Math" panose="02040503050406030204" pitchFamily="18" charset="0"/>
                                           </a:rPr>
                                         </m:ctrlPr>
                                       </m:limLowPr>
@@ -21290,6 +22336,7 @@
                                                 <a:lumMod val="50000"/>
                                               </a:schemeClr>
                                             </a:solidFill>
+                                            <a:latin typeface="Cambria Math" panose="02040503050406030204" pitchFamily="18" charset="0"/>
                                           </a:rPr>
                                           <m:t>lim</m:t>
                                         </m:r>
@@ -21302,6 +22349,7 @@
                                                 <a:lumMod val="50000"/>
                                               </a:schemeClr>
                                             </a:solidFill>
+                                            <a:latin typeface="Cambria Math" panose="02040503050406030204" pitchFamily="18" charset="0"/>
                                           </a:rPr>
                                           <m:t>𝑡</m:t>
                                         </m:r>
@@ -21312,6 +22360,7 @@
                                                 <a:lumMod val="50000"/>
                                               </a:schemeClr>
                                             </a:solidFill>
+                                            <a:latin typeface="Cambria Math" panose="02040503050406030204" pitchFamily="18" charset="0"/>
                                           </a:rPr>
                                           <m:t>→∞</m:t>
                                         </m:r>
@@ -21322,37 +22371,40 @@
                                     <m:sSup>
                                       <m:sSupPr>
                                         <m:ctrlPr>
-                                          <a:rPr lang="pt-BR" sz="3600" b="0" smtClean="0">
+                                          <a:rPr lang="pt-BR" sz="3600" b="0" i="1" smtClean="0">
                                             <a:solidFill>
                                               <a:schemeClr val="accent5">
                                                 <a:lumMod val="50000"/>
                                               </a:schemeClr>
                                             </a:solidFill>
+                                            <a:latin typeface="Cambria Math" panose="02040503050406030204" pitchFamily="18" charset="0"/>
                                           </a:rPr>
                                         </m:ctrlPr>
                                       </m:sSupPr>
                                       <m:e>
                                         <m:r>
-                                          <a:rPr lang="en-US" sz="3600" b="0" smtClean="0">
+                                          <a:rPr lang="en-US" sz="3600" b="1" i="1" smtClean="0">
                                             <a:solidFill>
                                               <a:schemeClr val="accent5">
                                                 <a:lumMod val="50000"/>
                                               </a:schemeClr>
                                             </a:solidFill>
+                                            <a:latin typeface="Cambria Math" panose="02040503050406030204" pitchFamily="18" charset="0"/>
                                           </a:rPr>
-                                          <m:t>𝑧</m:t>
+                                          <m:t>𝐳</m:t>
                                         </m:r>
                                       </m:e>
                                       <m:sup>
                                         <m:d>
                                           <m:dPr>
                                             <m:ctrlPr>
-                                              <a:rPr lang="pt-BR" sz="3600" b="0" smtClean="0">
+                                              <a:rPr lang="pt-BR" sz="3600" b="0" i="1" smtClean="0">
                                                 <a:solidFill>
                                                   <a:schemeClr val="accent5">
                                                     <a:lumMod val="50000"/>
                                                   </a:schemeClr>
                                                 </a:solidFill>
+                                                <a:latin typeface="Cambria Math" panose="02040503050406030204" pitchFamily="18" charset="0"/>
                                               </a:rPr>
                                             </m:ctrlPr>
                                           </m:dPr>
@@ -21364,6 +22416,7 @@
                                                     <a:lumMod val="50000"/>
                                                   </a:schemeClr>
                                                 </a:solidFill>
+                                                <a:latin typeface="Cambria Math" panose="02040503050406030204" pitchFamily="18" charset="0"/>
                                               </a:rPr>
                                               <m:t>𝑡</m:t>
                                             </m:r>
@@ -21451,14 +22504,14 @@
               <p:nvPr>
                 <p:extLst>
                   <p:ext uri="{D42A27DB-BD31-4B8C-83A1-F6EECF244321}">
-                    <p14:modId xmlns:p14="http://schemas.microsoft.com/office/powerpoint/2010/main" val="1113969917"/>
+                    <p14:modId xmlns:p14="http://schemas.microsoft.com/office/powerpoint/2010/main" val="994939239"/>
                   </p:ext>
                 </p:extLst>
               </p:nvPr>
             </p:nvGraphicFramePr>
             <p:xfrm>
               <a:off x="620719" y="10999430"/>
-              <a:ext cx="6699249" cy="5025680"/>
+              <a:ext cx="6699249" cy="5039714"/>
             </p:xfrm>
             <a:graphic>
               <a:graphicData uri="http://schemas.openxmlformats.org/drawingml/2006/table">
@@ -21490,7 +22543,7 @@
                         <a:p>
                           <a:pPr algn="ctr"/>
                           <a:r>
-                            <a:rPr lang="en-US" sz="2400" b="1" u="sng" kern="1200" dirty="0">
+                            <a:rPr lang="en-US" sz="2400" b="1" u="none" kern="1200" dirty="0">
                               <a:solidFill>
                                 <a:schemeClr val="accent5">
                                   <a:lumMod val="50000"/>
@@ -21610,60 +22663,7 @@
                         <a:bodyPr/>
                         <a:lstStyle/>
                         <a:p>
-                          <a:pPr marL="0" marR="0" lvl="0" indent="0" algn="ctr" defTabSz="2675223" rtl="0" eaLnBrk="1" fontAlgn="auto" latinLnBrk="0" hangingPunct="1">
-                            <a:lnSpc>
-                              <a:spcPct val="100000"/>
-                            </a:lnSpc>
-                            <a:spcBef>
-                              <a:spcPts val="0"/>
-                            </a:spcBef>
-                            <a:spcAft>
-                              <a:spcPts val="0"/>
-                            </a:spcAft>
-                            <a:buClrTx/>
-                            <a:buSzTx/>
-                            <a:buFontTx/>
-                            <a:buNone/>
-                            <a:tabLst/>
-                            <a:defRPr/>
-                          </a:pPr>
-                          <a:r>
-                            <a:rPr lang="en-US" sz="2400" b="0" i="1" u="sng" kern="1200" dirty="0">
-                              <a:solidFill>
-                                <a:schemeClr val="accent5">
-                                  <a:lumMod val="50000"/>
-                                </a:schemeClr>
-                              </a:solidFill>
-                            </a:rPr>
-                            <a:t>Innate opinion</a:t>
-                          </a:r>
-                          <a:endParaRPr lang="en-US" sz="2400" b="0" i="1" kern="1200" dirty="0">
-                            <a:solidFill>
-                              <a:schemeClr val="accent5">
-                                <a:lumMod val="50000"/>
-                              </a:schemeClr>
-                            </a:solidFill>
-                          </a:endParaRPr>
-                        </a:p>
-                        <a:p>
-                          <a:pPr algn="ctr"/>
-                          <a:r>
-                            <a:rPr lang="en-US" sz="4400" b="0" kern="1200" dirty="0">
-                              <a:solidFill>
-                                <a:schemeClr val="accent5">
-                                  <a:lumMod val="50000"/>
-                                </a:schemeClr>
-                              </a:solidFill>
-                            </a:rPr>
-                            <a:t>S</a:t>
-                          </a:r>
-                          <a:endParaRPr lang="en-US" sz="7200" b="0" kern="1200" dirty="0">
-                            <a:solidFill>
-                              <a:schemeClr val="accent5">
-                                <a:lumMod val="50000"/>
-                              </a:schemeClr>
-                            </a:solidFill>
-                          </a:endParaRPr>
+                          <a:endParaRPr lang="nl-BE"/>
                         </a:p>
                       </a:txBody>
                       <a:tcPr marL="82940" marR="82940" marT="41470" marB="41470">
@@ -21703,6 +22703,12 @@
                           <a:headEnd type="none" w="med" len="med"/>
                           <a:tailEnd type="none" w="med" len="med"/>
                         </a:lnB>
+                        <a:blipFill>
+                          <a:blip r:embed="rId9"/>
+                          <a:stretch>
+                            <a:fillRect l="-275" t="-104124" r="-203581" b="-227835"/>
+                          </a:stretch>
+                        </a:blipFill>
                       </a:tcPr>
                     </a:tc>
                     <a:tc>
@@ -21751,9 +22757,9 @@
                           <a:tailEnd type="none" w="med" len="med"/>
                         </a:lnB>
                         <a:blipFill>
-                          <a:blip r:embed="rId7"/>
+                          <a:blip r:embed="rId9"/>
                           <a:stretch>
-                            <a:fillRect l="-49389" t="-104663" r="-271" b="-252332"/>
+                            <a:fillRect l="-49389" t="-104124" r="-271" b="-227835"/>
                           </a:stretch>
                         </a:blipFill>
                       </a:tcPr>
@@ -21764,50 +22770,13 @@
                       </a:ext>
                     </a:extLst>
                   </a:tr>
-                  <a:tr h="1180220">
+                  <a:tr h="1209684">
                     <a:tc>
                       <a:txBody>
                         <a:bodyPr/>
                         <a:lstStyle/>
                         <a:p>
-                          <a:pPr algn="ctr"/>
-                          <a:r>
-                            <a:rPr lang="en-US" sz="2400" b="0" i="1" u="sng" kern="1200" dirty="0">
-                              <a:solidFill>
-                                <a:schemeClr val="accent5">
-                                  <a:lumMod val="50000"/>
-                                </a:schemeClr>
-                              </a:solidFill>
-                            </a:rPr>
-                            <a:t>Current opinion</a:t>
-                          </a:r>
-                          <a:endParaRPr lang="en-US" sz="2400" b="0" i="1" kern="1200" dirty="0">
-                            <a:solidFill>
-                              <a:schemeClr val="accent5">
-                                <a:lumMod val="50000"/>
-                              </a:schemeClr>
-                            </a:solidFill>
-                          </a:endParaRPr>
-                        </a:p>
-                        <a:p>
-                          <a:pPr algn="ctr"/>
-                          <a:r>
-                            <a:rPr lang="en-US" sz="4400" b="0" kern="1200" dirty="0">
-                              <a:solidFill>
-                                <a:schemeClr val="accent5">
-                                  <a:lumMod val="50000"/>
-                                </a:schemeClr>
-                              </a:solidFill>
-                            </a:rPr>
-                            <a:t>Z</a:t>
-                          </a:r>
-                          <a:endParaRPr lang="en-US" sz="7200" b="0" kern="1200" dirty="0">
-                            <a:solidFill>
-                              <a:schemeClr val="accent5">
-                                <a:lumMod val="50000"/>
-                              </a:schemeClr>
-                            </a:solidFill>
-                          </a:endParaRPr>
+                          <a:endParaRPr lang="nl-BE"/>
                         </a:p>
                       </a:txBody>
                       <a:tcPr marL="82940" marR="82940" marT="41470" marB="41470">
@@ -21847,6 +22816,12 @@
                           <a:headEnd type="none" w="med" len="med"/>
                           <a:tailEnd type="none" w="med" len="med"/>
                         </a:lnB>
+                        <a:blipFill>
+                          <a:blip r:embed="rId9"/>
+                          <a:stretch>
+                            <a:fillRect l="-275" t="-198995" r="-203581" b="-122111"/>
+                          </a:stretch>
+                        </a:blipFill>
                       </a:tcPr>
                     </a:tc>
                     <a:tc>
@@ -21895,9 +22870,9 @@
                           <a:tailEnd type="none" w="med" len="med"/>
                         </a:lnB>
                         <a:blipFill>
-                          <a:blip r:embed="rId7"/>
+                          <a:blip r:embed="rId9"/>
                           <a:stretch>
-                            <a:fillRect l="-49389" t="-203608" r="-271" b="-151031"/>
+                            <a:fillRect l="-49389" t="-198995" r="-271" b="-122111"/>
                           </a:stretch>
                         </a:blipFill>
                       </a:tcPr>
@@ -21908,60 +22883,13 @@
                       </a:ext>
                     </a:extLst>
                   </a:tr>
-                  <a:tr h="1485020">
+                  <a:tr h="1469590">
                     <a:tc>
                       <a:txBody>
                         <a:bodyPr/>
                         <a:lstStyle/>
                         <a:p>
-                          <a:pPr algn="ctr"/>
-                          <a:r>
-                            <a:rPr lang="en-US" sz="2400" b="0" i="1" u="sng" kern="1200" dirty="0">
-                              <a:solidFill>
-                                <a:schemeClr val="accent5">
-                                  <a:lumMod val="50000"/>
-                                </a:schemeClr>
-                              </a:solidFill>
-                            </a:rPr>
-                            <a:t>Equilibrium opinion</a:t>
-                          </a:r>
-                          <a:endParaRPr lang="en-US" sz="2400" b="0" i="1" kern="1200" dirty="0">
-                            <a:solidFill>
-                              <a:schemeClr val="accent5">
-                                <a:lumMod val="50000"/>
-                              </a:schemeClr>
-                            </a:solidFill>
-                          </a:endParaRPr>
-                        </a:p>
-                        <a:p>
-                          <a:pPr algn="ctr"/>
-                          <a:r>
-                            <a:rPr lang="en-US" sz="4400" b="0" kern="1200" dirty="0">
-                              <a:solidFill>
-                                <a:schemeClr val="accent5">
-                                  <a:lumMod val="50000"/>
-                                </a:schemeClr>
-                              </a:solidFill>
-                            </a:rPr>
-                            <a:t>z</a:t>
-                          </a:r>
-                          <a:r>
-                            <a:rPr lang="en-US" sz="4400" b="0" kern="1200" baseline="30000" dirty="0">
-                              <a:solidFill>
-                                <a:schemeClr val="accent5">
-                                  <a:lumMod val="50000"/>
-                                </a:schemeClr>
-                              </a:solidFill>
-                            </a:rPr>
-                            <a:t>*</a:t>
-                          </a:r>
-                          <a:endParaRPr lang="en-US" sz="2400" b="0" kern="1200" baseline="30000" dirty="0">
-                            <a:solidFill>
-                              <a:schemeClr val="accent5">
-                                <a:lumMod val="50000"/>
-                              </a:schemeClr>
-                            </a:solidFill>
-                          </a:endParaRPr>
+                          <a:endParaRPr lang="nl-BE"/>
                         </a:p>
                       </a:txBody>
                       <a:tcPr marL="82940" marR="82940" marT="41470" marB="41470">
@@ -22001,6 +22929,12 @@
                           <a:headEnd type="none" w="med" len="med"/>
                           <a:tailEnd type="none" w="med" len="med"/>
                         </a:lnB>
+                        <a:blipFill>
+                          <a:blip r:embed="rId9"/>
+                          <a:stretch>
+                            <a:fillRect l="-275" t="-246888" r="-203581" b="-830"/>
+                          </a:stretch>
+                        </a:blipFill>
                       </a:tcPr>
                     </a:tc>
                     <a:tc>
@@ -22049,9 +22983,9 @@
                           <a:tailEnd type="none" w="med" len="med"/>
                         </a:lnB>
                         <a:blipFill>
-                          <a:blip r:embed="rId7"/>
+                          <a:blip r:embed="rId9"/>
                           <a:stretch>
-                            <a:fillRect l="-49389" t="-241393" r="-271" b="-20082"/>
+                            <a:fillRect l="-49389" t="-246888" r="-271" b="-830"/>
                           </a:stretch>
                         </a:blipFill>
                       </a:tcPr>
@@ -22292,169 +23226,110 @@
         </p:nvSpPr>
         <p:spPr>
           <a:xfrm>
-            <a:off x="7715847" y="7894199"/>
+            <a:off x="7715847" y="7778450"/>
             <a:ext cx="6699250" cy="536406"/>
           </a:xfrm>
           <a:prstGeom prst="rect">
             <a:avLst/>
           </a:prstGeom>
-          <a:noFill/>
+          <a:solidFill>
+            <a:srgbClr val="242852">
+              <a:alpha val="20000"/>
+            </a:srgbClr>
+          </a:solidFill>
         </p:spPr>
         <p:txBody>
           <a:bodyPr lIns="52249" tIns="52249" rIns="52249" bIns="52249" anchor="ctr" anchorCtr="0">
             <a:spAutoFit/>
           </a:bodyPr>
           <a:lstStyle>
-            <a:lvl1pPr marL="0" indent="0" algn="ctr" defTabSz="2675223" rtl="0" eaLnBrk="1" latinLnBrk="0" hangingPunct="1">
+            <a:lvl1pPr indent="0" algn="ctr" defTabSz="2675223">
               <a:spcBef>
                 <a:spcPct val="20000"/>
               </a:spcBef>
               <a:buFont typeface="Arial" pitchFamily="34" charset="0"/>
               <a:buNone/>
-              <a:defRPr sz="2240" b="1" u="sng" kern="1200" baseline="0">
+              <a:defRPr sz="2800" b="1" u="none" baseline="0">
                 <a:solidFill>
                   <a:schemeClr val="accent5">
                     <a:lumMod val="50000"/>
                   </a:schemeClr>
                 </a:solidFill>
-                <a:latin typeface="+mn-lt"/>
-                <a:ea typeface="+mn-ea"/>
-                <a:cs typeface="+mn-cs"/>
+                <a:latin typeface="Times New Roman" panose="02020603050405020304" pitchFamily="18" charset="0"/>
+                <a:cs typeface="Times New Roman" panose="02020603050405020304" pitchFamily="18" charset="0"/>
               </a:defRPr>
             </a:lvl1pPr>
-            <a:lvl2pPr marL="2173619" indent="-836007" algn="l" defTabSz="2675223" rtl="0" eaLnBrk="1" latinLnBrk="0" hangingPunct="1">
+            <a:lvl2pPr marL="2173619" indent="-836007" defTabSz="2675223">
               <a:spcBef>
                 <a:spcPct val="20000"/>
               </a:spcBef>
               <a:buFont typeface="Arial" pitchFamily="34" charset="0"/>
               <a:buChar char="–"/>
-              <a:defRPr sz="8214" kern="1200">
-                <a:solidFill>
-                  <a:schemeClr val="tx1"/>
-                </a:solidFill>
-                <a:latin typeface="+mn-lt"/>
-                <a:ea typeface="+mn-ea"/>
-                <a:cs typeface="+mn-cs"/>
-              </a:defRPr>
+              <a:defRPr sz="8214"/>
             </a:lvl2pPr>
-            <a:lvl3pPr marL="3344029" indent="-668806" algn="l" defTabSz="2675223" rtl="0" eaLnBrk="1" latinLnBrk="0" hangingPunct="1">
+            <a:lvl3pPr marL="3344029" indent="-668806" defTabSz="2675223">
               <a:spcBef>
                 <a:spcPct val="20000"/>
               </a:spcBef>
               <a:buFont typeface="Arial" pitchFamily="34" charset="0"/>
               <a:buChar char="•"/>
-              <a:defRPr sz="7040" kern="1200">
-                <a:solidFill>
-                  <a:schemeClr val="tx1"/>
-                </a:solidFill>
-                <a:latin typeface="+mn-lt"/>
-                <a:ea typeface="+mn-ea"/>
-                <a:cs typeface="+mn-cs"/>
-              </a:defRPr>
+              <a:defRPr sz="7040"/>
             </a:lvl3pPr>
-            <a:lvl4pPr marL="4681641" indent="-668806" algn="l" defTabSz="2675223" rtl="0" eaLnBrk="1" latinLnBrk="0" hangingPunct="1">
+            <a:lvl4pPr marL="4681641" indent="-668806" defTabSz="2675223">
               <a:spcBef>
                 <a:spcPct val="20000"/>
               </a:spcBef>
               <a:buFont typeface="Arial" pitchFamily="34" charset="0"/>
               <a:buChar char="–"/>
-              <a:defRPr sz="5867" kern="1200">
-                <a:solidFill>
-                  <a:schemeClr val="tx1"/>
-                </a:solidFill>
-                <a:latin typeface="+mn-lt"/>
-                <a:ea typeface="+mn-ea"/>
-                <a:cs typeface="+mn-cs"/>
-              </a:defRPr>
+              <a:defRPr sz="5867"/>
             </a:lvl4pPr>
-            <a:lvl5pPr marL="6019252" indent="-668806" algn="l" defTabSz="2675223" rtl="0" eaLnBrk="1" latinLnBrk="0" hangingPunct="1">
+            <a:lvl5pPr marL="6019252" indent="-668806" defTabSz="2675223">
               <a:spcBef>
                 <a:spcPct val="20000"/>
               </a:spcBef>
               <a:buFont typeface="Arial" pitchFamily="34" charset="0"/>
               <a:buChar char="»"/>
-              <a:defRPr sz="5867" kern="1200">
-                <a:solidFill>
-                  <a:schemeClr val="tx1"/>
-                </a:solidFill>
-                <a:latin typeface="+mn-lt"/>
-                <a:ea typeface="+mn-ea"/>
-                <a:cs typeface="+mn-cs"/>
-              </a:defRPr>
+              <a:defRPr sz="5867"/>
             </a:lvl5pPr>
-            <a:lvl6pPr marL="7356863" indent="-668806" algn="l" defTabSz="2675223" rtl="0" eaLnBrk="1" latinLnBrk="0" hangingPunct="1">
+            <a:lvl6pPr marL="7356863" indent="-668806" defTabSz="2675223">
               <a:spcBef>
                 <a:spcPct val="20000"/>
               </a:spcBef>
               <a:buFont typeface="Arial" pitchFamily="34" charset="0"/>
               <a:buChar char="•"/>
-              <a:defRPr sz="5867" kern="1200">
-                <a:solidFill>
-                  <a:schemeClr val="tx1"/>
-                </a:solidFill>
-                <a:latin typeface="+mn-lt"/>
-                <a:ea typeface="+mn-ea"/>
-                <a:cs typeface="+mn-cs"/>
-              </a:defRPr>
+              <a:defRPr sz="5867"/>
             </a:lvl6pPr>
-            <a:lvl7pPr marL="8694474" indent="-668806" algn="l" defTabSz="2675223" rtl="0" eaLnBrk="1" latinLnBrk="0" hangingPunct="1">
+            <a:lvl7pPr marL="8694474" indent="-668806" defTabSz="2675223">
               <a:spcBef>
                 <a:spcPct val="20000"/>
               </a:spcBef>
               <a:buFont typeface="Arial" pitchFamily="34" charset="0"/>
               <a:buChar char="•"/>
-              <a:defRPr sz="5867" kern="1200">
-                <a:solidFill>
-                  <a:schemeClr val="tx1"/>
-                </a:solidFill>
-                <a:latin typeface="+mn-lt"/>
-                <a:ea typeface="+mn-ea"/>
-                <a:cs typeface="+mn-cs"/>
-              </a:defRPr>
+              <a:defRPr sz="5867"/>
             </a:lvl7pPr>
-            <a:lvl8pPr marL="10032086" indent="-668806" algn="l" defTabSz="2675223" rtl="0" eaLnBrk="1" latinLnBrk="0" hangingPunct="1">
+            <a:lvl8pPr marL="10032086" indent="-668806" defTabSz="2675223">
               <a:spcBef>
                 <a:spcPct val="20000"/>
               </a:spcBef>
               <a:buFont typeface="Arial" pitchFamily="34" charset="0"/>
               <a:buChar char="•"/>
-              <a:defRPr sz="5867" kern="1200">
-                <a:solidFill>
-                  <a:schemeClr val="tx1"/>
-                </a:solidFill>
-                <a:latin typeface="+mn-lt"/>
-                <a:ea typeface="+mn-ea"/>
-                <a:cs typeface="+mn-cs"/>
-              </a:defRPr>
+              <a:defRPr sz="5867"/>
             </a:lvl8pPr>
-            <a:lvl9pPr marL="11369697" indent="-668806" algn="l" defTabSz="2675223" rtl="0" eaLnBrk="1" latinLnBrk="0" hangingPunct="1">
+            <a:lvl9pPr marL="11369697" indent="-668806" defTabSz="2675223">
               <a:spcBef>
                 <a:spcPct val="20000"/>
               </a:spcBef>
               <a:buFont typeface="Arial" pitchFamily="34" charset="0"/>
               <a:buChar char="•"/>
-              <a:defRPr sz="5867" kern="1200">
-                <a:solidFill>
-                  <a:schemeClr val="tx1"/>
-                </a:solidFill>
-                <a:latin typeface="+mn-lt"/>
-                <a:ea typeface="+mn-ea"/>
-                <a:cs typeface="+mn-cs"/>
-              </a:defRPr>
+              <a:defRPr sz="5867"/>
             </a:lvl9pPr>
           </a:lstStyle>
           <a:p>
             <a:r>
-              <a:rPr lang="en-US" sz="2800" u="none" dirty="0">
-                <a:latin typeface="Times New Roman" panose="02020603050405020304" pitchFamily="18" charset="0"/>
-                <a:cs typeface="Times New Roman" panose="02020603050405020304" pitchFamily="18" charset="0"/>
-              </a:rPr>
-              <a:t>FJ-dynamics update rule</a:t>
+              <a:rPr lang="en-US" dirty="0"/>
+              <a:t>FJ-dynamics update rule (*)</a:t>
             </a:r>
-            <a:endParaRPr lang="nl-BE" sz="2800" u="none" dirty="0">
-              <a:latin typeface="Times New Roman" panose="02020603050405020304" pitchFamily="18" charset="0"/>
-              <a:cs typeface="Times New Roman" panose="02020603050405020304" pitchFamily="18" charset="0"/>
-            </a:endParaRPr>
+            <a:endParaRPr lang="nl-BE" dirty="0"/>
           </a:p>
         </p:txBody>
       </p:sp>
@@ -22474,169 +23349,113 @@
         </p:nvSpPr>
         <p:spPr>
           <a:xfrm>
-            <a:off x="7715847" y="11235290"/>
+            <a:off x="7715847" y="11026943"/>
             <a:ext cx="6699250" cy="536406"/>
           </a:xfrm>
           <a:prstGeom prst="rect">
             <a:avLst/>
           </a:prstGeom>
-          <a:noFill/>
+          <a:solidFill>
+            <a:srgbClr val="242852">
+              <a:alpha val="20000"/>
+            </a:srgbClr>
+          </a:solidFill>
         </p:spPr>
         <p:txBody>
           <a:bodyPr lIns="52249" tIns="52249" rIns="52249" bIns="52249" anchor="ctr" anchorCtr="0">
             <a:spAutoFit/>
           </a:bodyPr>
           <a:lstStyle>
-            <a:lvl1pPr marL="0" indent="0" algn="ctr" defTabSz="2675223" rtl="0" eaLnBrk="1" latinLnBrk="0" hangingPunct="1">
+            <a:defPPr>
+              <a:defRPr lang="en-US"/>
+            </a:defPPr>
+            <a:lvl1pPr indent="0" algn="ctr" defTabSz="2675223">
               <a:spcBef>
                 <a:spcPct val="20000"/>
               </a:spcBef>
               <a:buFont typeface="Arial" pitchFamily="34" charset="0"/>
               <a:buNone/>
-              <a:defRPr sz="2240" b="1" u="sng" kern="1200" baseline="0">
+              <a:defRPr sz="2800" b="1" u="none" baseline="0">
                 <a:solidFill>
                   <a:schemeClr val="accent5">
                     <a:lumMod val="50000"/>
                   </a:schemeClr>
                 </a:solidFill>
-                <a:latin typeface="+mn-lt"/>
-                <a:ea typeface="+mn-ea"/>
-                <a:cs typeface="+mn-cs"/>
+                <a:latin typeface="Times New Roman" panose="02020603050405020304" pitchFamily="18" charset="0"/>
+                <a:cs typeface="Times New Roman" panose="02020603050405020304" pitchFamily="18" charset="0"/>
               </a:defRPr>
             </a:lvl1pPr>
-            <a:lvl2pPr marL="2173619" indent="-836007" algn="l" defTabSz="2675223" rtl="0" eaLnBrk="1" latinLnBrk="0" hangingPunct="1">
+            <a:lvl2pPr marL="2173619" indent="-836007" defTabSz="2675223">
               <a:spcBef>
                 <a:spcPct val="20000"/>
               </a:spcBef>
               <a:buFont typeface="Arial" pitchFamily="34" charset="0"/>
               <a:buChar char="–"/>
-              <a:defRPr sz="8214" kern="1200">
-                <a:solidFill>
-                  <a:schemeClr val="tx1"/>
-                </a:solidFill>
-                <a:latin typeface="+mn-lt"/>
-                <a:ea typeface="+mn-ea"/>
-                <a:cs typeface="+mn-cs"/>
-              </a:defRPr>
+              <a:defRPr sz="8214"/>
             </a:lvl2pPr>
-            <a:lvl3pPr marL="3344029" indent="-668806" algn="l" defTabSz="2675223" rtl="0" eaLnBrk="1" latinLnBrk="0" hangingPunct="1">
+            <a:lvl3pPr marL="3344029" indent="-668806" defTabSz="2675223">
               <a:spcBef>
                 <a:spcPct val="20000"/>
               </a:spcBef>
               <a:buFont typeface="Arial" pitchFamily="34" charset="0"/>
               <a:buChar char="•"/>
-              <a:defRPr sz="7040" kern="1200">
-                <a:solidFill>
-                  <a:schemeClr val="tx1"/>
-                </a:solidFill>
-                <a:latin typeface="+mn-lt"/>
-                <a:ea typeface="+mn-ea"/>
-                <a:cs typeface="+mn-cs"/>
-              </a:defRPr>
+              <a:defRPr sz="7040"/>
             </a:lvl3pPr>
-            <a:lvl4pPr marL="4681641" indent="-668806" algn="l" defTabSz="2675223" rtl="0" eaLnBrk="1" latinLnBrk="0" hangingPunct="1">
+            <a:lvl4pPr marL="4681641" indent="-668806" defTabSz="2675223">
               <a:spcBef>
                 <a:spcPct val="20000"/>
               </a:spcBef>
               <a:buFont typeface="Arial" pitchFamily="34" charset="0"/>
               <a:buChar char="–"/>
-              <a:defRPr sz="5867" kern="1200">
-                <a:solidFill>
-                  <a:schemeClr val="tx1"/>
-                </a:solidFill>
-                <a:latin typeface="+mn-lt"/>
-                <a:ea typeface="+mn-ea"/>
-                <a:cs typeface="+mn-cs"/>
-              </a:defRPr>
+              <a:defRPr sz="5867"/>
             </a:lvl4pPr>
-            <a:lvl5pPr marL="6019252" indent="-668806" algn="l" defTabSz="2675223" rtl="0" eaLnBrk="1" latinLnBrk="0" hangingPunct="1">
+            <a:lvl5pPr marL="6019252" indent="-668806" defTabSz="2675223">
               <a:spcBef>
                 <a:spcPct val="20000"/>
               </a:spcBef>
               <a:buFont typeface="Arial" pitchFamily="34" charset="0"/>
               <a:buChar char="»"/>
-              <a:defRPr sz="5867" kern="1200">
-                <a:solidFill>
-                  <a:schemeClr val="tx1"/>
-                </a:solidFill>
-                <a:latin typeface="+mn-lt"/>
-                <a:ea typeface="+mn-ea"/>
-                <a:cs typeface="+mn-cs"/>
-              </a:defRPr>
+              <a:defRPr sz="5867"/>
             </a:lvl5pPr>
-            <a:lvl6pPr marL="7356863" indent="-668806" algn="l" defTabSz="2675223" rtl="0" eaLnBrk="1" latinLnBrk="0" hangingPunct="1">
+            <a:lvl6pPr marL="7356863" indent="-668806" defTabSz="2675223">
               <a:spcBef>
                 <a:spcPct val="20000"/>
               </a:spcBef>
               <a:buFont typeface="Arial" pitchFamily="34" charset="0"/>
               <a:buChar char="•"/>
-              <a:defRPr sz="5867" kern="1200">
-                <a:solidFill>
-                  <a:schemeClr val="tx1"/>
-                </a:solidFill>
-                <a:latin typeface="+mn-lt"/>
-                <a:ea typeface="+mn-ea"/>
-                <a:cs typeface="+mn-cs"/>
-              </a:defRPr>
+              <a:defRPr sz="5867"/>
             </a:lvl6pPr>
-            <a:lvl7pPr marL="8694474" indent="-668806" algn="l" defTabSz="2675223" rtl="0" eaLnBrk="1" latinLnBrk="0" hangingPunct="1">
+            <a:lvl7pPr marL="8694474" indent="-668806" defTabSz="2675223">
               <a:spcBef>
                 <a:spcPct val="20000"/>
               </a:spcBef>
               <a:buFont typeface="Arial" pitchFamily="34" charset="0"/>
               <a:buChar char="•"/>
-              <a:defRPr sz="5867" kern="1200">
-                <a:solidFill>
-                  <a:schemeClr val="tx1"/>
-                </a:solidFill>
-                <a:latin typeface="+mn-lt"/>
-                <a:ea typeface="+mn-ea"/>
-                <a:cs typeface="+mn-cs"/>
-              </a:defRPr>
+              <a:defRPr sz="5867"/>
             </a:lvl7pPr>
-            <a:lvl8pPr marL="10032086" indent="-668806" algn="l" defTabSz="2675223" rtl="0" eaLnBrk="1" latinLnBrk="0" hangingPunct="1">
+            <a:lvl8pPr marL="10032086" indent="-668806" defTabSz="2675223">
               <a:spcBef>
                 <a:spcPct val="20000"/>
               </a:spcBef>
               <a:buFont typeface="Arial" pitchFamily="34" charset="0"/>
               <a:buChar char="•"/>
-              <a:defRPr sz="5867" kern="1200">
-                <a:solidFill>
-                  <a:schemeClr val="tx1"/>
-                </a:solidFill>
-                <a:latin typeface="+mn-lt"/>
-                <a:ea typeface="+mn-ea"/>
-                <a:cs typeface="+mn-cs"/>
-              </a:defRPr>
+              <a:defRPr sz="5867"/>
             </a:lvl8pPr>
-            <a:lvl9pPr marL="11369697" indent="-668806" algn="l" defTabSz="2675223" rtl="0" eaLnBrk="1" latinLnBrk="0" hangingPunct="1">
+            <a:lvl9pPr marL="11369697" indent="-668806" defTabSz="2675223">
               <a:spcBef>
                 <a:spcPct val="20000"/>
               </a:spcBef>
               <a:buFont typeface="Arial" pitchFamily="34" charset="0"/>
               <a:buChar char="•"/>
-              <a:defRPr sz="5867" kern="1200">
-                <a:solidFill>
-                  <a:schemeClr val="tx1"/>
-                </a:solidFill>
-                <a:latin typeface="+mn-lt"/>
-                <a:ea typeface="+mn-ea"/>
-                <a:cs typeface="+mn-cs"/>
-              </a:defRPr>
+              <a:defRPr sz="5867"/>
             </a:lvl9pPr>
           </a:lstStyle>
           <a:p>
             <a:r>
-              <a:rPr lang="en-US" sz="2800" u="none" dirty="0">
-                <a:latin typeface="Times New Roman" panose="02020603050405020304" pitchFamily="18" charset="0"/>
-                <a:cs typeface="Times New Roman" panose="02020603050405020304" pitchFamily="18" charset="0"/>
-              </a:rPr>
-              <a:t>Conservation law</a:t>
+              <a:rPr lang="en-US" dirty="0"/>
+              <a:t>Conservation law (**)</a:t>
             </a:r>
-            <a:endParaRPr lang="nl-BE" sz="2800" u="none" dirty="0">
-              <a:latin typeface="Times New Roman" panose="02020603050405020304" pitchFamily="18" charset="0"/>
-              <a:cs typeface="Times New Roman" panose="02020603050405020304" pitchFamily="18" charset="0"/>
-            </a:endParaRPr>
+            <a:endParaRPr lang="nl-BE" dirty="0"/>
           </a:p>
         </p:txBody>
       </p:sp>
@@ -22658,7 +23477,7 @@
             </p:nvSpPr>
             <p:spPr>
               <a:xfrm>
-                <a:off x="7742004" y="11771770"/>
+                <a:off x="7742004" y="11563423"/>
                 <a:ext cx="6704542" cy="1803769"/>
               </a:xfrm>
               <a:prstGeom prst="rect">
@@ -22809,6 +23628,7 @@
                 </a:lvl9pPr>
               </a:lstStyle>
               <a:p>
+                <a:pPr/>
                 <a14:m>
                   <m:oMathPara xmlns:m="http://schemas.openxmlformats.org/officeDocument/2006/math">
                     <m:oMathParaPr>
@@ -22835,22 +23655,22 @@
                           <m:sSup>
                             <m:sSupPr>
                               <m:ctrlPr>
-                                <a:rPr lang="pt-BR" sz="3200" i="1" smtClean="0">
+                                <a:rPr lang="pt-BR" sz="3200" b="1" i="1" smtClean="0">
                                   <a:latin typeface="Cambria Math" panose="02040503050406030204" pitchFamily="18" charset="0"/>
                                 </a:rPr>
                               </m:ctrlPr>
                             </m:sSupPr>
                             <m:e>
                               <m:r>
-                                <a:rPr lang="en-US" sz="3200" b="0" i="1" smtClean="0">
+                                <a:rPr lang="en-US" sz="3200" b="1" i="1" smtClean="0">
                                   <a:latin typeface="Cambria Math" panose="02040503050406030204" pitchFamily="18" charset="0"/>
                                 </a:rPr>
-                                <m:t>𝑧</m:t>
+                                <m:t>𝒛</m:t>
                               </m:r>
                             </m:e>
                             <m:sup>
                               <m:r>
-                                <a:rPr lang="en-US" sz="3200" b="0" i="1" smtClean="0">
+                                <a:rPr lang="en-US" sz="3200" b="1" i="1" smtClean="0">
                                   <a:latin typeface="Cambria Math" panose="02040503050406030204" pitchFamily="18" charset="0"/>
                                 </a:rPr>
                                 <m:t>∗</m:t>
@@ -22912,10 +23732,10 @@
                                 <m:t>,</m:t>
                               </m:r>
                               <m:r>
-                                <a:rPr lang="en-US" sz="3200">
+                                <a:rPr lang="en-US" sz="3200" b="1" i="0" smtClean="0">
                                   <a:latin typeface="Cambria Math" panose="02040503050406030204" pitchFamily="18" charset="0"/>
                                 </a:rPr>
-                                <m:t>𝑧</m:t>
+                                <m:t>𝐳</m:t>
                               </m:r>
                             </m:sub>
                           </m:sSub>
@@ -22943,10 +23763,10 @@
                             </m:e>
                             <m:sub>
                               <m:r>
-                                <a:rPr lang="en-US" sz="3200">
+                                <a:rPr lang="en-US" sz="3200" b="1" i="0" smtClean="0">
                                   <a:latin typeface="Cambria Math" panose="02040503050406030204" pitchFamily="18" charset="0"/>
                                 </a:rPr>
-                                <m:t>𝑍</m:t>
+                                <m:t>𝐳</m:t>
                               </m:r>
                               <m:r>
                                 <a:rPr lang="en-US" sz="3200">
@@ -22955,10 +23775,10 @@
                                 <m:t>,</m:t>
                               </m:r>
                               <m:r>
-                                <a:rPr lang="en-US" sz="3200">
+                                <a:rPr lang="en-US" sz="3200" b="1" i="0" smtClean="0">
                                   <a:latin typeface="Cambria Math" panose="02040503050406030204" pitchFamily="18" charset="0"/>
                                 </a:rPr>
-                                <m:t>𝑆</m:t>
+                                <m:t>𝐬</m:t>
                               </m:r>
                             </m:sub>
                           </m:sSub>
@@ -22983,17 +23803,17 @@
                             <m:accPr>
                               <m:chr m:val="̅"/>
                               <m:ctrlPr>
-                                <a:rPr lang="en-US" sz="3200" b="0" i="1" smtClean="0">
+                                <a:rPr lang="en-US" sz="3200" b="1" i="1" smtClean="0">
                                   <a:latin typeface="Cambria Math" panose="02040503050406030204" pitchFamily="18" charset="0"/>
                                 </a:rPr>
                               </m:ctrlPr>
                             </m:accPr>
                             <m:e>
                               <m:r>
-                                <a:rPr lang="en-US" sz="3200" b="0" i="1" smtClean="0">
+                                <a:rPr lang="en-US" sz="3200" b="1" i="1" smtClean="0">
                                   <a:latin typeface="Cambria Math" panose="02040503050406030204" pitchFamily="18" charset="0"/>
                                 </a:rPr>
-                                <m:t>𝑠</m:t>
+                                <m:t>𝒔</m:t>
                               </m:r>
                             </m:e>
                           </m:acc>
@@ -23017,24 +23837,24 @@
                         <m:accPr>
                           <m:chr m:val="̅"/>
                           <m:ctrlPr>
-                            <a:rPr lang="en-US" sz="3200" i="1" smtClean="0">
+                            <a:rPr lang="en-US" sz="3200" b="1" i="1" smtClean="0">
                               <a:latin typeface="Cambria Math" panose="02040503050406030204" pitchFamily="18" charset="0"/>
                             </a:rPr>
                           </m:ctrlPr>
                         </m:accPr>
                         <m:e>
                           <m:r>
-                            <a:rPr lang="en-US" sz="3200" b="0" i="1" smtClean="0">
+                            <a:rPr lang="en-US" sz="3200" b="1" i="1" smtClean="0">
                               <a:latin typeface="Cambria Math" panose="02040503050406030204" pitchFamily="18" charset="0"/>
                             </a:rPr>
-                            <m:t>𝑠</m:t>
+                            <m:t>𝒔</m:t>
                           </m:r>
                         </m:e>
                       </m:acc>
                     </m:oMath>
                   </m:oMathPara>
                 </a14:m>
-                <a:endParaRPr lang="en-US" sz="3200" dirty="0"/>
+                <a:endParaRPr lang="en-US" sz="3200" b="1" dirty="0"/>
               </a:p>
               <a:p>
                 <a:pPr algn="ctr"/>
@@ -23049,10 +23869,7 @@
                 <a14:m>
                   <m:oMath xmlns:m="http://schemas.openxmlformats.org/officeDocument/2006/math">
                     <m:r>
-                      <m:rPr>
-                        <m:sty m:val="p"/>
-                      </m:rPr>
-                      <a:rPr lang="en-US" sz="2400" smtClean="0">
+                      <a:rPr lang="en-US" sz="2400" b="1" i="1" smtClean="0">
                         <a:solidFill>
                           <a:schemeClr val="accent5">
                             <a:lumMod val="50000"/>
@@ -23060,7 +23877,7 @@
                         </a:solidFill>
                         <a:latin typeface="Cambria Math" panose="02040503050406030204" pitchFamily="18" charset="0"/>
                       </a:rPr>
-                      <m:t>s</m:t>
+                      <m:t>𝐬</m:t>
                     </m:r>
                     <m:r>
                       <a:rPr lang="en-US" sz="2400" smtClean="0">
@@ -23132,22 +23949,22 @@
                     <m:sSup>
                       <m:sSupPr>
                         <m:ctrlPr>
-                          <a:rPr lang="en-US" sz="2400" i="1">
+                          <a:rPr lang="en-US" sz="2400" b="1" i="1">
                             <a:latin typeface="Cambria Math" panose="02040503050406030204" pitchFamily="18" charset="0"/>
                           </a:rPr>
                         </m:ctrlPr>
                       </m:sSupPr>
                       <m:e>
                         <m:r>
-                          <a:rPr lang="en-US" sz="2400" i="1">
+                          <a:rPr lang="en-US" sz="2400" b="1" i="1">
                             <a:latin typeface="Cambria Math" panose="02040503050406030204" pitchFamily="18" charset="0"/>
                           </a:rPr>
-                          <m:t>𝑧</m:t>
+                          <m:t>𝒛</m:t>
                         </m:r>
                       </m:e>
                       <m:sup>
                         <m:r>
-                          <a:rPr lang="en-US" sz="2400" i="1">
+                          <a:rPr lang="en-US" sz="2400" b="1" i="1">
                             <a:latin typeface="Cambria Math" panose="02040503050406030204" pitchFamily="18" charset="0"/>
                           </a:rPr>
                           <m:t>∗</m:t>
@@ -23156,7 +23973,7 @@
                     </m:sSup>
                   </m:oMath>
                 </a14:m>
-                <a:endParaRPr lang="en-US" sz="2400" dirty="0"/>
+                <a:endParaRPr lang="en-US" sz="2400" b="1" dirty="0"/>
               </a:p>
             </p:txBody>
           </p:sp>
@@ -23178,14 +23995,14 @@
             </p:nvSpPr>
             <p:spPr>
               <a:xfrm>
-                <a:off x="7742004" y="11771770"/>
+                <a:off x="7742004" y="11563423"/>
                 <a:ext cx="6704542" cy="1803769"/>
               </a:xfrm>
               <a:prstGeom prst="rect">
                 <a:avLst/>
               </a:prstGeom>
               <a:blipFill>
-                <a:blip r:embed="rId8"/>
+                <a:blip r:embed="rId10"/>
                 <a:stretch>
                   <a:fillRect b="-2027"/>
                 </a:stretch>
@@ -23224,7 +24041,7 @@
             </p:nvSpPr>
             <p:spPr>
               <a:xfrm>
-                <a:off x="7894404" y="8642053"/>
+                <a:off x="7731573" y="8322668"/>
                 <a:ext cx="6704542" cy="2690678"/>
               </a:xfrm>
               <a:prstGeom prst="rect">
@@ -23375,6 +24192,7 @@
                 </a:lvl9pPr>
               </a:lstStyle>
               <a:p>
+                <a:pPr/>
                 <a14:m>
                   <m:oMathPara xmlns:m="http://schemas.openxmlformats.org/officeDocument/2006/math">
                     <m:oMathParaPr>
@@ -23391,15 +24209,15 @@
                         </m:sSupPr>
                         <m:e>
                           <m:r>
-                            <a:rPr lang="en-US" sz="3200" i="1" smtClean="0">
+                            <a:rPr lang="en-US" sz="3200" b="1" i="1" smtClean="0">
                               <a:latin typeface="Cambria Math" panose="02040503050406030204" pitchFamily="18" charset="0"/>
                             </a:rPr>
-                            <m:t>𝑧</m:t>
+                            <m:t>𝒛</m:t>
                           </m:r>
                         </m:e>
                         <m:sup>
                           <m:r>
-                            <a:rPr lang="en-US" sz="3200" i="1" smtClean="0">
+                            <a:rPr lang="en-US" sz="3200" b="1" i="1" smtClean="0">
                               <a:latin typeface="Cambria Math" panose="02040503050406030204" pitchFamily="18" charset="0"/>
                             </a:rPr>
                             <m:t>∗</m:t>
@@ -23457,10 +24275,10 @@
                             </m:e>
                             <m:lim>
                               <m:r>
-                                <a:rPr lang="en-US" sz="3200" i="1" smtClean="0">
+                                <a:rPr lang="en-US" sz="3200" b="1" i="1" smtClean="0">
                                   <a:latin typeface="Cambria Math" panose="02040503050406030204" pitchFamily="18" charset="0"/>
                                 </a:rPr>
-                                <m:t>𝑧</m:t>
+                                <m:t>𝒛</m:t>
                               </m:r>
                             </m:lim>
                           </m:limLow>
@@ -23496,10 +24314,10 @@
                                 <m:t>,</m:t>
                               </m:r>
                               <m:r>
-                                <a:rPr lang="en-US" sz="3200">
+                                <a:rPr lang="en-US" sz="3200" b="1" i="1">
                                   <a:latin typeface="Cambria Math" panose="02040503050406030204" pitchFamily="18" charset="0"/>
                                 </a:rPr>
-                                <m:t>𝑧</m:t>
+                                <m:t>𝐳</m:t>
                               </m:r>
                             </m:sub>
                           </m:sSub>
@@ -23527,10 +24345,10 @@
                             </m:e>
                             <m:sub>
                               <m:r>
-                                <a:rPr lang="en-US" sz="3200">
+                                <a:rPr lang="en-US" sz="3200" b="1" i="0" smtClean="0">
                                   <a:latin typeface="Cambria Math" panose="02040503050406030204" pitchFamily="18" charset="0"/>
                                 </a:rPr>
-                                <m:t>𝑍</m:t>
+                                <m:t>𝐳</m:t>
                               </m:r>
                               <m:r>
                                 <a:rPr lang="en-US" sz="3200">
@@ -23539,10 +24357,10 @@
                                 <m:t>,</m:t>
                               </m:r>
                               <m:r>
-                                <a:rPr lang="en-US" sz="3200">
+                                <a:rPr lang="en-US" sz="3200" b="1" i="0" smtClean="0">
                                   <a:latin typeface="Cambria Math" panose="02040503050406030204" pitchFamily="18" charset="0"/>
                                 </a:rPr>
-                                <m:t>𝑆</m:t>
+                                <m:t>𝐬</m:t>
                               </m:r>
                             </m:sub>
                           </m:sSub>
@@ -23599,16 +24417,16 @@
             </p:nvSpPr>
             <p:spPr>
               <a:xfrm>
-                <a:off x="7894404" y="8642053"/>
+                <a:off x="7731573" y="8322668"/>
                 <a:ext cx="6704542" cy="2690678"/>
               </a:xfrm>
               <a:prstGeom prst="rect">
                 <a:avLst/>
               </a:prstGeom>
               <a:blipFill>
-                <a:blip r:embed="rId9"/>
+                <a:blip r:embed="rId11"/>
                 <a:stretch>
-                  <a:fillRect l="-818" b="-1361"/>
+                  <a:fillRect l="-818" b="-1131"/>
                 </a:stretch>
               </a:blipFill>
             </p:spPr>
@@ -23629,52 +24447,6 @@
       </mc:AlternateContent>
       <p:sp>
         <p:nvSpPr>
-          <p:cNvPr id="24" name="Pijl: omlaag 23">
-            <a:extLst>
-              <a:ext uri="{FF2B5EF4-FFF2-40B4-BE49-F238E27FC236}">
-                <a16:creationId xmlns:a16="http://schemas.microsoft.com/office/drawing/2014/main" id="{26E5EC90-C9FE-484F-9AE6-5D5AFEB00D97}"/>
-              </a:ext>
-            </a:extLst>
-          </p:cNvPr>
-          <p:cNvSpPr/>
-          <p:nvPr/>
-        </p:nvSpPr>
-        <p:spPr>
-          <a:xfrm>
-            <a:off x="10583287" y="13535936"/>
-            <a:ext cx="515020" cy="493538"/>
-          </a:xfrm>
-          <a:prstGeom prst="downArrow">
-            <a:avLst/>
-          </a:prstGeom>
-        </p:spPr>
-        <p:style>
-          <a:lnRef idx="2">
-            <a:schemeClr val="accent1">
-              <a:shade val="50000"/>
-            </a:schemeClr>
-          </a:lnRef>
-          <a:fillRef idx="1">
-            <a:schemeClr val="accent1"/>
-          </a:fillRef>
-          <a:effectRef idx="0">
-            <a:schemeClr val="accent1"/>
-          </a:effectRef>
-          <a:fontRef idx="minor">
-            <a:schemeClr val="lt1"/>
-          </a:fontRef>
-        </p:style>
-        <p:txBody>
-          <a:bodyPr rtlCol="0" anchor="ctr"/>
-          <a:lstStyle/>
-          <a:p>
-            <a:pPr algn="ctr"/>
-            <a:endParaRPr lang="nl-BE"/>
-          </a:p>
-        </p:txBody>
-      </p:sp>
-      <p:sp>
-        <p:nvSpPr>
           <p:cNvPr id="53" name="Tijdelijke aanduiding voor tekst 7">
             <a:extLst>
               <a:ext uri="{FF2B5EF4-FFF2-40B4-BE49-F238E27FC236}">
@@ -23689,7 +24461,7 @@
         </p:nvSpPr>
         <p:spPr>
           <a:xfrm>
-            <a:off x="14845705" y="10220745"/>
+            <a:off x="14845705" y="10281705"/>
             <a:ext cx="6705600" cy="536406"/>
           </a:xfrm>
           <a:prstGeom prst="rect">
@@ -23875,7 +24647,7 @@
         </p:nvGrpSpPr>
         <p:grpSpPr>
           <a:xfrm>
-            <a:off x="14959103" y="12684277"/>
+            <a:off x="14959103" y="12745237"/>
             <a:ext cx="6507852" cy="2133601"/>
             <a:chOff x="14959103" y="10622403"/>
             <a:chExt cx="6507852" cy="2133601"/>
@@ -23896,7 +24668,7 @@
             <p:nvPr/>
           </p:nvPicPr>
           <p:blipFill>
-            <a:blip r:embed="rId10">
+            <a:blip r:embed="rId12">
               <a:extLst>
                 <a:ext uri="{28A0092B-C50C-407E-A947-70E740481C1C}">
                   <a14:useLocalDpi xmlns:a14="http://schemas.microsoft.com/office/drawing/2010/main" val="0"/>
@@ -23940,7 +24712,7 @@
             <p:nvPr/>
           </p:nvPicPr>
           <p:blipFill>
-            <a:blip r:embed="rId11">
+            <a:blip r:embed="rId13">
               <a:extLst>
                 <a:ext uri="{28A0092B-C50C-407E-A947-70E740481C1C}">
                   <a14:useLocalDpi xmlns:a14="http://schemas.microsoft.com/office/drawing/2010/main" val="0"/>
@@ -23986,7 +24758,7 @@
         </p:nvSpPr>
         <p:spPr>
           <a:xfrm>
-            <a:off x="14852056" y="10742400"/>
+            <a:off x="14852056" y="10803360"/>
             <a:ext cx="6699249" cy="1962722"/>
           </a:xfrm>
           <a:prstGeom prst="rect">
@@ -24150,7 +24922,19 @@
             </a:pPr>
             <a:r>
               <a:rPr lang="en-US" sz="2400" dirty="0"/>
-              <a:t>548 nodes (users), 3638 edges (interactions)</a:t>
+              <a:t>548 nodes </a:t>
+            </a:r>
+            <a:r>
+              <a:rPr lang="en-US" sz="2000" dirty="0"/>
+              <a:t>(users)</a:t>
+            </a:r>
+            <a:r>
+              <a:rPr lang="en-US" sz="2400" dirty="0"/>
+              <a:t>, 3638 edges </a:t>
+            </a:r>
+            <a:r>
+              <a:rPr lang="en-US" sz="2000" dirty="0"/>
+              <a:t>(social connections)</a:t>
             </a:r>
           </a:p>
           <a:p>
@@ -24582,7 +25366,7 @@
         </p:nvSpPr>
         <p:spPr>
           <a:xfrm>
-            <a:off x="21960573" y="7244122"/>
+            <a:off x="21960573" y="7352977"/>
             <a:ext cx="6705600" cy="536406"/>
           </a:xfrm>
           <a:prstGeom prst="rect">
@@ -24770,8 +25554,8 @@
         </p:nvSpPr>
         <p:spPr>
           <a:xfrm>
-            <a:off x="21924308" y="7746889"/>
-            <a:ext cx="6704542" cy="1445657"/>
+            <a:off x="21924308" y="7855744"/>
+            <a:ext cx="6704542" cy="1076325"/>
           </a:xfrm>
           <a:prstGeom prst="rect">
             <a:avLst/>
@@ -24937,7 +25721,7 @@
             </a:pPr>
             <a:r>
               <a:rPr lang="en-US" sz="2400" dirty="0"/>
-              <a:t>Additional constraint: total edge weight of the graph is kept constant</a:t>
+              <a:t>Extra constraint: total edge weight kept constant</a:t>
             </a:r>
           </a:p>
         </p:txBody>
@@ -24958,8 +25742,8 @@
         </p:nvSpPr>
         <p:spPr>
           <a:xfrm>
-            <a:off x="14840240" y="14849390"/>
-            <a:ext cx="6699249" cy="1519524"/>
+            <a:off x="14840240" y="14910350"/>
+            <a:ext cx="6699249" cy="1076325"/>
           </a:xfrm>
           <a:prstGeom prst="rect">
             <a:avLst/>
@@ -25160,686 +25944,8 @@
               <a:t> = 0.5)</a:t>
             </a:r>
           </a:p>
-          <a:p>
-            <a:endParaRPr lang="en-US" sz="2400" dirty="0"/>
-          </a:p>
         </p:txBody>
       </p:sp>
-      <p:grpSp>
-        <p:nvGrpSpPr>
-          <p:cNvPr id="35" name="Groep 34">
-            <a:extLst>
-              <a:ext uri="{FF2B5EF4-FFF2-40B4-BE49-F238E27FC236}">
-                <a16:creationId xmlns:a16="http://schemas.microsoft.com/office/drawing/2014/main" id="{D627A807-E759-491B-BCE8-D4A95EEB2CAE}"/>
-              </a:ext>
-            </a:extLst>
-          </p:cNvPr>
-          <p:cNvGrpSpPr/>
-          <p:nvPr/>
-        </p:nvGrpSpPr>
-        <p:grpSpPr>
-          <a:xfrm>
-            <a:off x="14887387" y="7764316"/>
-            <a:ext cx="6640925" cy="1524000"/>
-            <a:chOff x="14887387" y="7880858"/>
-            <a:chExt cx="6640925" cy="1524000"/>
-          </a:xfrm>
-        </p:grpSpPr>
-        <p:pic>
-          <p:nvPicPr>
-            <p:cNvPr id="30" name="Afbeelding 29">
-              <a:extLst>
-                <a:ext uri="{FF2B5EF4-FFF2-40B4-BE49-F238E27FC236}">
-                  <a16:creationId xmlns:a16="http://schemas.microsoft.com/office/drawing/2014/main" id="{CE25F1F9-DFFF-4D53-BD72-F4447DA651F0}"/>
-                </a:ext>
-              </a:extLst>
-            </p:cNvPr>
-            <p:cNvPicPr>
-              <a:picLocks noChangeAspect="1"/>
-            </p:cNvPicPr>
-            <p:nvPr/>
-          </p:nvPicPr>
-          <p:blipFill>
-            <a:blip r:embed="rId12">
-              <a:extLst>
-                <a:ext uri="{28A0092B-C50C-407E-A947-70E740481C1C}">
-                  <a14:useLocalDpi xmlns:a14="http://schemas.microsoft.com/office/drawing/2010/main" val="0"/>
-                </a:ext>
-              </a:extLst>
-            </a:blip>
-            <a:stretch>
-              <a:fillRect/>
-            </a:stretch>
-          </p:blipFill>
-          <p:spPr>
-            <a:xfrm>
-              <a:off x="14887387" y="7880858"/>
-              <a:ext cx="2286000" cy="1524000"/>
-            </a:xfrm>
-            <a:prstGeom prst="rect">
-              <a:avLst/>
-            </a:prstGeom>
-          </p:spPr>
-        </p:pic>
-        <p:pic>
-          <p:nvPicPr>
-            <p:cNvPr id="32" name="Afbeelding 31">
-              <a:extLst>
-                <a:ext uri="{FF2B5EF4-FFF2-40B4-BE49-F238E27FC236}">
-                  <a16:creationId xmlns:a16="http://schemas.microsoft.com/office/drawing/2014/main" id="{FE39CCA0-7C35-4100-B196-89A158D804F2}"/>
-                </a:ext>
-              </a:extLst>
-            </p:cNvPr>
-            <p:cNvPicPr>
-              <a:picLocks noChangeAspect="1"/>
-            </p:cNvPicPr>
-            <p:nvPr/>
-          </p:nvPicPr>
-          <p:blipFill>
-            <a:blip r:embed="rId13">
-              <a:extLst>
-                <a:ext uri="{28A0092B-C50C-407E-A947-70E740481C1C}">
-                  <a14:useLocalDpi xmlns:a14="http://schemas.microsoft.com/office/drawing/2010/main" val="0"/>
-                </a:ext>
-              </a:extLst>
-            </a:blip>
-            <a:stretch>
-              <a:fillRect/>
-            </a:stretch>
-          </p:blipFill>
-          <p:spPr>
-            <a:xfrm>
-              <a:off x="17064849" y="7880858"/>
-              <a:ext cx="2286000" cy="1524000"/>
-            </a:xfrm>
-            <a:prstGeom prst="rect">
-              <a:avLst/>
-            </a:prstGeom>
-          </p:spPr>
-        </p:pic>
-        <p:pic>
-          <p:nvPicPr>
-            <p:cNvPr id="34" name="Afbeelding 33">
-              <a:extLst>
-                <a:ext uri="{FF2B5EF4-FFF2-40B4-BE49-F238E27FC236}">
-                  <a16:creationId xmlns:a16="http://schemas.microsoft.com/office/drawing/2014/main" id="{843D7929-C5B9-478E-B2EC-33AA7BB38DC4}"/>
-                </a:ext>
-              </a:extLst>
-            </p:cNvPr>
-            <p:cNvPicPr>
-              <a:picLocks noChangeAspect="1"/>
-            </p:cNvPicPr>
-            <p:nvPr/>
-          </p:nvPicPr>
-          <p:blipFill>
-            <a:blip r:embed="rId3">
-              <a:extLst>
-                <a:ext uri="{28A0092B-C50C-407E-A947-70E740481C1C}">
-                  <a14:useLocalDpi xmlns:a14="http://schemas.microsoft.com/office/drawing/2010/main" val="0"/>
-                </a:ext>
-              </a:extLst>
-            </a:blip>
-            <a:stretch>
-              <a:fillRect/>
-            </a:stretch>
-          </p:blipFill>
-          <p:spPr>
-            <a:xfrm>
-              <a:off x="19242312" y="7880858"/>
-              <a:ext cx="2286000" cy="1524000"/>
-            </a:xfrm>
-            <a:prstGeom prst="rect">
-              <a:avLst/>
-            </a:prstGeom>
-          </p:spPr>
-        </p:pic>
-      </p:grpSp>
-      <p:grpSp>
-        <p:nvGrpSpPr>
-          <p:cNvPr id="39" name="Groep 38">
-            <a:extLst>
-              <a:ext uri="{FF2B5EF4-FFF2-40B4-BE49-F238E27FC236}">
-                <a16:creationId xmlns:a16="http://schemas.microsoft.com/office/drawing/2014/main" id="{D2110688-93D2-4BD3-82DA-907BA10416CF}"/>
-              </a:ext>
-            </a:extLst>
-          </p:cNvPr>
-          <p:cNvGrpSpPr/>
-          <p:nvPr/>
-        </p:nvGrpSpPr>
-        <p:grpSpPr>
-          <a:xfrm>
-            <a:off x="14840246" y="9272534"/>
-            <a:ext cx="6688555" cy="756238"/>
-            <a:chOff x="14840246" y="9421571"/>
-            <a:chExt cx="6688555" cy="756238"/>
-          </a:xfrm>
-        </p:grpSpPr>
-        <p:sp>
-          <p:nvSpPr>
-            <p:cNvPr id="86" name="Tijdelijke aanduiding voor tekst 6">
-              <a:extLst>
-                <a:ext uri="{FF2B5EF4-FFF2-40B4-BE49-F238E27FC236}">
-                  <a16:creationId xmlns:a16="http://schemas.microsoft.com/office/drawing/2014/main" id="{1F161149-379F-4A0A-AF6A-3C60B0AD9341}"/>
-                </a:ext>
-              </a:extLst>
-            </p:cNvPr>
-            <p:cNvSpPr txBox="1">
-              <a:spLocks/>
-            </p:cNvSpPr>
-            <p:nvPr/>
-          </p:nvSpPr>
-          <p:spPr>
-            <a:xfrm>
-              <a:off x="14840246" y="9421571"/>
-              <a:ext cx="2224603" cy="756238"/>
-            </a:xfrm>
-            <a:prstGeom prst="rect">
-              <a:avLst/>
-            </a:prstGeom>
-          </p:spPr>
-          <p:txBody>
-            <a:bodyPr wrap="square" lIns="130622" tIns="130622" rIns="130622" bIns="130622">
-              <a:spAutoFit/>
-            </a:bodyPr>
-            <a:lstStyle>
-              <a:lvl1pPr marL="0" indent="0" algn="l" defTabSz="2675223" rtl="0" eaLnBrk="1" latinLnBrk="0" hangingPunct="1">
-                <a:spcBef>
-                  <a:spcPct val="20000"/>
-                </a:spcBef>
-                <a:buFont typeface="Arial" pitchFamily="34" charset="0"/>
-                <a:buNone/>
-                <a:defRPr sz="1493" kern="1200">
-                  <a:solidFill>
-                    <a:schemeClr val="accent5">
-                      <a:lumMod val="50000"/>
-                    </a:schemeClr>
-                  </a:solidFill>
-                  <a:latin typeface="Times New Roman" panose="02020603050405020304" pitchFamily="18" charset="0"/>
-                  <a:ea typeface="+mn-ea"/>
-                  <a:cs typeface="Times New Roman" panose="02020603050405020304" pitchFamily="18" charset="0"/>
-                </a:defRPr>
-              </a:lvl1pPr>
-              <a:lvl2pPr marL="905674" indent="-348336" algn="l" defTabSz="2675223" rtl="0" eaLnBrk="1" latinLnBrk="0" hangingPunct="1">
-                <a:spcBef>
-                  <a:spcPct val="20000"/>
-                </a:spcBef>
-                <a:buFont typeface="Arial" pitchFamily="34" charset="0"/>
-                <a:buChar char="–"/>
-                <a:defRPr sz="1493" kern="1200">
-                  <a:solidFill>
-                    <a:schemeClr val="tx1"/>
-                  </a:solidFill>
-                  <a:latin typeface="Trebuchet MS" pitchFamily="34" charset="0"/>
-                  <a:ea typeface="+mn-ea"/>
-                  <a:cs typeface="+mn-cs"/>
-                </a:defRPr>
-              </a:lvl2pPr>
-              <a:lvl3pPr marL="1254010" indent="-348336" algn="l" defTabSz="2675223" rtl="0" eaLnBrk="1" latinLnBrk="0" hangingPunct="1">
-                <a:spcBef>
-                  <a:spcPct val="20000"/>
-                </a:spcBef>
-                <a:buFont typeface="Arial" pitchFamily="34" charset="0"/>
-                <a:buChar char="•"/>
-                <a:defRPr sz="1493" kern="1200">
-                  <a:solidFill>
-                    <a:schemeClr val="tx1"/>
-                  </a:solidFill>
-                  <a:latin typeface="Trebuchet MS" pitchFamily="34" charset="0"/>
-                  <a:ea typeface="+mn-ea"/>
-                  <a:cs typeface="+mn-cs"/>
-                </a:defRPr>
-              </a:lvl3pPr>
-              <a:lvl4pPr marL="1637181" indent="-383170" algn="l" defTabSz="2675223" rtl="0" eaLnBrk="1" latinLnBrk="0" hangingPunct="1">
-                <a:spcBef>
-                  <a:spcPct val="20000"/>
-                </a:spcBef>
-                <a:buFont typeface="Arial" pitchFamily="34" charset="0"/>
-                <a:buChar char="–"/>
-                <a:defRPr sz="1493" kern="1200">
-                  <a:solidFill>
-                    <a:schemeClr val="tx1"/>
-                  </a:solidFill>
-                  <a:latin typeface="Trebuchet MS" pitchFamily="34" charset="0"/>
-                  <a:ea typeface="+mn-ea"/>
-                  <a:cs typeface="+mn-cs"/>
-                </a:defRPr>
-              </a:lvl4pPr>
-              <a:lvl5pPr marL="1915850" indent="-278669" algn="l" defTabSz="2675223" rtl="0" eaLnBrk="1" latinLnBrk="0" hangingPunct="1">
-                <a:spcBef>
-                  <a:spcPct val="20000"/>
-                </a:spcBef>
-                <a:buFont typeface="Arial" pitchFamily="34" charset="0"/>
-                <a:buChar char="»"/>
-                <a:defRPr sz="1493" kern="1200">
-                  <a:solidFill>
-                    <a:schemeClr val="tx1"/>
-                  </a:solidFill>
-                  <a:latin typeface="Trebuchet MS" pitchFamily="34" charset="0"/>
-                  <a:ea typeface="+mn-ea"/>
-                  <a:cs typeface="+mn-cs"/>
-                </a:defRPr>
-              </a:lvl5pPr>
-              <a:lvl6pPr marL="7356863" indent="-668806" algn="l" defTabSz="2675223" rtl="0" eaLnBrk="1" latinLnBrk="0" hangingPunct="1">
-                <a:spcBef>
-                  <a:spcPct val="20000"/>
-                </a:spcBef>
-                <a:buFont typeface="Arial" pitchFamily="34" charset="0"/>
-                <a:buChar char="•"/>
-                <a:defRPr sz="5867" kern="1200">
-                  <a:solidFill>
-                    <a:schemeClr val="tx1"/>
-                  </a:solidFill>
-                  <a:latin typeface="+mn-lt"/>
-                  <a:ea typeface="+mn-ea"/>
-                  <a:cs typeface="+mn-cs"/>
-                </a:defRPr>
-              </a:lvl6pPr>
-              <a:lvl7pPr marL="8694474" indent="-668806" algn="l" defTabSz="2675223" rtl="0" eaLnBrk="1" latinLnBrk="0" hangingPunct="1">
-                <a:spcBef>
-                  <a:spcPct val="20000"/>
-                </a:spcBef>
-                <a:buFont typeface="Arial" pitchFamily="34" charset="0"/>
-                <a:buChar char="•"/>
-                <a:defRPr sz="5867" kern="1200">
-                  <a:solidFill>
-                    <a:schemeClr val="tx1"/>
-                  </a:solidFill>
-                  <a:latin typeface="+mn-lt"/>
-                  <a:ea typeface="+mn-ea"/>
-                  <a:cs typeface="+mn-cs"/>
-                </a:defRPr>
-              </a:lvl7pPr>
-              <a:lvl8pPr marL="10032086" indent="-668806" algn="l" defTabSz="2675223" rtl="0" eaLnBrk="1" latinLnBrk="0" hangingPunct="1">
-                <a:spcBef>
-                  <a:spcPct val="20000"/>
-                </a:spcBef>
-                <a:buFont typeface="Arial" pitchFamily="34" charset="0"/>
-                <a:buChar char="•"/>
-                <a:defRPr sz="5867" kern="1200">
-                  <a:solidFill>
-                    <a:schemeClr val="tx1"/>
-                  </a:solidFill>
-                  <a:latin typeface="+mn-lt"/>
-                  <a:ea typeface="+mn-ea"/>
-                  <a:cs typeface="+mn-cs"/>
-                </a:defRPr>
-              </a:lvl8pPr>
-              <a:lvl9pPr marL="11369697" indent="-668806" algn="l" defTabSz="2675223" rtl="0" eaLnBrk="1" latinLnBrk="0" hangingPunct="1">
-                <a:spcBef>
-                  <a:spcPct val="20000"/>
-                </a:spcBef>
-                <a:buFont typeface="Arial" pitchFamily="34" charset="0"/>
-                <a:buChar char="•"/>
-                <a:defRPr sz="5867" kern="1200">
-                  <a:solidFill>
-                    <a:schemeClr val="tx1"/>
-                  </a:solidFill>
-                  <a:latin typeface="+mn-lt"/>
-                  <a:ea typeface="+mn-ea"/>
-                  <a:cs typeface="+mn-cs"/>
-                </a:defRPr>
-              </a:lvl9pPr>
-            </a:lstStyle>
-            <a:p>
-              <a:pPr algn="ctr"/>
-              <a:r>
-                <a:rPr lang="en-US" sz="1600" dirty="0"/>
-                <a:t>(a) Example social network graph</a:t>
-              </a:r>
-            </a:p>
-          </p:txBody>
-        </p:sp>
-        <p:sp>
-          <p:nvSpPr>
-            <p:cNvPr id="87" name="Tijdelijke aanduiding voor tekst 6">
-              <a:extLst>
-                <a:ext uri="{FF2B5EF4-FFF2-40B4-BE49-F238E27FC236}">
-                  <a16:creationId xmlns:a16="http://schemas.microsoft.com/office/drawing/2014/main" id="{0F30E21A-987C-4DC8-9825-4E944A647A6C}"/>
-                </a:ext>
-              </a:extLst>
-            </p:cNvPr>
-            <p:cNvSpPr txBox="1">
-              <a:spLocks/>
-            </p:cNvSpPr>
-            <p:nvPr/>
-          </p:nvSpPr>
-          <p:spPr>
-            <a:xfrm>
-              <a:off x="17072222" y="9421571"/>
-              <a:ext cx="2224603" cy="756238"/>
-            </a:xfrm>
-            <a:prstGeom prst="rect">
-              <a:avLst/>
-            </a:prstGeom>
-          </p:spPr>
-          <p:txBody>
-            <a:bodyPr wrap="square" lIns="130622" tIns="130622" rIns="130622" bIns="130622">
-              <a:spAutoFit/>
-            </a:bodyPr>
-            <a:lstStyle>
-              <a:lvl1pPr marL="0" indent="0" algn="l" defTabSz="2675223" rtl="0" eaLnBrk="1" latinLnBrk="0" hangingPunct="1">
-                <a:spcBef>
-                  <a:spcPct val="20000"/>
-                </a:spcBef>
-                <a:buFont typeface="Arial" pitchFamily="34" charset="0"/>
-                <a:buNone/>
-                <a:defRPr sz="1493" kern="1200">
-                  <a:solidFill>
-                    <a:schemeClr val="accent5">
-                      <a:lumMod val="50000"/>
-                    </a:schemeClr>
-                  </a:solidFill>
-                  <a:latin typeface="Times New Roman" panose="02020603050405020304" pitchFamily="18" charset="0"/>
-                  <a:ea typeface="+mn-ea"/>
-                  <a:cs typeface="Times New Roman" panose="02020603050405020304" pitchFamily="18" charset="0"/>
-                </a:defRPr>
-              </a:lvl1pPr>
-              <a:lvl2pPr marL="905674" indent="-348336" algn="l" defTabSz="2675223" rtl="0" eaLnBrk="1" latinLnBrk="0" hangingPunct="1">
-                <a:spcBef>
-                  <a:spcPct val="20000"/>
-                </a:spcBef>
-                <a:buFont typeface="Arial" pitchFamily="34" charset="0"/>
-                <a:buChar char="–"/>
-                <a:defRPr sz="1493" kern="1200">
-                  <a:solidFill>
-                    <a:schemeClr val="tx1"/>
-                  </a:solidFill>
-                  <a:latin typeface="Trebuchet MS" pitchFamily="34" charset="0"/>
-                  <a:ea typeface="+mn-ea"/>
-                  <a:cs typeface="+mn-cs"/>
-                </a:defRPr>
-              </a:lvl2pPr>
-              <a:lvl3pPr marL="1254010" indent="-348336" algn="l" defTabSz="2675223" rtl="0" eaLnBrk="1" latinLnBrk="0" hangingPunct="1">
-                <a:spcBef>
-                  <a:spcPct val="20000"/>
-                </a:spcBef>
-                <a:buFont typeface="Arial" pitchFamily="34" charset="0"/>
-                <a:buChar char="•"/>
-                <a:defRPr sz="1493" kern="1200">
-                  <a:solidFill>
-                    <a:schemeClr val="tx1"/>
-                  </a:solidFill>
-                  <a:latin typeface="Trebuchet MS" pitchFamily="34" charset="0"/>
-                  <a:ea typeface="+mn-ea"/>
-                  <a:cs typeface="+mn-cs"/>
-                </a:defRPr>
-              </a:lvl3pPr>
-              <a:lvl4pPr marL="1637181" indent="-383170" algn="l" defTabSz="2675223" rtl="0" eaLnBrk="1" latinLnBrk="0" hangingPunct="1">
-                <a:spcBef>
-                  <a:spcPct val="20000"/>
-                </a:spcBef>
-                <a:buFont typeface="Arial" pitchFamily="34" charset="0"/>
-                <a:buChar char="–"/>
-                <a:defRPr sz="1493" kern="1200">
-                  <a:solidFill>
-                    <a:schemeClr val="tx1"/>
-                  </a:solidFill>
-                  <a:latin typeface="Trebuchet MS" pitchFamily="34" charset="0"/>
-                  <a:ea typeface="+mn-ea"/>
-                  <a:cs typeface="+mn-cs"/>
-                </a:defRPr>
-              </a:lvl4pPr>
-              <a:lvl5pPr marL="1915850" indent="-278669" algn="l" defTabSz="2675223" rtl="0" eaLnBrk="1" latinLnBrk="0" hangingPunct="1">
-                <a:spcBef>
-                  <a:spcPct val="20000"/>
-                </a:spcBef>
-                <a:buFont typeface="Arial" pitchFamily="34" charset="0"/>
-                <a:buChar char="»"/>
-                <a:defRPr sz="1493" kern="1200">
-                  <a:solidFill>
-                    <a:schemeClr val="tx1"/>
-                  </a:solidFill>
-                  <a:latin typeface="Trebuchet MS" pitchFamily="34" charset="0"/>
-                  <a:ea typeface="+mn-ea"/>
-                  <a:cs typeface="+mn-cs"/>
-                </a:defRPr>
-              </a:lvl5pPr>
-              <a:lvl6pPr marL="7356863" indent="-668806" algn="l" defTabSz="2675223" rtl="0" eaLnBrk="1" latinLnBrk="0" hangingPunct="1">
-                <a:spcBef>
-                  <a:spcPct val="20000"/>
-                </a:spcBef>
-                <a:buFont typeface="Arial" pitchFamily="34" charset="0"/>
-                <a:buChar char="•"/>
-                <a:defRPr sz="5867" kern="1200">
-                  <a:solidFill>
-                    <a:schemeClr val="tx1"/>
-                  </a:solidFill>
-                  <a:latin typeface="+mn-lt"/>
-                  <a:ea typeface="+mn-ea"/>
-                  <a:cs typeface="+mn-cs"/>
-                </a:defRPr>
-              </a:lvl6pPr>
-              <a:lvl7pPr marL="8694474" indent="-668806" algn="l" defTabSz="2675223" rtl="0" eaLnBrk="1" latinLnBrk="0" hangingPunct="1">
-                <a:spcBef>
-                  <a:spcPct val="20000"/>
-                </a:spcBef>
-                <a:buFont typeface="Arial" pitchFamily="34" charset="0"/>
-                <a:buChar char="•"/>
-                <a:defRPr sz="5867" kern="1200">
-                  <a:solidFill>
-                    <a:schemeClr val="tx1"/>
-                  </a:solidFill>
-                  <a:latin typeface="+mn-lt"/>
-                  <a:ea typeface="+mn-ea"/>
-                  <a:cs typeface="+mn-cs"/>
-                </a:defRPr>
-              </a:lvl7pPr>
-              <a:lvl8pPr marL="10032086" indent="-668806" algn="l" defTabSz="2675223" rtl="0" eaLnBrk="1" latinLnBrk="0" hangingPunct="1">
-                <a:spcBef>
-                  <a:spcPct val="20000"/>
-                </a:spcBef>
-                <a:buFont typeface="Arial" pitchFamily="34" charset="0"/>
-                <a:buChar char="•"/>
-                <a:defRPr sz="5867" kern="1200">
-                  <a:solidFill>
-                    <a:schemeClr val="tx1"/>
-                  </a:solidFill>
-                  <a:latin typeface="+mn-lt"/>
-                  <a:ea typeface="+mn-ea"/>
-                  <a:cs typeface="+mn-cs"/>
-                </a:defRPr>
-              </a:lvl8pPr>
-              <a:lvl9pPr marL="11369697" indent="-668806" algn="l" defTabSz="2675223" rtl="0" eaLnBrk="1" latinLnBrk="0" hangingPunct="1">
-                <a:spcBef>
-                  <a:spcPct val="20000"/>
-                </a:spcBef>
-                <a:buFont typeface="Arial" pitchFamily="34" charset="0"/>
-                <a:buChar char="•"/>
-                <a:defRPr sz="5867" kern="1200">
-                  <a:solidFill>
-                    <a:schemeClr val="tx1"/>
-                  </a:solidFill>
-                  <a:latin typeface="+mn-lt"/>
-                  <a:ea typeface="+mn-ea"/>
-                  <a:cs typeface="+mn-cs"/>
-                </a:defRPr>
-              </a:lvl9pPr>
-            </a:lstStyle>
-            <a:p>
-              <a:pPr algn="ctr"/>
-              <a:r>
-                <a:rPr lang="en-US" sz="1600" dirty="0"/>
-                <a:t>(b) Graph after 20% edge weight change</a:t>
-              </a:r>
-            </a:p>
-          </p:txBody>
-        </p:sp>
-        <p:sp>
-          <p:nvSpPr>
-            <p:cNvPr id="88" name="Tijdelijke aanduiding voor tekst 6">
-              <a:extLst>
-                <a:ext uri="{FF2B5EF4-FFF2-40B4-BE49-F238E27FC236}">
-                  <a16:creationId xmlns:a16="http://schemas.microsoft.com/office/drawing/2014/main" id="{4D6F7EB7-F589-4434-85E9-3CF742BCE985}"/>
-                </a:ext>
-              </a:extLst>
-            </p:cNvPr>
-            <p:cNvSpPr txBox="1">
-              <a:spLocks/>
-            </p:cNvSpPr>
-            <p:nvPr/>
-          </p:nvSpPr>
-          <p:spPr>
-            <a:xfrm>
-              <a:off x="19304198" y="9421571"/>
-              <a:ext cx="2224603" cy="756238"/>
-            </a:xfrm>
-            <a:prstGeom prst="rect">
-              <a:avLst/>
-            </a:prstGeom>
-          </p:spPr>
-          <p:txBody>
-            <a:bodyPr wrap="square" lIns="130622" tIns="130622" rIns="130622" bIns="130622">
-              <a:spAutoFit/>
-            </a:bodyPr>
-            <a:lstStyle>
-              <a:lvl1pPr marL="0" indent="0" algn="l" defTabSz="2675223" rtl="0" eaLnBrk="1" latinLnBrk="0" hangingPunct="1">
-                <a:spcBef>
-                  <a:spcPct val="20000"/>
-                </a:spcBef>
-                <a:buFont typeface="Arial" pitchFamily="34" charset="0"/>
-                <a:buNone/>
-                <a:defRPr sz="1493" kern="1200">
-                  <a:solidFill>
-                    <a:schemeClr val="accent5">
-                      <a:lumMod val="50000"/>
-                    </a:schemeClr>
-                  </a:solidFill>
-                  <a:latin typeface="Times New Roman" panose="02020603050405020304" pitchFamily="18" charset="0"/>
-                  <a:ea typeface="+mn-ea"/>
-                  <a:cs typeface="Times New Roman" panose="02020603050405020304" pitchFamily="18" charset="0"/>
-                </a:defRPr>
-              </a:lvl1pPr>
-              <a:lvl2pPr marL="905674" indent="-348336" algn="l" defTabSz="2675223" rtl="0" eaLnBrk="1" latinLnBrk="0" hangingPunct="1">
-                <a:spcBef>
-                  <a:spcPct val="20000"/>
-                </a:spcBef>
-                <a:buFont typeface="Arial" pitchFamily="34" charset="0"/>
-                <a:buChar char="–"/>
-                <a:defRPr sz="1493" kern="1200">
-                  <a:solidFill>
-                    <a:schemeClr val="tx1"/>
-                  </a:solidFill>
-                  <a:latin typeface="Trebuchet MS" pitchFamily="34" charset="0"/>
-                  <a:ea typeface="+mn-ea"/>
-                  <a:cs typeface="+mn-cs"/>
-                </a:defRPr>
-              </a:lvl2pPr>
-              <a:lvl3pPr marL="1254010" indent="-348336" algn="l" defTabSz="2675223" rtl="0" eaLnBrk="1" latinLnBrk="0" hangingPunct="1">
-                <a:spcBef>
-                  <a:spcPct val="20000"/>
-                </a:spcBef>
-                <a:buFont typeface="Arial" pitchFamily="34" charset="0"/>
-                <a:buChar char="•"/>
-                <a:defRPr sz="1493" kern="1200">
-                  <a:solidFill>
-                    <a:schemeClr val="tx1"/>
-                  </a:solidFill>
-                  <a:latin typeface="Trebuchet MS" pitchFamily="34" charset="0"/>
-                  <a:ea typeface="+mn-ea"/>
-                  <a:cs typeface="+mn-cs"/>
-                </a:defRPr>
-              </a:lvl3pPr>
-              <a:lvl4pPr marL="1637181" indent="-383170" algn="l" defTabSz="2675223" rtl="0" eaLnBrk="1" latinLnBrk="0" hangingPunct="1">
-                <a:spcBef>
-                  <a:spcPct val="20000"/>
-                </a:spcBef>
-                <a:buFont typeface="Arial" pitchFamily="34" charset="0"/>
-                <a:buChar char="–"/>
-                <a:defRPr sz="1493" kern="1200">
-                  <a:solidFill>
-                    <a:schemeClr val="tx1"/>
-                  </a:solidFill>
-                  <a:latin typeface="Trebuchet MS" pitchFamily="34" charset="0"/>
-                  <a:ea typeface="+mn-ea"/>
-                  <a:cs typeface="+mn-cs"/>
-                </a:defRPr>
-              </a:lvl4pPr>
-              <a:lvl5pPr marL="1915850" indent="-278669" algn="l" defTabSz="2675223" rtl="0" eaLnBrk="1" latinLnBrk="0" hangingPunct="1">
-                <a:spcBef>
-                  <a:spcPct val="20000"/>
-                </a:spcBef>
-                <a:buFont typeface="Arial" pitchFamily="34" charset="0"/>
-                <a:buChar char="»"/>
-                <a:defRPr sz="1493" kern="1200">
-                  <a:solidFill>
-                    <a:schemeClr val="tx1"/>
-                  </a:solidFill>
-                  <a:latin typeface="Trebuchet MS" pitchFamily="34" charset="0"/>
-                  <a:ea typeface="+mn-ea"/>
-                  <a:cs typeface="+mn-cs"/>
-                </a:defRPr>
-              </a:lvl5pPr>
-              <a:lvl6pPr marL="7356863" indent="-668806" algn="l" defTabSz="2675223" rtl="0" eaLnBrk="1" latinLnBrk="0" hangingPunct="1">
-                <a:spcBef>
-                  <a:spcPct val="20000"/>
-                </a:spcBef>
-                <a:buFont typeface="Arial" pitchFamily="34" charset="0"/>
-                <a:buChar char="•"/>
-                <a:defRPr sz="5867" kern="1200">
-                  <a:solidFill>
-                    <a:schemeClr val="tx1"/>
-                  </a:solidFill>
-                  <a:latin typeface="+mn-lt"/>
-                  <a:ea typeface="+mn-ea"/>
-                  <a:cs typeface="+mn-cs"/>
-                </a:defRPr>
-              </a:lvl6pPr>
-              <a:lvl7pPr marL="8694474" indent="-668806" algn="l" defTabSz="2675223" rtl="0" eaLnBrk="1" latinLnBrk="0" hangingPunct="1">
-                <a:spcBef>
-                  <a:spcPct val="20000"/>
-                </a:spcBef>
-                <a:buFont typeface="Arial" pitchFamily="34" charset="0"/>
-                <a:buChar char="•"/>
-                <a:defRPr sz="5867" kern="1200">
-                  <a:solidFill>
-                    <a:schemeClr val="tx1"/>
-                  </a:solidFill>
-                  <a:latin typeface="+mn-lt"/>
-                  <a:ea typeface="+mn-ea"/>
-                  <a:cs typeface="+mn-cs"/>
-                </a:defRPr>
-              </a:lvl7pPr>
-              <a:lvl8pPr marL="10032086" indent="-668806" algn="l" defTabSz="2675223" rtl="0" eaLnBrk="1" latinLnBrk="0" hangingPunct="1">
-                <a:spcBef>
-                  <a:spcPct val="20000"/>
-                </a:spcBef>
-                <a:buFont typeface="Arial" pitchFamily="34" charset="0"/>
-                <a:buChar char="•"/>
-                <a:defRPr sz="5867" kern="1200">
-                  <a:solidFill>
-                    <a:schemeClr val="tx1"/>
-                  </a:solidFill>
-                  <a:latin typeface="+mn-lt"/>
-                  <a:ea typeface="+mn-ea"/>
-                  <a:cs typeface="+mn-cs"/>
-                </a:defRPr>
-              </a:lvl8pPr>
-              <a:lvl9pPr marL="11369697" indent="-668806" algn="l" defTabSz="2675223" rtl="0" eaLnBrk="1" latinLnBrk="0" hangingPunct="1">
-                <a:spcBef>
-                  <a:spcPct val="20000"/>
-                </a:spcBef>
-                <a:buFont typeface="Arial" pitchFamily="34" charset="0"/>
-                <a:buChar char="•"/>
-                <a:defRPr sz="5867" kern="1200">
-                  <a:solidFill>
-                    <a:schemeClr val="tx1"/>
-                  </a:solidFill>
-                  <a:latin typeface="+mn-lt"/>
-                  <a:ea typeface="+mn-ea"/>
-                  <a:cs typeface="+mn-cs"/>
-                </a:defRPr>
-              </a:lvl9pPr>
-            </a:lstStyle>
-            <a:p>
-              <a:pPr algn="ctr"/>
-              <a:r>
-                <a:rPr lang="en-US" sz="1600" dirty="0"/>
-                <a:t>(c) Graph after 30% edge weight change</a:t>
-              </a:r>
-            </a:p>
-          </p:txBody>
-        </p:sp>
-      </p:grpSp>
       <p:grpSp>
         <p:nvGrpSpPr>
           <p:cNvPr id="85" name="Groep 84">
@@ -25854,7 +25960,7 @@
         </p:nvGrpSpPr>
         <p:grpSpPr>
           <a:xfrm>
-            <a:off x="22057129" y="9244676"/>
+            <a:off x="22057129" y="9375302"/>
             <a:ext cx="6525720" cy="2133600"/>
             <a:chOff x="22057129" y="10141134"/>
             <a:chExt cx="6525720" cy="2133600"/>
@@ -25965,7 +26071,7 @@
         </p:nvSpPr>
         <p:spPr>
           <a:xfrm>
-            <a:off x="21963748" y="11408902"/>
+            <a:off x="21963748" y="11500339"/>
             <a:ext cx="6699249" cy="1002459"/>
           </a:xfrm>
           <a:prstGeom prst="rect">
@@ -26116,13 +26222,10 @@
             </a:lvl9pPr>
           </a:lstStyle>
           <a:p>
-            <a:r>
-              <a:rPr lang="en-US" sz="2400" b="1" dirty="0"/>
-              <a:t>Twitter results:</a:t>
-            </a:r>
+            <a:pPr algn="ctr"/>
             <a:r>
               <a:rPr lang="en-US" sz="2400" dirty="0"/>
-              <a:t> Disagreement marginally increases with </a:t>
+              <a:t>Disagreement marginally increases with </a:t>
             </a:r>
             <a:r>
               <a:rPr lang="el-GR" sz="2400" dirty="0"/>
@@ -26254,7 +26357,7 @@
         </p:nvSpPr>
         <p:spPr>
           <a:xfrm>
-            <a:off x="21954610" y="12190172"/>
+            <a:off x="21954610" y="12277256"/>
             <a:ext cx="6699249" cy="633127"/>
           </a:xfrm>
           <a:prstGeom prst="rect">
@@ -26690,13 +26793,10 @@
             </a:lvl9pPr>
           </a:lstStyle>
           <a:p>
-            <a:r>
-              <a:rPr lang="en-US" sz="2400" b="1" dirty="0"/>
-              <a:t>SBM results:</a:t>
-            </a:r>
+            <a:pPr algn="ctr"/>
             <a:r>
               <a:rPr lang="en-US" sz="2400" dirty="0"/>
-              <a:t> Disagreement marginally increases with </a:t>
+              <a:t>Disagreement marginally increases with </a:t>
             </a:r>
             <a:r>
               <a:rPr lang="el-GR" sz="2400" dirty="0"/>
@@ -26706,6 +26806,308 @@
               <a:rPr lang="en-US" sz="2400" dirty="0"/>
               <a:t>, while polarization significantly reduced.</a:t>
             </a:r>
+          </a:p>
+        </p:txBody>
+      </p:sp>
+      <p:sp>
+        <p:nvSpPr>
+          <p:cNvPr id="59" name="Tijdelijke aanduiding voor tekst 5">
+            <a:extLst>
+              <a:ext uri="{FF2B5EF4-FFF2-40B4-BE49-F238E27FC236}">
+                <a16:creationId xmlns:a16="http://schemas.microsoft.com/office/drawing/2014/main" id="{B709E73F-3A03-430A-8CC0-08F8A15DE5E3}"/>
+              </a:ext>
+            </a:extLst>
+          </p:cNvPr>
+          <p:cNvSpPr txBox="1">
+            <a:spLocks/>
+          </p:cNvSpPr>
+          <p:nvPr/>
+        </p:nvSpPr>
+        <p:spPr>
+          <a:xfrm>
+            <a:off x="7728925" y="13587114"/>
+            <a:ext cx="6699250" cy="536406"/>
+          </a:xfrm>
+          <a:prstGeom prst="rect">
+            <a:avLst/>
+          </a:prstGeom>
+          <a:solidFill>
+            <a:srgbClr val="242852">
+              <a:alpha val="20000"/>
+            </a:srgbClr>
+          </a:solidFill>
+        </p:spPr>
+        <p:txBody>
+          <a:bodyPr lIns="52249" tIns="52249" rIns="52249" bIns="52249" anchor="ctr" anchorCtr="0">
+            <a:spAutoFit/>
+          </a:bodyPr>
+          <a:lstStyle>
+            <a:defPPr>
+              <a:defRPr lang="en-US"/>
+            </a:defPPr>
+            <a:lvl1pPr indent="0" algn="ctr" defTabSz="2675223">
+              <a:spcBef>
+                <a:spcPct val="20000"/>
+              </a:spcBef>
+              <a:buFont typeface="Arial" pitchFamily="34" charset="0"/>
+              <a:buNone/>
+              <a:defRPr sz="2800" b="1" u="none" baseline="0">
+                <a:solidFill>
+                  <a:schemeClr val="accent5">
+                    <a:lumMod val="50000"/>
+                  </a:schemeClr>
+                </a:solidFill>
+                <a:latin typeface="Times New Roman" panose="02020603050405020304" pitchFamily="18" charset="0"/>
+                <a:cs typeface="Times New Roman" panose="02020603050405020304" pitchFamily="18" charset="0"/>
+              </a:defRPr>
+            </a:lvl1pPr>
+            <a:lvl2pPr marL="2173619" indent="-836007" defTabSz="2675223">
+              <a:spcBef>
+                <a:spcPct val="20000"/>
+              </a:spcBef>
+              <a:buFont typeface="Arial" pitchFamily="34" charset="0"/>
+              <a:buChar char="–"/>
+              <a:defRPr sz="8214"/>
+            </a:lvl2pPr>
+            <a:lvl3pPr marL="3344029" indent="-668806" defTabSz="2675223">
+              <a:spcBef>
+                <a:spcPct val="20000"/>
+              </a:spcBef>
+              <a:buFont typeface="Arial" pitchFamily="34" charset="0"/>
+              <a:buChar char="•"/>
+              <a:defRPr sz="7040"/>
+            </a:lvl3pPr>
+            <a:lvl4pPr marL="4681641" indent="-668806" defTabSz="2675223">
+              <a:spcBef>
+                <a:spcPct val="20000"/>
+              </a:spcBef>
+              <a:buFont typeface="Arial" pitchFamily="34" charset="0"/>
+              <a:buChar char="–"/>
+              <a:defRPr sz="5867"/>
+            </a:lvl4pPr>
+            <a:lvl5pPr marL="6019252" indent="-668806" defTabSz="2675223">
+              <a:spcBef>
+                <a:spcPct val="20000"/>
+              </a:spcBef>
+              <a:buFont typeface="Arial" pitchFamily="34" charset="0"/>
+              <a:buChar char="»"/>
+              <a:defRPr sz="5867"/>
+            </a:lvl5pPr>
+            <a:lvl6pPr marL="7356863" indent="-668806" defTabSz="2675223">
+              <a:spcBef>
+                <a:spcPct val="20000"/>
+              </a:spcBef>
+              <a:buFont typeface="Arial" pitchFamily="34" charset="0"/>
+              <a:buChar char="•"/>
+              <a:defRPr sz="5867"/>
+            </a:lvl6pPr>
+            <a:lvl7pPr marL="8694474" indent="-668806" defTabSz="2675223">
+              <a:spcBef>
+                <a:spcPct val="20000"/>
+              </a:spcBef>
+              <a:buFont typeface="Arial" pitchFamily="34" charset="0"/>
+              <a:buChar char="•"/>
+              <a:defRPr sz="5867"/>
+            </a:lvl7pPr>
+            <a:lvl8pPr marL="10032086" indent="-668806" defTabSz="2675223">
+              <a:spcBef>
+                <a:spcPct val="20000"/>
+              </a:spcBef>
+              <a:buFont typeface="Arial" pitchFamily="34" charset="0"/>
+              <a:buChar char="•"/>
+              <a:defRPr sz="5867"/>
+            </a:lvl8pPr>
+            <a:lvl9pPr marL="11369697" indent="-668806" defTabSz="2675223">
+              <a:spcBef>
+                <a:spcPct val="20000"/>
+              </a:spcBef>
+              <a:buFont typeface="Arial" pitchFamily="34" charset="0"/>
+              <a:buChar char="•"/>
+              <a:defRPr sz="5867"/>
+            </a:lvl9pPr>
+          </a:lstStyle>
+          <a:p>
+            <a:r>
+              <a:rPr lang="en-US" dirty="0"/>
+              <a:t>Conclusion (*) and (**)</a:t>
+            </a:r>
+            <a:endParaRPr lang="nl-BE" dirty="0"/>
+          </a:p>
+        </p:txBody>
+      </p:sp>
+      <p:sp>
+        <p:nvSpPr>
+          <p:cNvPr id="55" name="Tijdelijke aanduiding voor tekst 6">
+            <a:extLst>
+              <a:ext uri="{FF2B5EF4-FFF2-40B4-BE49-F238E27FC236}">
+                <a16:creationId xmlns:a16="http://schemas.microsoft.com/office/drawing/2014/main" id="{B51743D7-3685-49F5-B252-8D47CE238C81}"/>
+              </a:ext>
+            </a:extLst>
+          </p:cNvPr>
+          <p:cNvSpPr txBox="1">
+            <a:spLocks/>
+          </p:cNvSpPr>
+          <p:nvPr/>
+        </p:nvSpPr>
+        <p:spPr>
+          <a:xfrm>
+            <a:off x="21924308" y="8767722"/>
+            <a:ext cx="6699249" cy="633127"/>
+          </a:xfrm>
+          <a:prstGeom prst="rect">
+            <a:avLst/>
+          </a:prstGeom>
+        </p:spPr>
+        <p:txBody>
+          <a:bodyPr wrap="square" lIns="130622" tIns="130622" rIns="130622" bIns="130622">
+            <a:spAutoFit/>
+          </a:bodyPr>
+          <a:lstStyle>
+            <a:lvl1pPr marL="0" indent="0" algn="l" defTabSz="2675223" rtl="0" eaLnBrk="1" latinLnBrk="0" hangingPunct="1">
+              <a:spcBef>
+                <a:spcPct val="20000"/>
+              </a:spcBef>
+              <a:buFont typeface="Arial" pitchFamily="34" charset="0"/>
+              <a:buNone/>
+              <a:defRPr sz="1493" kern="1200">
+                <a:solidFill>
+                  <a:schemeClr val="accent5">
+                    <a:lumMod val="50000"/>
+                  </a:schemeClr>
+                </a:solidFill>
+                <a:latin typeface="Times New Roman" panose="02020603050405020304" pitchFamily="18" charset="0"/>
+                <a:ea typeface="+mn-ea"/>
+                <a:cs typeface="Times New Roman" panose="02020603050405020304" pitchFamily="18" charset="0"/>
+              </a:defRPr>
+            </a:lvl1pPr>
+            <a:lvl2pPr marL="905674" indent="-348336" algn="l" defTabSz="2675223" rtl="0" eaLnBrk="1" latinLnBrk="0" hangingPunct="1">
+              <a:spcBef>
+                <a:spcPct val="20000"/>
+              </a:spcBef>
+              <a:buFont typeface="Arial" pitchFamily="34" charset="0"/>
+              <a:buChar char="–"/>
+              <a:defRPr sz="1493" kern="1200">
+                <a:solidFill>
+                  <a:schemeClr val="tx1"/>
+                </a:solidFill>
+                <a:latin typeface="Trebuchet MS" pitchFamily="34" charset="0"/>
+                <a:ea typeface="+mn-ea"/>
+                <a:cs typeface="+mn-cs"/>
+              </a:defRPr>
+            </a:lvl2pPr>
+            <a:lvl3pPr marL="1254010" indent="-348336" algn="l" defTabSz="2675223" rtl="0" eaLnBrk="1" latinLnBrk="0" hangingPunct="1">
+              <a:spcBef>
+                <a:spcPct val="20000"/>
+              </a:spcBef>
+              <a:buFont typeface="Arial" pitchFamily="34" charset="0"/>
+              <a:buChar char="•"/>
+              <a:defRPr sz="1493" kern="1200">
+                <a:solidFill>
+                  <a:schemeClr val="tx1"/>
+                </a:solidFill>
+                <a:latin typeface="Trebuchet MS" pitchFamily="34" charset="0"/>
+                <a:ea typeface="+mn-ea"/>
+                <a:cs typeface="+mn-cs"/>
+              </a:defRPr>
+            </a:lvl3pPr>
+            <a:lvl4pPr marL="1637181" indent="-383170" algn="l" defTabSz="2675223" rtl="0" eaLnBrk="1" latinLnBrk="0" hangingPunct="1">
+              <a:spcBef>
+                <a:spcPct val="20000"/>
+              </a:spcBef>
+              <a:buFont typeface="Arial" pitchFamily="34" charset="0"/>
+              <a:buChar char="–"/>
+              <a:defRPr sz="1493" kern="1200">
+                <a:solidFill>
+                  <a:schemeClr val="tx1"/>
+                </a:solidFill>
+                <a:latin typeface="Trebuchet MS" pitchFamily="34" charset="0"/>
+                <a:ea typeface="+mn-ea"/>
+                <a:cs typeface="+mn-cs"/>
+              </a:defRPr>
+            </a:lvl4pPr>
+            <a:lvl5pPr marL="1915850" indent="-278669" algn="l" defTabSz="2675223" rtl="0" eaLnBrk="1" latinLnBrk="0" hangingPunct="1">
+              <a:spcBef>
+                <a:spcPct val="20000"/>
+              </a:spcBef>
+              <a:buFont typeface="Arial" pitchFamily="34" charset="0"/>
+              <a:buChar char="»"/>
+              <a:defRPr sz="1493" kern="1200">
+                <a:solidFill>
+                  <a:schemeClr val="tx1"/>
+                </a:solidFill>
+                <a:latin typeface="Trebuchet MS" pitchFamily="34" charset="0"/>
+                <a:ea typeface="+mn-ea"/>
+                <a:cs typeface="+mn-cs"/>
+              </a:defRPr>
+            </a:lvl5pPr>
+            <a:lvl6pPr marL="7356863" indent="-668806" algn="l" defTabSz="2675223" rtl="0" eaLnBrk="1" latinLnBrk="0" hangingPunct="1">
+              <a:spcBef>
+                <a:spcPct val="20000"/>
+              </a:spcBef>
+              <a:buFont typeface="Arial" pitchFamily="34" charset="0"/>
+              <a:buChar char="•"/>
+              <a:defRPr sz="5867" kern="1200">
+                <a:solidFill>
+                  <a:schemeClr val="tx1"/>
+                </a:solidFill>
+                <a:latin typeface="+mn-lt"/>
+                <a:ea typeface="+mn-ea"/>
+                <a:cs typeface="+mn-cs"/>
+              </a:defRPr>
+            </a:lvl6pPr>
+            <a:lvl7pPr marL="8694474" indent="-668806" algn="l" defTabSz="2675223" rtl="0" eaLnBrk="1" latinLnBrk="0" hangingPunct="1">
+              <a:spcBef>
+                <a:spcPct val="20000"/>
+              </a:spcBef>
+              <a:buFont typeface="Arial" pitchFamily="34" charset="0"/>
+              <a:buChar char="•"/>
+              <a:defRPr sz="5867" kern="1200">
+                <a:solidFill>
+                  <a:schemeClr val="tx1"/>
+                </a:solidFill>
+                <a:latin typeface="+mn-lt"/>
+                <a:ea typeface="+mn-ea"/>
+                <a:cs typeface="+mn-cs"/>
+              </a:defRPr>
+            </a:lvl7pPr>
+            <a:lvl8pPr marL="10032086" indent="-668806" algn="l" defTabSz="2675223" rtl="0" eaLnBrk="1" latinLnBrk="0" hangingPunct="1">
+              <a:spcBef>
+                <a:spcPct val="20000"/>
+              </a:spcBef>
+              <a:buFont typeface="Arial" pitchFamily="34" charset="0"/>
+              <a:buChar char="•"/>
+              <a:defRPr sz="5867" kern="1200">
+                <a:solidFill>
+                  <a:schemeClr val="tx1"/>
+                </a:solidFill>
+                <a:latin typeface="+mn-lt"/>
+                <a:ea typeface="+mn-ea"/>
+                <a:cs typeface="+mn-cs"/>
+              </a:defRPr>
+            </a:lvl8pPr>
+            <a:lvl9pPr marL="11369697" indent="-668806" algn="l" defTabSz="2675223" rtl="0" eaLnBrk="1" latinLnBrk="0" hangingPunct="1">
+              <a:spcBef>
+                <a:spcPct val="20000"/>
+              </a:spcBef>
+              <a:buFont typeface="Arial" pitchFamily="34" charset="0"/>
+              <a:buChar char="•"/>
+              <a:defRPr sz="5867" kern="1200">
+                <a:solidFill>
+                  <a:schemeClr val="tx1"/>
+                </a:solidFill>
+                <a:latin typeface="+mn-lt"/>
+                <a:ea typeface="+mn-ea"/>
+                <a:cs typeface="+mn-cs"/>
+              </a:defRPr>
+            </a:lvl9pPr>
+          </a:lstStyle>
+          <a:p>
+            <a:pPr algn="ctr"/>
+            <a:r>
+              <a:rPr lang="en-US" sz="2400" b="1" dirty="0"/>
+              <a:t>Twitter experiment</a:t>
+            </a:r>
+            <a:endParaRPr lang="en-US" sz="2400" dirty="0"/>
           </a:p>
         </p:txBody>
       </p:sp>
